--- a/E2M2-2020/Lectures-ppt/R_Bootcamp_forLoopsFunctionsIfElse.pptx
+++ b/E2M2-2020/Lectures-ppt/R_Bootcamp_forLoopsFunctionsIfElse.pptx
@@ -10,16 +10,34 @@
     <p:sldId id="265" r:id="rId4"/>
     <p:sldId id="266" r:id="rId5"/>
     <p:sldId id="268" r:id="rId6"/>
-    <p:sldId id="261" r:id="rId7"/>
-    <p:sldId id="270" r:id="rId8"/>
-    <p:sldId id="269" r:id="rId9"/>
-    <p:sldId id="262" r:id="rId10"/>
-    <p:sldId id="274" r:id="rId11"/>
-    <p:sldId id="272" r:id="rId12"/>
-    <p:sldId id="275" r:id="rId13"/>
-    <p:sldId id="263" r:id="rId14"/>
-    <p:sldId id="273" r:id="rId15"/>
-    <p:sldId id="267" r:id="rId16"/>
+    <p:sldId id="270" r:id="rId7"/>
+    <p:sldId id="261" r:id="rId8"/>
+    <p:sldId id="276" r:id="rId9"/>
+    <p:sldId id="279" r:id="rId10"/>
+    <p:sldId id="277" r:id="rId11"/>
+    <p:sldId id="278" r:id="rId12"/>
+    <p:sldId id="269" r:id="rId13"/>
+    <p:sldId id="262" r:id="rId14"/>
+    <p:sldId id="274" r:id="rId15"/>
+    <p:sldId id="272" r:id="rId16"/>
+    <p:sldId id="290" r:id="rId17"/>
+    <p:sldId id="289" r:id="rId18"/>
+    <p:sldId id="280" r:id="rId19"/>
+    <p:sldId id="263" r:id="rId20"/>
+    <p:sldId id="273" r:id="rId21"/>
+    <p:sldId id="281" r:id="rId22"/>
+    <p:sldId id="283" r:id="rId23"/>
+    <p:sldId id="282" r:id="rId24"/>
+    <p:sldId id="285" r:id="rId25"/>
+    <p:sldId id="284" r:id="rId26"/>
+    <p:sldId id="286" r:id="rId27"/>
+    <p:sldId id="287" r:id="rId28"/>
+    <p:sldId id="291" r:id="rId29"/>
+    <p:sldId id="292" r:id="rId30"/>
+    <p:sldId id="293" r:id="rId31"/>
+    <p:sldId id="294" r:id="rId32"/>
+    <p:sldId id="295" r:id="rId33"/>
+    <p:sldId id="296" r:id="rId34"/>
   </p:sldIdLst>
   <p:sldSz cx="12192000" cy="6858000"/>
   <p:notesSz cx="6858000" cy="9144000"/>
@@ -3980,14 +3998,6 @@
 <file path=ppt/slides/slide10.xml><?xml version="1.0" encoding="utf-8"?>
 <p:sld xmlns:a="http://schemas.openxmlformats.org/drawingml/2006/main" xmlns:r="http://schemas.openxmlformats.org/officeDocument/2006/relationships" xmlns:p="http://schemas.openxmlformats.org/presentationml/2006/main">
   <p:cSld>
-    <p:bg>
-      <p:bgPr>
-        <a:solidFill>
-          <a:schemeClr val="tx1"/>
-        </a:solidFill>
-        <a:effectLst/>
-      </p:bgPr>
-    </p:bg>
     <p:spTree>
       <p:nvGrpSpPr>
         <p:cNvPr id="1" name=""/>
@@ -4004,51 +4014,157 @@
       </p:grpSpPr>
       <p:sp>
         <p:nvSpPr>
-          <p:cNvPr id="10" name="Rectangle 9">
+          <p:cNvPr id="2" name="Title 1">
             <a:extLst>
               <a:ext uri="{FF2B5EF4-FFF2-40B4-BE49-F238E27FC236}">
-                <a16:creationId xmlns:a16="http://schemas.microsoft.com/office/drawing/2014/main" id="{867D4867-5BA7-4462-B2F6-A23F4A622AA7}"/>
-              </a:ext>
-              <a:ext uri="{C183D7F6-B498-43B3-948B-1728B52AA6E4}">
-                <adec:decorative xmlns:adec="http://schemas.microsoft.com/office/drawing/2017/decorative" val="1"/>
+                <a16:creationId xmlns:a16="http://schemas.microsoft.com/office/drawing/2014/main" id="{C330CFCF-961C-EB4B-A9F7-AB97A96C2645}"/>
               </a:ext>
             </a:extLst>
           </p:cNvPr>
           <p:cNvSpPr>
-            <a:spLocks noGrp="1" noRot="1" noChangeAspect="1" noMove="1" noResize="1" noEditPoints="1" noAdjustHandles="1" noChangeArrowheads="1" noChangeShapeType="1" noTextEdit="1"/>
-          </p:cNvSpPr>
-          <p:nvPr>
-            <p:extLst>
-              <p:ext uri="{386F3935-93C4-4BCD-93E2-E3B085C9AB24}">
-                <p16:designElem xmlns:p16="http://schemas.microsoft.com/office/powerpoint/2015/main" val="1"/>
-              </p:ext>
-            </p:extLst>
+            <a:spLocks noGrp="1"/>
+          </p:cNvSpPr>
+          <p:nvPr>
+            <p:ph type="title"/>
           </p:nvPr>
         </p:nvSpPr>
         <p:spPr>
           <a:xfrm>
-            <a:off x="0" y="0"/>
-            <a:ext cx="4654296" cy="6858000"/>
+            <a:off x="1676400" y="971550"/>
+            <a:ext cx="10515600" cy="854075"/>
           </a:xfrm>
-          <a:prstGeom prst="rect">
+        </p:spPr>
+        <p:txBody>
+          <a:bodyPr>
+            <a:normAutofit fontScale="90000"/>
+          </a:bodyPr>
+          <a:lstStyle/>
+          <a:p>
+            <a:r>
+              <a:rPr lang="en-US" dirty="0">
+                <a:solidFill>
+                  <a:srgbClr val="0070C0"/>
+                </a:solidFill>
+              </a:rPr>
+              <a:t>Tells the loop how many times to run</a:t>
+            </a:r>
+            <a:br>
+              <a:rPr lang="en-US" dirty="0"/>
+            </a:br>
+            <a:endParaRPr lang="en-US" dirty="0"/>
+          </a:p>
+        </p:txBody>
+      </p:sp>
+      <p:sp>
+        <p:nvSpPr>
+          <p:cNvPr id="3" name="Content Placeholder 2">
+            <a:extLst>
+              <a:ext uri="{FF2B5EF4-FFF2-40B4-BE49-F238E27FC236}">
+                <a16:creationId xmlns:a16="http://schemas.microsoft.com/office/drawing/2014/main" id="{CD07FCF2-DED7-6E4D-B441-F9600CB35C87}"/>
+              </a:ext>
+            </a:extLst>
+          </p:cNvPr>
+          <p:cNvSpPr>
+            <a:spLocks noGrp="1"/>
+          </p:cNvSpPr>
+          <p:nvPr>
+            <p:ph idx="1"/>
+          </p:nvPr>
+        </p:nvSpPr>
+        <p:spPr/>
+        <p:txBody>
+          <a:bodyPr/>
+          <a:lstStyle/>
+          <a:p>
+            <a:pPr marL="0" indent="0">
+              <a:buNone/>
+            </a:pPr>
+            <a:endParaRPr lang="en-US" dirty="0"/>
+          </a:p>
+          <a:p>
+            <a:pPr marL="0" indent="0">
+              <a:buNone/>
+            </a:pPr>
+            <a:r>
+              <a:rPr lang="en-US" sz="6000" dirty="0"/>
+              <a:t>for (</a:t>
+            </a:r>
+            <a:r>
+              <a:rPr lang="en-US" sz="6000" dirty="0" err="1"/>
+              <a:t>i</a:t>
+            </a:r>
+            <a:r>
+              <a:rPr lang="en-US" sz="6000" dirty="0"/>
+              <a:t> in 1:20) {</a:t>
+            </a:r>
+          </a:p>
+          <a:p>
+            <a:pPr marL="0" indent="0">
+              <a:buNone/>
+            </a:pPr>
+            <a:r>
+              <a:rPr lang="en-US" sz="6000" dirty="0"/>
+              <a:t>print(paste("I am student",</a:t>
+            </a:r>
+            <a:r>
+              <a:rPr lang="en-US" sz="6000" dirty="0" err="1"/>
+              <a:t>i</a:t>
+            </a:r>
+            <a:r>
+              <a:rPr lang="en-US" sz="6000" dirty="0"/>
+              <a:t>))</a:t>
+            </a:r>
+          </a:p>
+          <a:p>
+            <a:pPr marL="0" indent="0">
+              <a:buNone/>
+            </a:pPr>
+            <a:r>
+              <a:rPr lang="en-US" sz="6000" dirty="0"/>
+              <a:t>}</a:t>
+            </a:r>
+          </a:p>
+          <a:p>
+            <a:endParaRPr lang="en-US" dirty="0"/>
+          </a:p>
+        </p:txBody>
+      </p:sp>
+      <p:sp>
+        <p:nvSpPr>
+          <p:cNvPr id="4" name="Frame 3">
+            <a:extLst>
+              <a:ext uri="{FF2B5EF4-FFF2-40B4-BE49-F238E27FC236}">
+                <a16:creationId xmlns:a16="http://schemas.microsoft.com/office/drawing/2014/main" id="{8B1C55F5-9298-FB4E-9913-2FECD36D93D8}"/>
+              </a:ext>
+            </a:extLst>
+          </p:cNvPr>
+          <p:cNvSpPr/>
+          <p:nvPr/>
+        </p:nvSpPr>
+        <p:spPr>
+          <a:xfrm>
+            <a:off x="573741" y="2187388"/>
+            <a:ext cx="4536141" cy="1241612"/>
+          </a:xfrm>
+          <a:prstGeom prst="frame">
             <a:avLst/>
           </a:prstGeom>
           <a:solidFill>
-            <a:srgbClr val="3F3F3F"/>
+            <a:schemeClr val="accent1"/>
           </a:solidFill>
-          <a:ln>
-            <a:noFill/>
-          </a:ln>
+          <a:ln w="0"/>
         </p:spPr>
         <p:style>
-          <a:lnRef idx="0">
-            <a:scrgbClr r="0" g="0" b="0"/>
+          <a:lnRef idx="2">
+            <a:schemeClr val="accent1">
+              <a:shade val="50000"/>
+            </a:schemeClr>
           </a:lnRef>
-          <a:fillRef idx="0">
-            <a:scrgbClr r="0" g="0" b="0"/>
+          <a:fillRef idx="1">
+            <a:schemeClr val="accent1"/>
           </a:fillRef>
           <a:effectRef idx="0">
-            <a:scrgbClr r="0" g="0" b="0"/>
+            <a:schemeClr val="accent1"/>
           </a:effectRef>
           <a:fontRef idx="minor">
             <a:schemeClr val="lt1"/>
@@ -4059,213 +4175,137 @@
           <a:lstStyle/>
           <a:p>
             <a:pPr algn="ctr"/>
-            <a:endParaRPr lang="en-US" dirty="0"/>
-          </a:p>
-        </p:txBody>
-      </p:sp>
-      <p:sp>
-        <p:nvSpPr>
-          <p:cNvPr id="2" name="Title 1">
+            <a:endParaRPr lang="en-US">
+              <a:solidFill>
+                <a:schemeClr val="tx1"/>
+              </a:solidFill>
+            </a:endParaRPr>
+          </a:p>
+        </p:txBody>
+      </p:sp>
+      <p:sp>
+        <p:nvSpPr>
+          <p:cNvPr id="6" name="Frame 5">
             <a:extLst>
               <a:ext uri="{FF2B5EF4-FFF2-40B4-BE49-F238E27FC236}">
-                <a16:creationId xmlns:a16="http://schemas.microsoft.com/office/drawing/2014/main" id="{DDF65B52-D470-9146-BC86-F069B4F6CBF3}"/>
+                <a16:creationId xmlns:a16="http://schemas.microsoft.com/office/drawing/2014/main" id="{9DD4DC67-87C8-884F-954A-A45DB48975AD}"/>
               </a:ext>
             </a:extLst>
           </p:cNvPr>
-          <p:cNvSpPr>
-            <a:spLocks noGrp="1"/>
-          </p:cNvSpPr>
-          <p:nvPr>
-            <p:ph type="title"/>
-          </p:nvPr>
+          <p:cNvSpPr/>
+          <p:nvPr/>
         </p:nvSpPr>
         <p:spPr>
           <a:xfrm>
-            <a:off x="643468" y="623392"/>
-            <a:ext cx="3363974" cy="1607060"/>
+            <a:off x="573741" y="3243916"/>
+            <a:ext cx="9663953" cy="1093694"/>
           </a:xfrm>
-          <a:noFill/>
-          <a:ln w="19050">
-            <a:solidFill>
-              <a:schemeClr val="tx1"/>
-            </a:solidFill>
-          </a:ln>
+          <a:prstGeom prst="frame">
+            <a:avLst/>
+          </a:prstGeom>
+          <a:solidFill>
+            <a:srgbClr val="FF0000"/>
+          </a:solidFill>
         </p:spPr>
-        <p:txBody>
-          <a:bodyPr wrap="square" anchor="ctr">
-            <a:normAutofit/>
-          </a:bodyPr>
+        <p:style>
+          <a:lnRef idx="2">
+            <a:schemeClr val="accent1">
+              <a:shade val="50000"/>
+            </a:schemeClr>
+          </a:lnRef>
+          <a:fillRef idx="1">
+            <a:schemeClr val="accent1"/>
+          </a:fillRef>
+          <a:effectRef idx="0">
+            <a:schemeClr val="accent1"/>
+          </a:effectRef>
+          <a:fontRef idx="minor">
+            <a:schemeClr val="lt1"/>
+          </a:fontRef>
+        </p:style>
+        <p:txBody>
+          <a:bodyPr rtlCol="0" anchor="ctr"/>
           <a:lstStyle/>
           <a:p>
             <a:pPr algn="ctr"/>
-            <a:r>
-              <a:rPr lang="en-US" sz="2800"/>
-              <a:t>If-Else Statements</a:t>
-            </a:r>
-          </a:p>
-        </p:txBody>
-      </p:sp>
-      <p:sp>
-        <p:nvSpPr>
-          <p:cNvPr id="3" name="Content Placeholder 2">
+            <a:endParaRPr lang="en-US">
+              <a:solidFill>
+                <a:schemeClr val="tx1"/>
+              </a:solidFill>
+            </a:endParaRPr>
+          </a:p>
+        </p:txBody>
+      </p:sp>
+      <p:sp>
+        <p:nvSpPr>
+          <p:cNvPr id="7" name="Title 1">
             <a:extLst>
               <a:ext uri="{FF2B5EF4-FFF2-40B4-BE49-F238E27FC236}">
-                <a16:creationId xmlns:a16="http://schemas.microsoft.com/office/drawing/2014/main" id="{CAA55782-6D9D-174E-9C43-B259E5AD9186}"/>
+                <a16:creationId xmlns:a16="http://schemas.microsoft.com/office/drawing/2014/main" id="{EF500199-B1B9-9A4C-909E-EFADC6CCF39F}"/>
               </a:ext>
             </a:extLst>
           </p:cNvPr>
-          <p:cNvSpPr>
-            <a:spLocks noGrp="1"/>
-          </p:cNvSpPr>
-          <p:nvPr>
-            <p:ph idx="1"/>
-          </p:nvPr>
+          <p:cNvSpPr txBox="1">
+            <a:spLocks/>
+          </p:cNvSpPr>
+          <p:nvPr/>
         </p:nvSpPr>
         <p:spPr>
           <a:xfrm>
-            <a:off x="347730" y="2638044"/>
-            <a:ext cx="4790940" cy="1989506"/>
-          </a:xfrm>
-        </p:spPr>
-        <p:txBody>
-          <a:bodyPr>
-            <a:normAutofit fontScale="92500" lnSpcReduction="10000"/>
-          </a:bodyPr>
-          <a:lstStyle/>
-          <a:p>
-            <a:pPr marL="0" indent="0">
-              <a:buNone/>
-            </a:pPr>
-            <a:r>
-              <a:rPr lang="en-US" sz="2000" dirty="0"/>
-              <a:t>If condition is TRUE, then perform some action; otherwise do not perform that action.</a:t>
-            </a:r>
-          </a:p>
-          <a:p>
-            <a:pPr marL="0" indent="0">
-              <a:buNone/>
-            </a:pPr>
-            <a:endParaRPr lang="en-US" sz="2000" dirty="0"/>
-          </a:p>
-          <a:p>
-            <a:pPr marL="0" indent="0">
-              <a:buNone/>
-            </a:pPr>
-            <a:r>
-              <a:rPr lang="en-US" sz="2000" dirty="0"/>
-              <a:t>if (condition is TRUE) </a:t>
-            </a:r>
-          </a:p>
-          <a:p>
-            <a:pPr marL="0" indent="0">
-              <a:buNone/>
-            </a:pPr>
-            <a:r>
-              <a:rPr lang="en-US" sz="2000" dirty="0"/>
-              <a:t>	{ do something </a:t>
-            </a:r>
-            <a:r>
-              <a:rPr lang="en-US" sz="2000" dirty="0">
-                <a:solidFill>
-                  <a:srgbClr val="FF0000"/>
-                </a:solidFill>
-              </a:rPr>
-              <a:t>} else</a:t>
-            </a:r>
-          </a:p>
-          <a:p>
-            <a:pPr marL="0" indent="0">
-              <a:buNone/>
-            </a:pPr>
-            <a:r>
-              <a:rPr lang="en-US" sz="2000" dirty="0"/>
-              <a:t> { do different thing }</a:t>
-            </a:r>
-          </a:p>
-          <a:p>
-            <a:pPr marL="0" indent="0">
-              <a:buNone/>
-            </a:pPr>
-            <a:endParaRPr lang="en-US" sz="2000" dirty="0"/>
-          </a:p>
-          <a:p>
-            <a:pPr marL="0" indent="0">
-              <a:buNone/>
-            </a:pPr>
-            <a:endParaRPr lang="en-US" sz="2000" dirty="0"/>
-          </a:p>
-          <a:p>
-            <a:pPr marL="0" indent="0">
-              <a:buNone/>
-            </a:pPr>
-            <a:endParaRPr lang="en-US" sz="2000" dirty="0"/>
-          </a:p>
-        </p:txBody>
-      </p:sp>
-      <p:pic>
-        <p:nvPicPr>
-          <p:cNvPr id="5" name="Picture 4" descr="A close up of a logo&#10;&#10;Description automatically generated">
-            <a:extLst>
-              <a:ext uri="{FF2B5EF4-FFF2-40B4-BE49-F238E27FC236}">
-                <a16:creationId xmlns:a16="http://schemas.microsoft.com/office/drawing/2014/main" id="{FE129B55-D84E-9D43-8A99-A2C61EA66069}"/>
-              </a:ext>
-            </a:extLst>
-          </p:cNvPr>
-          <p:cNvPicPr>
-            <a:picLocks noChangeAspect="1"/>
-          </p:cNvPicPr>
-          <p:nvPr/>
-        </p:nvPicPr>
-        <p:blipFill>
-          <a:blip r:embed="rId2"/>
-          <a:stretch>
-            <a:fillRect/>
-          </a:stretch>
-        </p:blipFill>
-        <p:spPr>
-          <a:xfrm>
-            <a:off x="5297763" y="945056"/>
-            <a:ext cx="6250769" cy="4807021"/>
+            <a:off x="1416424" y="5355945"/>
+            <a:ext cx="10515600" cy="854075"/>
           </a:xfrm>
           <a:prstGeom prst="rect">
             <a:avLst/>
           </a:prstGeom>
         </p:spPr>
-      </p:pic>
-      <p:sp>
-        <p:nvSpPr>
-          <p:cNvPr id="4" name="Rectangle 3">
-            <a:extLst>
-              <a:ext uri="{FF2B5EF4-FFF2-40B4-BE49-F238E27FC236}">
-                <a16:creationId xmlns:a16="http://schemas.microsoft.com/office/drawing/2014/main" id="{61CA8AC8-E6B8-9C4D-9E12-90338C6E6FEC}"/>
-              </a:ext>
-            </a:extLst>
-          </p:cNvPr>
-          <p:cNvSpPr/>
-          <p:nvPr/>
-        </p:nvSpPr>
-        <p:spPr>
-          <a:xfrm>
-            <a:off x="347730" y="5559504"/>
-            <a:ext cx="6096000" cy="1200329"/>
-          </a:xfrm>
-          <a:prstGeom prst="rect">
-            <a:avLst/>
-          </a:prstGeom>
-        </p:spPr>
-        <p:txBody>
-          <a:bodyPr>
-            <a:spAutoFit/>
+        <p:txBody>
+          <a:bodyPr vert="horz" lIns="91440" tIns="45720" rIns="91440" bIns="45720" rtlCol="0" anchor="ctr">
+            <a:normAutofit fontScale="97500"/>
           </a:bodyPr>
-          <a:lstStyle/>
-          <a:p>
-            <a:r>
-              <a:rPr lang="en-US" sz="2400" b="1" dirty="0">
+          <a:lstStyle>
+            <a:lvl1pPr algn="l" defTabSz="914400" rtl="0" eaLnBrk="1" latinLnBrk="0" hangingPunct="1">
+              <a:lnSpc>
+                <a:spcPct val="90000"/>
+              </a:lnSpc>
+              <a:spcBef>
+                <a:spcPct val="0"/>
+              </a:spcBef>
+              <a:buNone/>
+              <a:defRPr sz="4400" kern="1200">
+                <a:solidFill>
+                  <a:schemeClr val="tx1"/>
+                </a:solidFill>
+                <a:latin typeface="+mj-lt"/>
+                <a:ea typeface="+mj-ea"/>
+                <a:cs typeface="+mj-cs"/>
+              </a:defRPr>
+            </a:lvl1pPr>
+          </a:lstStyle>
+          <a:p>
+            <a:r>
+              <a:rPr lang="en-US" dirty="0">
                 <a:solidFill>
                   <a:srgbClr val="FF0000"/>
                 </a:solidFill>
               </a:rPr>
-              <a:t>It is important to note that else must be in the same line as the closing braces of the if statement.</a:t>
+              <a:t>Function to be run </a:t>
+            </a:r>
+            <a:r>
+              <a:rPr lang="en-US" dirty="0" err="1">
+                <a:solidFill>
+                  <a:srgbClr val="FF0000"/>
+                </a:solidFill>
+              </a:rPr>
+              <a:t>i</a:t>
+            </a:r>
+            <a:r>
+              <a:rPr lang="en-US" dirty="0">
+                <a:solidFill>
+                  <a:srgbClr val="FF0000"/>
+                </a:solidFill>
+              </a:rPr>
+              <a:t> times</a:t>
             </a:r>
           </a:p>
         </p:txBody>
@@ -4273,7 +4313,7 @@
     </p:spTree>
     <p:extLst>
       <p:ext uri="{BB962C8B-B14F-4D97-AF65-F5344CB8AC3E}">
-        <p14:creationId xmlns:p14="http://schemas.microsoft.com/office/powerpoint/2010/main" val="1102594537"/>
+        <p14:creationId xmlns:p14="http://schemas.microsoft.com/office/powerpoint/2010/main" val="255356123"/>
       </p:ext>
     </p:extLst>
   </p:cSld>
@@ -4302,10 +4342,10 @@
       </p:grpSpPr>
       <p:sp>
         <p:nvSpPr>
-          <p:cNvPr id="2" name="Title 1">
+          <p:cNvPr id="3" name="Content Placeholder 2">
             <a:extLst>
               <a:ext uri="{FF2B5EF4-FFF2-40B4-BE49-F238E27FC236}">
-                <a16:creationId xmlns:a16="http://schemas.microsoft.com/office/drawing/2014/main" id="{04A14D2C-AAD0-184F-8ADA-A476C031975B}"/>
+                <a16:creationId xmlns:a16="http://schemas.microsoft.com/office/drawing/2014/main" id="{CD07FCF2-DED7-6E4D-B441-F9600CB35C87}"/>
               </a:ext>
             </a:extLst>
           </p:cNvPr>
@@ -4313,7 +4353,7 @@
             <a:spLocks noGrp="1"/>
           </p:cNvSpPr>
           <p:nvPr>
-            <p:ph type="title"/>
+            <p:ph idx="1"/>
           </p:nvPr>
         </p:nvSpPr>
         <p:spPr/>
@@ -4321,27 +4361,201 @@
           <a:bodyPr/>
           <a:lstStyle/>
           <a:p>
-            <a:r>
-              <a:rPr lang="en-US" dirty="0"/>
-              <a:t>Functions</a:t>
-            </a:r>
-          </a:p>
-        </p:txBody>
-      </p:sp>
-      <p:sp>
-        <p:nvSpPr>
-          <p:cNvPr id="3" name="Content Placeholder 2">
+            <a:pPr marL="0" indent="0">
+              <a:buNone/>
+            </a:pPr>
+            <a:endParaRPr lang="en-US" dirty="0"/>
+          </a:p>
+          <a:p>
+            <a:pPr marL="0" indent="0">
+              <a:buNone/>
+            </a:pPr>
+            <a:r>
+              <a:rPr lang="en-US" sz="6000" dirty="0"/>
+              <a:t>for (</a:t>
+            </a:r>
+            <a:r>
+              <a:rPr lang="en-US" sz="6000" dirty="0" err="1"/>
+              <a:t>i</a:t>
+            </a:r>
+            <a:r>
+              <a:rPr lang="en-US" sz="6000" dirty="0"/>
+              <a:t> in 1:20) {</a:t>
+            </a:r>
+          </a:p>
+          <a:p>
+            <a:pPr marL="0" indent="0">
+              <a:buNone/>
+            </a:pPr>
+            <a:r>
+              <a:rPr lang="en-US" sz="6000" dirty="0"/>
+              <a:t>print(paste("I am student",</a:t>
+            </a:r>
+            <a:r>
+              <a:rPr lang="en-US" sz="6000" dirty="0" err="1"/>
+              <a:t>i</a:t>
+            </a:r>
+            <a:r>
+              <a:rPr lang="en-US" sz="6000" dirty="0"/>
+              <a:t>))</a:t>
+            </a:r>
+          </a:p>
+          <a:p>
+            <a:pPr marL="0" indent="0">
+              <a:buNone/>
+            </a:pPr>
+            <a:r>
+              <a:rPr lang="en-US" sz="6000" dirty="0"/>
+              <a:t>}</a:t>
+            </a:r>
+          </a:p>
+          <a:p>
+            <a:endParaRPr lang="en-US" dirty="0"/>
+          </a:p>
+        </p:txBody>
+      </p:sp>
+      <p:sp>
+        <p:nvSpPr>
+          <p:cNvPr id="6" name="Frame 5">
             <a:extLst>
               <a:ext uri="{FF2B5EF4-FFF2-40B4-BE49-F238E27FC236}">
-                <a16:creationId xmlns:a16="http://schemas.microsoft.com/office/drawing/2014/main" id="{D230CB30-BD7B-5C4E-A556-A2318D4D4E5D}"/>
+                <a16:creationId xmlns:a16="http://schemas.microsoft.com/office/drawing/2014/main" id="{9DD4DC67-87C8-884F-954A-A45DB48975AD}"/>
               </a:ext>
             </a:extLst>
           </p:cNvPr>
-          <p:cNvSpPr>
-            <a:spLocks noGrp="1"/>
-          </p:cNvSpPr>
-          <p:nvPr>
-            <p:ph idx="1"/>
+          <p:cNvSpPr/>
+          <p:nvPr/>
+        </p:nvSpPr>
+        <p:spPr>
+          <a:xfrm>
+            <a:off x="573742" y="3243916"/>
+            <a:ext cx="1954306" cy="1093694"/>
+          </a:xfrm>
+          <a:prstGeom prst="frame">
+            <a:avLst/>
+          </a:prstGeom>
+          <a:solidFill>
+            <a:srgbClr val="00B050"/>
+          </a:solidFill>
+        </p:spPr>
+        <p:style>
+          <a:lnRef idx="2">
+            <a:schemeClr val="accent1">
+              <a:shade val="50000"/>
+            </a:schemeClr>
+          </a:lnRef>
+          <a:fillRef idx="1">
+            <a:schemeClr val="accent1"/>
+          </a:fillRef>
+          <a:effectRef idx="0">
+            <a:schemeClr val="accent1"/>
+          </a:effectRef>
+          <a:fontRef idx="minor">
+            <a:schemeClr val="lt1"/>
+          </a:fontRef>
+        </p:style>
+        <p:txBody>
+          <a:bodyPr rtlCol="0" anchor="ctr"/>
+          <a:lstStyle/>
+          <a:p>
+            <a:pPr algn="ctr"/>
+            <a:endParaRPr lang="en-US">
+              <a:solidFill>
+                <a:schemeClr val="tx1"/>
+              </a:solidFill>
+            </a:endParaRPr>
+          </a:p>
+        </p:txBody>
+      </p:sp>
+      <p:sp>
+        <p:nvSpPr>
+          <p:cNvPr id="7" name="Title 1">
+            <a:extLst>
+              <a:ext uri="{FF2B5EF4-FFF2-40B4-BE49-F238E27FC236}">
+                <a16:creationId xmlns:a16="http://schemas.microsoft.com/office/drawing/2014/main" id="{EF500199-B1B9-9A4C-909E-EFADC6CCF39F}"/>
+              </a:ext>
+            </a:extLst>
+          </p:cNvPr>
+          <p:cNvSpPr txBox="1">
+            <a:spLocks/>
+          </p:cNvSpPr>
+          <p:nvPr/>
+        </p:nvSpPr>
+        <p:spPr>
+          <a:xfrm>
+            <a:off x="1416424" y="5355945"/>
+            <a:ext cx="10515600" cy="854075"/>
+          </a:xfrm>
+          <a:prstGeom prst="rect">
+            <a:avLst/>
+          </a:prstGeom>
+        </p:spPr>
+        <p:txBody>
+          <a:bodyPr vert="horz" lIns="91440" tIns="45720" rIns="91440" bIns="45720" rtlCol="0" anchor="ctr">
+            <a:normAutofit fontScale="75000" lnSpcReduction="20000"/>
+          </a:bodyPr>
+          <a:lstStyle>
+            <a:lvl1pPr algn="l" defTabSz="914400" rtl="0" eaLnBrk="1" latinLnBrk="0" hangingPunct="1">
+              <a:lnSpc>
+                <a:spcPct val="90000"/>
+              </a:lnSpc>
+              <a:spcBef>
+                <a:spcPct val="0"/>
+              </a:spcBef>
+              <a:buNone/>
+              <a:defRPr sz="4400" kern="1200">
+                <a:solidFill>
+                  <a:schemeClr val="tx1"/>
+                </a:solidFill>
+                <a:latin typeface="+mj-lt"/>
+                <a:ea typeface="+mj-ea"/>
+                <a:cs typeface="+mj-cs"/>
+              </a:defRPr>
+            </a:lvl1pPr>
+          </a:lstStyle>
+          <a:p>
+            <a:r>
+              <a:rPr lang="en-US" dirty="0">
+                <a:solidFill>
+                  <a:srgbClr val="00B050"/>
+                </a:solidFill>
+              </a:rPr>
+              <a:t>The print command is very important.</a:t>
+            </a:r>
+          </a:p>
+          <a:p>
+            <a:r>
+              <a:rPr lang="en-US" dirty="0">
+                <a:solidFill>
+                  <a:srgbClr val="00B050"/>
+                </a:solidFill>
+              </a:rPr>
+              <a:t>Without it the functions will only run internal to the loop</a:t>
+            </a:r>
+          </a:p>
+          <a:p>
+            <a:endParaRPr lang="en-US" dirty="0">
+              <a:solidFill>
+                <a:srgbClr val="00B050"/>
+              </a:solidFill>
+            </a:endParaRPr>
+          </a:p>
+        </p:txBody>
+      </p:sp>
+      <p:sp>
+        <p:nvSpPr>
+          <p:cNvPr id="8" name="Title 7">
+            <a:extLst>
+              <a:ext uri="{FF2B5EF4-FFF2-40B4-BE49-F238E27FC236}">
+                <a16:creationId xmlns:a16="http://schemas.microsoft.com/office/drawing/2014/main" id="{9E0734C4-47C0-C549-83B5-5A85550D2933}"/>
+              </a:ext>
+            </a:extLst>
+          </p:cNvPr>
+          <p:cNvSpPr>
+            <a:spLocks noGrp="1"/>
+          </p:cNvSpPr>
+          <p:nvPr>
+            <p:ph type="title"/>
           </p:nvPr>
         </p:nvSpPr>
         <p:spPr/>
@@ -4349,52 +4563,14 @@
           <a:bodyPr/>
           <a:lstStyle/>
           <a:p>
-            <a:r>
-              <a:rPr lang="en-US" dirty="0"/>
-              <a:t>A function is a piece of code written to carry out a specified task;</a:t>
-            </a:r>
-          </a:p>
-          <a:p>
-            <a:endParaRPr lang="en-US" dirty="0"/>
-          </a:p>
-          <a:p>
-            <a:r>
-              <a:rPr lang="en-US" dirty="0"/>
-              <a:t>mean(x), sum(x),….rep(</a:t>
-            </a:r>
-            <a:r>
-              <a:rPr lang="en-US" dirty="0" err="1"/>
-              <a:t>x,y</a:t>
-            </a:r>
-            <a:r>
-              <a:rPr lang="en-US" dirty="0"/>
-              <a:t>)</a:t>
-            </a:r>
-          </a:p>
-          <a:p>
-            <a:endParaRPr lang="en-US" dirty="0"/>
-          </a:p>
-          <a:p>
-            <a:r>
-              <a:rPr lang="en-US" dirty="0"/>
-              <a:t>Lots of pre-written functions organized in multitude of packages.</a:t>
-            </a:r>
-          </a:p>
-          <a:p>
-            <a:endParaRPr lang="en-US" dirty="0"/>
-          </a:p>
-          <a:p>
-            <a:r>
-              <a:rPr lang="en-US" dirty="0"/>
-              <a:t>If you can not find a function in R to do what you need, you can write your own function</a:t>
-            </a:r>
+            <a:endParaRPr lang="en-US"/>
           </a:p>
         </p:txBody>
       </p:sp>
     </p:spTree>
     <p:extLst>
       <p:ext uri="{BB962C8B-B14F-4D97-AF65-F5344CB8AC3E}">
-        <p14:creationId xmlns:p14="http://schemas.microsoft.com/office/powerpoint/2010/main" val="297936792"/>
+        <p14:creationId xmlns:p14="http://schemas.microsoft.com/office/powerpoint/2010/main" val="3502032391"/>
       </p:ext>
     </p:extLst>
   </p:cSld>
@@ -4405,1277 +4581,6 @@
 </file>
 
 <file path=ppt/slides/slide12.xml><?xml version="1.0" encoding="utf-8"?>
-<p:sld xmlns:a="http://schemas.openxmlformats.org/drawingml/2006/main" xmlns:r="http://schemas.openxmlformats.org/officeDocument/2006/relationships" xmlns:p="http://schemas.openxmlformats.org/presentationml/2006/main">
-  <p:cSld>
-    <p:spTree>
-      <p:nvGrpSpPr>
-        <p:cNvPr id="1" name=""/>
-        <p:cNvGrpSpPr/>
-        <p:nvPr/>
-      </p:nvGrpSpPr>
-      <p:grpSpPr>
-        <a:xfrm>
-          <a:off x="0" y="0"/>
-          <a:ext cx="0" cy="0"/>
-          <a:chOff x="0" y="0"/>
-          <a:chExt cx="0" cy="0"/>
-        </a:xfrm>
-      </p:grpSpPr>
-      <p:sp>
-        <p:nvSpPr>
-          <p:cNvPr id="2" name="Title 1">
-            <a:extLst>
-              <a:ext uri="{FF2B5EF4-FFF2-40B4-BE49-F238E27FC236}">
-                <a16:creationId xmlns:a16="http://schemas.microsoft.com/office/drawing/2014/main" id="{C99D56FF-FEE1-5749-8536-E57E62C9D51B}"/>
-              </a:ext>
-            </a:extLst>
-          </p:cNvPr>
-          <p:cNvSpPr>
-            <a:spLocks noGrp="1"/>
-          </p:cNvSpPr>
-          <p:nvPr>
-            <p:ph type="title"/>
-          </p:nvPr>
-        </p:nvSpPr>
-        <p:spPr/>
-        <p:txBody>
-          <a:bodyPr/>
-          <a:lstStyle/>
-          <a:p>
-            <a:r>
-              <a:rPr lang="en-US" dirty="0"/>
-              <a:t>Functions</a:t>
-            </a:r>
-          </a:p>
-        </p:txBody>
-      </p:sp>
-      <p:sp>
-        <p:nvSpPr>
-          <p:cNvPr id="3" name="Content Placeholder 2">
-            <a:extLst>
-              <a:ext uri="{FF2B5EF4-FFF2-40B4-BE49-F238E27FC236}">
-                <a16:creationId xmlns:a16="http://schemas.microsoft.com/office/drawing/2014/main" id="{98E4B562-F897-A24E-AAAB-4069B6D9CE80}"/>
-              </a:ext>
-            </a:extLst>
-          </p:cNvPr>
-          <p:cNvSpPr>
-            <a:spLocks noGrp="1"/>
-          </p:cNvSpPr>
-          <p:nvPr>
-            <p:ph idx="1"/>
-          </p:nvPr>
-        </p:nvSpPr>
-        <p:spPr/>
-        <p:txBody>
-          <a:bodyPr/>
-          <a:lstStyle/>
-          <a:p>
-            <a:r>
-              <a:rPr lang="en-US" dirty="0"/>
-              <a:t>Avoid writing repetitive lines of codes:</a:t>
-            </a:r>
-          </a:p>
-          <a:p>
-            <a:pPr lvl="1"/>
-            <a:r>
-              <a:rPr lang="en-US" dirty="0"/>
-              <a:t>Reduce workload</a:t>
-            </a:r>
-          </a:p>
-          <a:p>
-            <a:pPr lvl="1"/>
-            <a:r>
-              <a:rPr lang="en-US" dirty="0"/>
-              <a:t>Help avoid errors</a:t>
-            </a:r>
-          </a:p>
-          <a:p>
-            <a:pPr lvl="1"/>
-            <a:endParaRPr lang="en-US" dirty="0"/>
-          </a:p>
-          <a:p>
-            <a:r>
-              <a:rPr lang="en-US" dirty="0"/>
-              <a:t>Make it easy to reuse and share task for different data sets/ users</a:t>
-            </a:r>
-          </a:p>
-        </p:txBody>
-      </p:sp>
-    </p:spTree>
-    <p:extLst>
-      <p:ext uri="{BB962C8B-B14F-4D97-AF65-F5344CB8AC3E}">
-        <p14:creationId xmlns:p14="http://schemas.microsoft.com/office/powerpoint/2010/main" val="26533273"/>
-      </p:ext>
-    </p:extLst>
-  </p:cSld>
-  <p:clrMapOvr>
-    <a:masterClrMapping/>
-  </p:clrMapOvr>
-</p:sld>
-</file>
-
-<file path=ppt/slides/slide13.xml><?xml version="1.0" encoding="utf-8"?>
-<p:sld xmlns:a="http://schemas.openxmlformats.org/drawingml/2006/main" xmlns:r="http://schemas.openxmlformats.org/officeDocument/2006/relationships" xmlns:p="http://schemas.openxmlformats.org/presentationml/2006/main">
-  <p:cSld>
-    <p:spTree>
-      <p:nvGrpSpPr>
-        <p:cNvPr id="1" name=""/>
-        <p:cNvGrpSpPr/>
-        <p:nvPr/>
-      </p:nvGrpSpPr>
-      <p:grpSpPr>
-        <a:xfrm>
-          <a:off x="0" y="0"/>
-          <a:ext cx="0" cy="0"/>
-          <a:chOff x="0" y="0"/>
-          <a:chExt cx="0" cy="0"/>
-        </a:xfrm>
-      </p:grpSpPr>
-      <p:sp>
-        <p:nvSpPr>
-          <p:cNvPr id="2" name="Title 1">
-            <a:extLst>
-              <a:ext uri="{FF2B5EF4-FFF2-40B4-BE49-F238E27FC236}">
-                <a16:creationId xmlns:a16="http://schemas.microsoft.com/office/drawing/2014/main" id="{895F1A7E-CE7E-A547-8D2C-300DDF5E6D64}"/>
-              </a:ext>
-            </a:extLst>
-          </p:cNvPr>
-          <p:cNvSpPr>
-            <a:spLocks noGrp="1"/>
-          </p:cNvSpPr>
-          <p:nvPr>
-            <p:ph type="title"/>
-          </p:nvPr>
-        </p:nvSpPr>
-        <p:spPr/>
-        <p:txBody>
-          <a:bodyPr/>
-          <a:lstStyle/>
-          <a:p>
-            <a:r>
-              <a:rPr lang="en-US" dirty="0"/>
-              <a:t>Functions</a:t>
-            </a:r>
-          </a:p>
-        </p:txBody>
-      </p:sp>
-      <p:sp>
-        <p:nvSpPr>
-          <p:cNvPr id="3" name="Content Placeholder 2">
-            <a:extLst>
-              <a:ext uri="{FF2B5EF4-FFF2-40B4-BE49-F238E27FC236}">
-                <a16:creationId xmlns:a16="http://schemas.microsoft.com/office/drawing/2014/main" id="{9A0BE13C-9D5D-8640-9BCD-19E9DD3B909B}"/>
-              </a:ext>
-            </a:extLst>
-          </p:cNvPr>
-          <p:cNvSpPr>
-            <a:spLocks noGrp="1"/>
-          </p:cNvSpPr>
-          <p:nvPr>
-            <p:ph idx="1"/>
-          </p:nvPr>
-        </p:nvSpPr>
-        <p:spPr/>
-        <p:txBody>
-          <a:bodyPr/>
-          <a:lstStyle/>
-          <a:p>
-            <a:pPr marL="0" indent="0">
-              <a:buNone/>
-            </a:pPr>
-            <a:r>
-              <a:rPr lang="en-US" dirty="0" err="1"/>
-              <a:t>function_name</a:t>
-            </a:r>
-            <a:r>
-              <a:rPr lang="en-US" dirty="0"/>
-              <a:t> &lt;- </a:t>
-            </a:r>
-            <a:r>
-              <a:rPr lang="en-US" dirty="0">
-                <a:solidFill>
-                  <a:srgbClr val="0070C0"/>
-                </a:solidFill>
-              </a:rPr>
-              <a:t>function</a:t>
-            </a:r>
-            <a:r>
-              <a:rPr lang="en-US" dirty="0"/>
-              <a:t>(arguments) {</a:t>
-            </a:r>
-          </a:p>
-          <a:p>
-            <a:pPr marL="0" indent="0">
-              <a:buNone/>
-            </a:pPr>
-            <a:r>
-              <a:rPr lang="en-US" dirty="0"/>
-              <a:t>			 body }</a:t>
-            </a:r>
-          </a:p>
-          <a:p>
-            <a:pPr marL="0" indent="0">
-              <a:buNone/>
-            </a:pPr>
-            <a:endParaRPr lang="en-US" dirty="0"/>
-          </a:p>
-          <a:p>
-            <a:pPr marL="0" indent="0">
-              <a:buNone/>
-            </a:pPr>
-            <a:r>
-              <a:rPr lang="en-US" dirty="0"/>
-              <a:t>where the code in between the curly braces is the </a:t>
-            </a:r>
-            <a:r>
-              <a:rPr lang="en-US" i="1" dirty="0"/>
-              <a:t>body</a:t>
-            </a:r>
-            <a:r>
-              <a:rPr lang="en-US" dirty="0"/>
-              <a:t> of the function.</a:t>
-            </a:r>
-          </a:p>
-        </p:txBody>
-      </p:sp>
-    </p:spTree>
-    <p:extLst>
-      <p:ext uri="{BB962C8B-B14F-4D97-AF65-F5344CB8AC3E}">
-        <p14:creationId xmlns:p14="http://schemas.microsoft.com/office/powerpoint/2010/main" val="239380344"/>
-      </p:ext>
-    </p:extLst>
-  </p:cSld>
-  <p:clrMapOvr>
-    <a:masterClrMapping/>
-  </p:clrMapOvr>
-</p:sld>
-</file>
-
-<file path=ppt/slides/slide14.xml><?xml version="1.0" encoding="utf-8"?>
-<p:sld xmlns:a="http://schemas.openxmlformats.org/drawingml/2006/main" xmlns:r="http://schemas.openxmlformats.org/officeDocument/2006/relationships" xmlns:p="http://schemas.openxmlformats.org/presentationml/2006/main">
-  <p:cSld>
-    <p:spTree>
-      <p:nvGrpSpPr>
-        <p:cNvPr id="1" name=""/>
-        <p:cNvGrpSpPr/>
-        <p:nvPr/>
-      </p:nvGrpSpPr>
-      <p:grpSpPr>
-        <a:xfrm>
-          <a:off x="0" y="0"/>
-          <a:ext cx="0" cy="0"/>
-          <a:chOff x="0" y="0"/>
-          <a:chExt cx="0" cy="0"/>
-        </a:xfrm>
-      </p:grpSpPr>
-      <p:sp>
-        <p:nvSpPr>
-          <p:cNvPr id="2" name="Title 1">
-            <a:extLst>
-              <a:ext uri="{FF2B5EF4-FFF2-40B4-BE49-F238E27FC236}">
-                <a16:creationId xmlns:a16="http://schemas.microsoft.com/office/drawing/2014/main" id="{B93CA197-1BC5-8748-BA45-FD649FBE6FBA}"/>
-              </a:ext>
-            </a:extLst>
-          </p:cNvPr>
-          <p:cNvSpPr>
-            <a:spLocks noGrp="1"/>
-          </p:cNvSpPr>
-          <p:nvPr>
-            <p:ph type="title"/>
-          </p:nvPr>
-        </p:nvSpPr>
-        <p:spPr/>
-        <p:txBody>
-          <a:bodyPr/>
-          <a:lstStyle/>
-          <a:p>
-            <a:r>
-              <a:rPr lang="en-US" dirty="0"/>
-              <a:t>Functions</a:t>
-            </a:r>
-          </a:p>
-        </p:txBody>
-      </p:sp>
-      <p:sp>
-        <p:nvSpPr>
-          <p:cNvPr id="3" name="Content Placeholder 2">
-            <a:extLst>
-              <a:ext uri="{FF2B5EF4-FFF2-40B4-BE49-F238E27FC236}">
-                <a16:creationId xmlns:a16="http://schemas.microsoft.com/office/drawing/2014/main" id="{7D662184-CB4E-0345-BEFB-5EBB51D66CE6}"/>
-              </a:ext>
-            </a:extLst>
-          </p:cNvPr>
-          <p:cNvSpPr>
-            <a:spLocks noGrp="1"/>
-          </p:cNvSpPr>
-          <p:nvPr>
-            <p:ph idx="1"/>
-          </p:nvPr>
-        </p:nvSpPr>
-        <p:spPr/>
-        <p:txBody>
-          <a:bodyPr/>
-          <a:lstStyle/>
-          <a:p>
-            <a:r>
-              <a:rPr lang="en-US" dirty="0"/>
-              <a:t>Things to consider:</a:t>
-            </a:r>
-          </a:p>
-          <a:p>
-            <a:pPr lvl="1"/>
-            <a:r>
-              <a:rPr lang="en-US" dirty="0"/>
-              <a:t>Function allows you to define exactly what you want to do</a:t>
-            </a:r>
-          </a:p>
-          <a:p>
-            <a:pPr lvl="1"/>
-            <a:endParaRPr lang="en-US" dirty="0"/>
-          </a:p>
-          <a:p>
-            <a:pPr lvl="1"/>
-            <a:r>
-              <a:rPr lang="en-US" dirty="0"/>
-              <a:t>Name your user defined function.</a:t>
-            </a:r>
-          </a:p>
-          <a:p>
-            <a:pPr lvl="1"/>
-            <a:endParaRPr lang="en-US" dirty="0"/>
-          </a:p>
-          <a:p>
-            <a:pPr lvl="1"/>
-            <a:r>
-              <a:rPr lang="en-US" dirty="0"/>
-              <a:t>Make sure that the name that you choose for the function is not an R reserved word. This means that you, for example, don’t want to pick the name of an existing function for your own UDF.</a:t>
-            </a:r>
-          </a:p>
-        </p:txBody>
-      </p:sp>
-    </p:spTree>
-    <p:extLst>
-      <p:ext uri="{BB962C8B-B14F-4D97-AF65-F5344CB8AC3E}">
-        <p14:creationId xmlns:p14="http://schemas.microsoft.com/office/powerpoint/2010/main" val="2919833681"/>
-      </p:ext>
-    </p:extLst>
-  </p:cSld>
-  <p:clrMapOvr>
-    <a:masterClrMapping/>
-  </p:clrMapOvr>
-</p:sld>
-</file>
-
-<file path=ppt/slides/slide15.xml><?xml version="1.0" encoding="utf-8"?>
-<p:sld xmlns:a="http://schemas.openxmlformats.org/drawingml/2006/main" xmlns:r="http://schemas.openxmlformats.org/officeDocument/2006/relationships" xmlns:p="http://schemas.openxmlformats.org/presentationml/2006/main">
-  <p:cSld>
-    <p:spTree>
-      <p:nvGrpSpPr>
-        <p:cNvPr id="1" name=""/>
-        <p:cNvGrpSpPr/>
-        <p:nvPr/>
-      </p:nvGrpSpPr>
-      <p:grpSpPr>
-        <a:xfrm>
-          <a:off x="0" y="0"/>
-          <a:ext cx="0" cy="0"/>
-          <a:chOff x="0" y="0"/>
-          <a:chExt cx="0" cy="0"/>
-        </a:xfrm>
-      </p:grpSpPr>
-      <p:sp>
-        <p:nvSpPr>
-          <p:cNvPr id="2" name="Title 1">
-            <a:extLst>
-              <a:ext uri="{FF2B5EF4-FFF2-40B4-BE49-F238E27FC236}">
-                <a16:creationId xmlns:a16="http://schemas.microsoft.com/office/drawing/2014/main" id="{895F1A7E-CE7E-A547-8D2C-300DDF5E6D64}"/>
-              </a:ext>
-            </a:extLst>
-          </p:cNvPr>
-          <p:cNvSpPr>
-            <a:spLocks noGrp="1"/>
-          </p:cNvSpPr>
-          <p:nvPr>
-            <p:ph type="title"/>
-          </p:nvPr>
-        </p:nvSpPr>
-        <p:spPr/>
-        <p:txBody>
-          <a:bodyPr/>
-          <a:lstStyle/>
-          <a:p>
-            <a:r>
-              <a:rPr lang="en-US" dirty="0"/>
-              <a:t>Let’s try it out in R</a:t>
-            </a:r>
-          </a:p>
-        </p:txBody>
-      </p:sp>
-      <p:sp>
-        <p:nvSpPr>
-          <p:cNvPr id="3" name="Content Placeholder 2">
-            <a:extLst>
-              <a:ext uri="{FF2B5EF4-FFF2-40B4-BE49-F238E27FC236}">
-                <a16:creationId xmlns:a16="http://schemas.microsoft.com/office/drawing/2014/main" id="{9A0BE13C-9D5D-8640-9BCD-19E9DD3B909B}"/>
-              </a:ext>
-            </a:extLst>
-          </p:cNvPr>
-          <p:cNvSpPr>
-            <a:spLocks noGrp="1"/>
-          </p:cNvSpPr>
-          <p:nvPr>
-            <p:ph idx="1"/>
-          </p:nvPr>
-        </p:nvSpPr>
-        <p:spPr/>
-        <p:txBody>
-          <a:bodyPr/>
-          <a:lstStyle/>
-          <a:p>
-            <a:pPr marL="0" indent="0">
-              <a:buNone/>
-            </a:pPr>
-            <a:r>
-              <a:rPr lang="en-US" dirty="0"/>
-              <a:t>Open: “</a:t>
-            </a:r>
-            <a:r>
-              <a:rPr lang="en-US" dirty="0" err="1"/>
-              <a:t>ForLoops_FunctionsWorkingScript.R</a:t>
-            </a:r>
-            <a:r>
-              <a:rPr lang="en-US" dirty="0"/>
-              <a:t>”</a:t>
-            </a:r>
-          </a:p>
-        </p:txBody>
-      </p:sp>
-    </p:spTree>
-    <p:extLst>
-      <p:ext uri="{BB962C8B-B14F-4D97-AF65-F5344CB8AC3E}">
-        <p14:creationId xmlns:p14="http://schemas.microsoft.com/office/powerpoint/2010/main" val="2859993260"/>
-      </p:ext>
-    </p:extLst>
-  </p:cSld>
-  <p:clrMapOvr>
-    <a:masterClrMapping/>
-  </p:clrMapOvr>
-</p:sld>
-</file>
-
-<file path=ppt/slides/slide2.xml><?xml version="1.0" encoding="utf-8"?>
-<p:sld xmlns:a="http://schemas.openxmlformats.org/drawingml/2006/main" xmlns:r="http://schemas.openxmlformats.org/officeDocument/2006/relationships" xmlns:p="http://schemas.openxmlformats.org/presentationml/2006/main">
-  <p:cSld>
-    <p:spTree>
-      <p:nvGrpSpPr>
-        <p:cNvPr id="1" name=""/>
-        <p:cNvGrpSpPr/>
-        <p:nvPr/>
-      </p:nvGrpSpPr>
-      <p:grpSpPr>
-        <a:xfrm>
-          <a:off x="0" y="0"/>
-          <a:ext cx="0" cy="0"/>
-          <a:chOff x="0" y="0"/>
-          <a:chExt cx="0" cy="0"/>
-        </a:xfrm>
-      </p:grpSpPr>
-      <p:sp>
-        <p:nvSpPr>
-          <p:cNvPr id="2" name="Title 1">
-            <a:extLst>
-              <a:ext uri="{FF2B5EF4-FFF2-40B4-BE49-F238E27FC236}">
-                <a16:creationId xmlns:a16="http://schemas.microsoft.com/office/drawing/2014/main" id="{676ECDBA-89B9-C645-A6F9-4C43ACED2045}"/>
-              </a:ext>
-            </a:extLst>
-          </p:cNvPr>
-          <p:cNvSpPr>
-            <a:spLocks noGrp="1"/>
-          </p:cNvSpPr>
-          <p:nvPr>
-            <p:ph type="title"/>
-          </p:nvPr>
-        </p:nvSpPr>
-        <p:spPr/>
-        <p:txBody>
-          <a:bodyPr/>
-          <a:lstStyle/>
-          <a:p>
-            <a:r>
-              <a:rPr lang="en-US" dirty="0"/>
-              <a:t>The Power of Programming</a:t>
-            </a:r>
-          </a:p>
-        </p:txBody>
-      </p:sp>
-      <p:sp>
-        <p:nvSpPr>
-          <p:cNvPr id="3" name="Content Placeholder 2">
-            <a:extLst>
-              <a:ext uri="{FF2B5EF4-FFF2-40B4-BE49-F238E27FC236}">
-                <a16:creationId xmlns:a16="http://schemas.microsoft.com/office/drawing/2014/main" id="{051C4046-97E7-D64D-9688-9C618AB8E481}"/>
-              </a:ext>
-            </a:extLst>
-          </p:cNvPr>
-          <p:cNvSpPr>
-            <a:spLocks noGrp="1"/>
-          </p:cNvSpPr>
-          <p:nvPr>
-            <p:ph idx="1"/>
-          </p:nvPr>
-        </p:nvSpPr>
-        <p:spPr/>
-        <p:txBody>
-          <a:bodyPr/>
-          <a:lstStyle/>
-          <a:p>
-            <a:r>
-              <a:rPr lang="en-US" dirty="0"/>
-              <a:t>So far, much of what we saw demonstrates how to use R like an extremely smart calculator.</a:t>
-            </a:r>
-          </a:p>
-          <a:p>
-            <a:pPr lvl="1"/>
-            <a:r>
-              <a:rPr lang="en-US" dirty="0"/>
-              <a:t>We write commands and it executes them.</a:t>
-            </a:r>
-          </a:p>
-          <a:p>
-            <a:pPr lvl="1"/>
-            <a:endParaRPr lang="en-US" dirty="0"/>
-          </a:p>
-          <a:p>
-            <a:pPr marL="0" indent="0">
-              <a:buNone/>
-            </a:pPr>
-            <a:endParaRPr lang="en-US" dirty="0"/>
-          </a:p>
-        </p:txBody>
-      </p:sp>
-    </p:spTree>
-    <p:extLst>
-      <p:ext uri="{BB962C8B-B14F-4D97-AF65-F5344CB8AC3E}">
-        <p14:creationId xmlns:p14="http://schemas.microsoft.com/office/powerpoint/2010/main" val="3167915693"/>
-      </p:ext>
-    </p:extLst>
-  </p:cSld>
-  <p:clrMapOvr>
-    <a:masterClrMapping/>
-  </p:clrMapOvr>
-</p:sld>
-</file>
-
-<file path=ppt/slides/slide3.xml><?xml version="1.0" encoding="utf-8"?>
-<p:sld xmlns:a="http://schemas.openxmlformats.org/drawingml/2006/main" xmlns:r="http://schemas.openxmlformats.org/officeDocument/2006/relationships" xmlns:p="http://schemas.openxmlformats.org/presentationml/2006/main">
-  <p:cSld>
-    <p:spTree>
-      <p:nvGrpSpPr>
-        <p:cNvPr id="1" name=""/>
-        <p:cNvGrpSpPr/>
-        <p:nvPr/>
-      </p:nvGrpSpPr>
-      <p:grpSpPr>
-        <a:xfrm>
-          <a:off x="0" y="0"/>
-          <a:ext cx="0" cy="0"/>
-          <a:chOff x="0" y="0"/>
-          <a:chExt cx="0" cy="0"/>
-        </a:xfrm>
-      </p:grpSpPr>
-      <p:sp>
-        <p:nvSpPr>
-          <p:cNvPr id="2" name="Title 1">
-            <a:extLst>
-              <a:ext uri="{FF2B5EF4-FFF2-40B4-BE49-F238E27FC236}">
-                <a16:creationId xmlns:a16="http://schemas.microsoft.com/office/drawing/2014/main" id="{676ECDBA-89B9-C645-A6F9-4C43ACED2045}"/>
-              </a:ext>
-            </a:extLst>
-          </p:cNvPr>
-          <p:cNvSpPr>
-            <a:spLocks noGrp="1"/>
-          </p:cNvSpPr>
-          <p:nvPr>
-            <p:ph type="title"/>
-          </p:nvPr>
-        </p:nvSpPr>
-        <p:spPr/>
-        <p:txBody>
-          <a:bodyPr/>
-          <a:lstStyle/>
-          <a:p>
-            <a:r>
-              <a:rPr lang="en-US" dirty="0"/>
-              <a:t>The Power of Programming</a:t>
-            </a:r>
-          </a:p>
-        </p:txBody>
-      </p:sp>
-      <p:sp>
-        <p:nvSpPr>
-          <p:cNvPr id="3" name="Content Placeholder 2">
-            <a:extLst>
-              <a:ext uri="{FF2B5EF4-FFF2-40B4-BE49-F238E27FC236}">
-                <a16:creationId xmlns:a16="http://schemas.microsoft.com/office/drawing/2014/main" id="{051C4046-97E7-D64D-9688-9C618AB8E481}"/>
-              </a:ext>
-            </a:extLst>
-          </p:cNvPr>
-          <p:cNvSpPr>
-            <a:spLocks noGrp="1"/>
-          </p:cNvSpPr>
-          <p:nvPr>
-            <p:ph idx="1"/>
-          </p:nvPr>
-        </p:nvSpPr>
-        <p:spPr/>
-        <p:txBody>
-          <a:bodyPr/>
-          <a:lstStyle/>
-          <a:p>
-            <a:r>
-              <a:rPr lang="en-US" dirty="0"/>
-              <a:t>So far, much of what we saw demonstrates how to use R like an extremely smart calculator.</a:t>
-            </a:r>
-          </a:p>
-          <a:p>
-            <a:pPr marL="0" indent="0">
-              <a:buNone/>
-            </a:pPr>
-            <a:endParaRPr lang="en-US" dirty="0"/>
-          </a:p>
-          <a:p>
-            <a:r>
-              <a:rPr lang="en-US" dirty="0"/>
-              <a:t>The true power of the program comes from allowing R to query large datasets and make decisions for you.</a:t>
-            </a:r>
-          </a:p>
-        </p:txBody>
-      </p:sp>
-    </p:spTree>
-    <p:extLst>
-      <p:ext uri="{BB962C8B-B14F-4D97-AF65-F5344CB8AC3E}">
-        <p14:creationId xmlns:p14="http://schemas.microsoft.com/office/powerpoint/2010/main" val="1586864674"/>
-      </p:ext>
-    </p:extLst>
-  </p:cSld>
-  <p:clrMapOvr>
-    <a:masterClrMapping/>
-  </p:clrMapOvr>
-</p:sld>
-</file>
-
-<file path=ppt/slides/slide4.xml><?xml version="1.0" encoding="utf-8"?>
-<p:sld xmlns:a="http://schemas.openxmlformats.org/drawingml/2006/main" xmlns:r="http://schemas.openxmlformats.org/officeDocument/2006/relationships" xmlns:p="http://schemas.openxmlformats.org/presentationml/2006/main">
-  <p:cSld>
-    <p:spTree>
-      <p:nvGrpSpPr>
-        <p:cNvPr id="1" name=""/>
-        <p:cNvGrpSpPr/>
-        <p:nvPr/>
-      </p:nvGrpSpPr>
-      <p:grpSpPr>
-        <a:xfrm>
-          <a:off x="0" y="0"/>
-          <a:ext cx="0" cy="0"/>
-          <a:chOff x="0" y="0"/>
-          <a:chExt cx="0" cy="0"/>
-        </a:xfrm>
-      </p:grpSpPr>
-      <p:sp>
-        <p:nvSpPr>
-          <p:cNvPr id="2" name="Title 1">
-            <a:extLst>
-              <a:ext uri="{FF2B5EF4-FFF2-40B4-BE49-F238E27FC236}">
-                <a16:creationId xmlns:a16="http://schemas.microsoft.com/office/drawing/2014/main" id="{676ECDBA-89B9-C645-A6F9-4C43ACED2045}"/>
-              </a:ext>
-            </a:extLst>
-          </p:cNvPr>
-          <p:cNvSpPr>
-            <a:spLocks noGrp="1"/>
-          </p:cNvSpPr>
-          <p:nvPr>
-            <p:ph type="title"/>
-          </p:nvPr>
-        </p:nvSpPr>
-        <p:spPr/>
-        <p:txBody>
-          <a:bodyPr/>
-          <a:lstStyle/>
-          <a:p>
-            <a:r>
-              <a:rPr lang="en-US" dirty="0"/>
-              <a:t>The Power of Programming</a:t>
-            </a:r>
-          </a:p>
-        </p:txBody>
-      </p:sp>
-      <p:sp>
-        <p:nvSpPr>
-          <p:cNvPr id="3" name="Content Placeholder 2">
-            <a:extLst>
-              <a:ext uri="{FF2B5EF4-FFF2-40B4-BE49-F238E27FC236}">
-                <a16:creationId xmlns:a16="http://schemas.microsoft.com/office/drawing/2014/main" id="{051C4046-97E7-D64D-9688-9C618AB8E481}"/>
-              </a:ext>
-            </a:extLst>
-          </p:cNvPr>
-          <p:cNvSpPr>
-            <a:spLocks noGrp="1"/>
-          </p:cNvSpPr>
-          <p:nvPr>
-            <p:ph idx="1"/>
-          </p:nvPr>
-        </p:nvSpPr>
-        <p:spPr/>
-        <p:txBody>
-          <a:bodyPr/>
-          <a:lstStyle/>
-          <a:p>
-            <a:r>
-              <a:rPr lang="en-US" dirty="0"/>
-              <a:t>So far, much of what we saw demonstrates how to use R like an extremely smart calculator.</a:t>
-            </a:r>
-          </a:p>
-          <a:p>
-            <a:r>
-              <a:rPr lang="en-US" dirty="0"/>
-              <a:t>The true power of the program comes from allowing R to query large datasets and make decisions for you.</a:t>
-            </a:r>
-          </a:p>
-          <a:p>
-            <a:r>
-              <a:rPr lang="en-US" dirty="0"/>
-              <a:t>Three key programming tools are helpful:</a:t>
-            </a:r>
-          </a:p>
-          <a:p>
-            <a:pPr marL="971550" lvl="1" indent="-514350">
-              <a:buAutoNum type="arabicPeriod"/>
-            </a:pPr>
-            <a:r>
-              <a:rPr lang="en-US" dirty="0"/>
-              <a:t>If-else statements</a:t>
-            </a:r>
-          </a:p>
-          <a:p>
-            <a:pPr marL="971550" lvl="1" indent="-514350">
-              <a:buAutoNum type="arabicPeriod"/>
-            </a:pPr>
-            <a:r>
-              <a:rPr lang="en-US" dirty="0"/>
-              <a:t>For-loops</a:t>
-            </a:r>
-          </a:p>
-          <a:p>
-            <a:pPr marL="971550" lvl="1" indent="-514350">
-              <a:buAutoNum type="arabicPeriod"/>
-            </a:pPr>
-            <a:r>
-              <a:rPr lang="en-US" dirty="0"/>
-              <a:t>Functions</a:t>
-            </a:r>
-          </a:p>
-          <a:p>
-            <a:pPr marL="971550" lvl="1" indent="-514350">
-              <a:buAutoNum type="arabicPeriod"/>
-            </a:pPr>
-            <a:endParaRPr lang="en-US" dirty="0"/>
-          </a:p>
-        </p:txBody>
-      </p:sp>
-    </p:spTree>
-    <p:extLst>
-      <p:ext uri="{BB962C8B-B14F-4D97-AF65-F5344CB8AC3E}">
-        <p14:creationId xmlns:p14="http://schemas.microsoft.com/office/powerpoint/2010/main" val="3373008054"/>
-      </p:ext>
-    </p:extLst>
-  </p:cSld>
-  <p:clrMapOvr>
-    <a:masterClrMapping/>
-  </p:clrMapOvr>
-</p:sld>
-</file>
-
-<file path=ppt/slides/slide5.xml><?xml version="1.0" encoding="utf-8"?>
-<p:sld xmlns:a="http://schemas.openxmlformats.org/drawingml/2006/main" xmlns:r="http://schemas.openxmlformats.org/officeDocument/2006/relationships" xmlns:p="http://schemas.openxmlformats.org/presentationml/2006/main">
-  <p:cSld>
-    <p:spTree>
-      <p:nvGrpSpPr>
-        <p:cNvPr id="1" name=""/>
-        <p:cNvGrpSpPr/>
-        <p:nvPr/>
-      </p:nvGrpSpPr>
-      <p:grpSpPr>
-        <a:xfrm>
-          <a:off x="0" y="0"/>
-          <a:ext cx="0" cy="0"/>
-          <a:chOff x="0" y="0"/>
-          <a:chExt cx="0" cy="0"/>
-        </a:xfrm>
-      </p:grpSpPr>
-      <p:sp>
-        <p:nvSpPr>
-          <p:cNvPr id="2" name="Title 1">
-            <a:extLst>
-              <a:ext uri="{FF2B5EF4-FFF2-40B4-BE49-F238E27FC236}">
-                <a16:creationId xmlns:a16="http://schemas.microsoft.com/office/drawing/2014/main" id="{676ECDBA-89B9-C645-A6F9-4C43ACED2045}"/>
-              </a:ext>
-            </a:extLst>
-          </p:cNvPr>
-          <p:cNvSpPr>
-            <a:spLocks noGrp="1"/>
-          </p:cNvSpPr>
-          <p:nvPr>
-            <p:ph type="title"/>
-          </p:nvPr>
-        </p:nvSpPr>
-        <p:spPr/>
-        <p:txBody>
-          <a:bodyPr/>
-          <a:lstStyle/>
-          <a:p>
-            <a:r>
-              <a:rPr lang="en-US" dirty="0"/>
-              <a:t>The Power of Programming</a:t>
-            </a:r>
-          </a:p>
-        </p:txBody>
-      </p:sp>
-      <p:sp>
-        <p:nvSpPr>
-          <p:cNvPr id="3" name="Content Placeholder 2">
-            <a:extLst>
-              <a:ext uri="{FF2B5EF4-FFF2-40B4-BE49-F238E27FC236}">
-                <a16:creationId xmlns:a16="http://schemas.microsoft.com/office/drawing/2014/main" id="{051C4046-97E7-D64D-9688-9C618AB8E481}"/>
-              </a:ext>
-            </a:extLst>
-          </p:cNvPr>
-          <p:cNvSpPr>
-            <a:spLocks noGrp="1"/>
-          </p:cNvSpPr>
-          <p:nvPr>
-            <p:ph idx="1"/>
-          </p:nvPr>
-        </p:nvSpPr>
-        <p:spPr/>
-        <p:txBody>
-          <a:bodyPr>
-            <a:normAutofit lnSpcReduction="10000"/>
-          </a:bodyPr>
-          <a:lstStyle/>
-          <a:p>
-            <a:r>
-              <a:rPr lang="en-US" dirty="0"/>
-              <a:t>So far, much of we learned demonstrates how to use R like an extremely smart calculator.</a:t>
-            </a:r>
-          </a:p>
-          <a:p>
-            <a:r>
-              <a:rPr lang="en-US" dirty="0"/>
-              <a:t>The true power of the program comes from allowing R to query large datasets and make decisions for you.</a:t>
-            </a:r>
-          </a:p>
-          <a:p>
-            <a:r>
-              <a:rPr lang="en-US" dirty="0"/>
-              <a:t>Three key programming tools are helpful:</a:t>
-            </a:r>
-          </a:p>
-          <a:p>
-            <a:pPr marL="971550" lvl="1" indent="-514350">
-              <a:buAutoNum type="arabicPeriod"/>
-            </a:pPr>
-            <a:r>
-              <a:rPr lang="en-US" dirty="0"/>
-              <a:t>If-else and </a:t>
-            </a:r>
-            <a:r>
-              <a:rPr lang="en-US" dirty="0" err="1"/>
-              <a:t>ifelse</a:t>
-            </a:r>
-            <a:r>
-              <a:rPr lang="en-US" dirty="0"/>
-              <a:t> statements</a:t>
-            </a:r>
-          </a:p>
-          <a:p>
-            <a:pPr marL="971550" lvl="1" indent="-514350">
-              <a:buAutoNum type="arabicPeriod"/>
-            </a:pPr>
-            <a:r>
-              <a:rPr lang="en-US" dirty="0"/>
-              <a:t>For-loops</a:t>
-            </a:r>
-          </a:p>
-          <a:p>
-            <a:pPr marL="457200" lvl="1" indent="0">
-              <a:buNone/>
-            </a:pPr>
-            <a:r>
-              <a:rPr lang="en-US" dirty="0"/>
-              <a:t>Allow you to control the flow of our programming and cause different things to happen depending on the value of tests</a:t>
-            </a:r>
-          </a:p>
-          <a:p>
-            <a:pPr marL="457200" lvl="1" indent="0">
-              <a:buNone/>
-            </a:pPr>
-            <a:endParaRPr lang="en-US" dirty="0"/>
-          </a:p>
-          <a:p>
-            <a:pPr marL="457200" lvl="1" indent="0">
-              <a:buNone/>
-            </a:pPr>
-            <a:r>
-              <a:rPr lang="en-US" dirty="0"/>
-              <a:t>3. Functions</a:t>
-            </a:r>
-          </a:p>
-          <a:p>
-            <a:pPr marL="971550" lvl="1" indent="-514350">
-              <a:buAutoNum type="arabicPeriod"/>
-            </a:pPr>
-            <a:endParaRPr lang="en-US" dirty="0"/>
-          </a:p>
-        </p:txBody>
-      </p:sp>
-    </p:spTree>
-    <p:extLst>
-      <p:ext uri="{BB962C8B-B14F-4D97-AF65-F5344CB8AC3E}">
-        <p14:creationId xmlns:p14="http://schemas.microsoft.com/office/powerpoint/2010/main" val="2619045747"/>
-      </p:ext>
-    </p:extLst>
-  </p:cSld>
-  <p:clrMapOvr>
-    <a:masterClrMapping/>
-  </p:clrMapOvr>
-</p:sld>
-</file>
-
-<file path=ppt/slides/slide6.xml><?xml version="1.0" encoding="utf-8"?>
-<p:sld xmlns:a="http://schemas.openxmlformats.org/drawingml/2006/main" xmlns:r="http://schemas.openxmlformats.org/officeDocument/2006/relationships" xmlns:p="http://schemas.openxmlformats.org/presentationml/2006/main">
-  <p:cSld>
-    <p:spTree>
-      <p:nvGrpSpPr>
-        <p:cNvPr id="1" name=""/>
-        <p:cNvGrpSpPr/>
-        <p:nvPr/>
-      </p:nvGrpSpPr>
-      <p:grpSpPr>
-        <a:xfrm>
-          <a:off x="0" y="0"/>
-          <a:ext cx="0" cy="0"/>
-          <a:chOff x="0" y="0"/>
-          <a:chExt cx="0" cy="0"/>
-        </a:xfrm>
-      </p:grpSpPr>
-      <p:sp>
-        <p:nvSpPr>
-          <p:cNvPr id="2" name="Title 1">
-            <a:extLst>
-              <a:ext uri="{FF2B5EF4-FFF2-40B4-BE49-F238E27FC236}">
-                <a16:creationId xmlns:a16="http://schemas.microsoft.com/office/drawing/2014/main" id="{676ECDBA-89B9-C645-A6F9-4C43ACED2045}"/>
-              </a:ext>
-            </a:extLst>
-          </p:cNvPr>
-          <p:cNvSpPr>
-            <a:spLocks noGrp="1"/>
-          </p:cNvSpPr>
-          <p:nvPr>
-            <p:ph type="title"/>
-          </p:nvPr>
-        </p:nvSpPr>
-        <p:spPr/>
-        <p:txBody>
-          <a:bodyPr/>
-          <a:lstStyle/>
-          <a:p>
-            <a:r>
-              <a:rPr lang="en-US" dirty="0"/>
-              <a:t>For-Loops</a:t>
-            </a:r>
-          </a:p>
-        </p:txBody>
-      </p:sp>
-      <p:sp>
-        <p:nvSpPr>
-          <p:cNvPr id="3" name="Content Placeholder 2">
-            <a:extLst>
-              <a:ext uri="{FF2B5EF4-FFF2-40B4-BE49-F238E27FC236}">
-                <a16:creationId xmlns:a16="http://schemas.microsoft.com/office/drawing/2014/main" id="{051C4046-97E7-D64D-9688-9C618AB8E481}"/>
-              </a:ext>
-            </a:extLst>
-          </p:cNvPr>
-          <p:cNvSpPr>
-            <a:spLocks noGrp="1"/>
-          </p:cNvSpPr>
-          <p:nvPr>
-            <p:ph idx="1"/>
-          </p:nvPr>
-        </p:nvSpPr>
-        <p:spPr/>
-        <p:txBody>
-          <a:bodyPr/>
-          <a:lstStyle/>
-          <a:p>
-            <a:pPr marL="0" indent="0">
-              <a:buNone/>
-            </a:pPr>
-            <a:r>
-              <a:rPr lang="en-US" dirty="0">
-                <a:solidFill>
-                  <a:srgbClr val="FF0000"/>
-                </a:solidFill>
-              </a:rPr>
-              <a:t>for</a:t>
-            </a:r>
-            <a:r>
-              <a:rPr lang="en-US" dirty="0"/>
-              <a:t> (variable </a:t>
-            </a:r>
-            <a:r>
-              <a:rPr lang="en-US" dirty="0">
-                <a:solidFill>
-                  <a:srgbClr val="FF0000"/>
-                </a:solidFill>
-              </a:rPr>
-              <a:t>in</a:t>
-            </a:r>
-            <a:r>
-              <a:rPr lang="en-US" dirty="0"/>
-              <a:t> vector) </a:t>
-            </a:r>
-          </a:p>
-          <a:p>
-            <a:pPr marL="0" indent="0">
-              <a:buNone/>
-            </a:pPr>
-            <a:r>
-              <a:rPr lang="en-US" dirty="0"/>
-              <a:t>	{ do something }</a:t>
-            </a:r>
-          </a:p>
-          <a:p>
-            <a:pPr marL="0" indent="0">
-              <a:buNone/>
-            </a:pPr>
-            <a:endParaRPr lang="en-US" dirty="0"/>
-          </a:p>
-          <a:p>
-            <a:pPr marL="0" indent="0">
-              <a:buNone/>
-            </a:pPr>
-            <a:r>
-              <a:rPr lang="en-US" dirty="0"/>
-              <a:t>For (</a:t>
-            </a:r>
-            <a:r>
-              <a:rPr lang="en-US" dirty="0" err="1"/>
-              <a:t>i</a:t>
-            </a:r>
-            <a:r>
-              <a:rPr lang="en-US" dirty="0"/>
-              <a:t> in 1:10) {print </a:t>
-            </a:r>
-            <a:r>
-              <a:rPr lang="en-US" dirty="0" err="1"/>
-              <a:t>i</a:t>
-            </a:r>
-            <a:r>
-              <a:rPr lang="en-US" dirty="0"/>
-              <a:t>}</a:t>
-            </a:r>
-          </a:p>
-          <a:p>
-            <a:pPr marL="0" indent="0">
-              <a:buNone/>
-            </a:pPr>
-            <a:endParaRPr lang="en-US" dirty="0"/>
-          </a:p>
-        </p:txBody>
-      </p:sp>
-      <p:pic>
-        <p:nvPicPr>
-          <p:cNvPr id="4" name="Picture 3">
-            <a:extLst>
-              <a:ext uri="{FF2B5EF4-FFF2-40B4-BE49-F238E27FC236}">
-                <a16:creationId xmlns:a16="http://schemas.microsoft.com/office/drawing/2014/main" id="{F51C4335-DC27-A445-91BD-64BE450C6375}"/>
-              </a:ext>
-            </a:extLst>
-          </p:cNvPr>
-          <p:cNvPicPr>
-            <a:picLocks noChangeAspect="1"/>
-          </p:cNvPicPr>
-          <p:nvPr/>
-        </p:nvPicPr>
-        <p:blipFill>
-          <a:blip r:embed="rId2"/>
-          <a:stretch>
-            <a:fillRect/>
-          </a:stretch>
-        </p:blipFill>
-        <p:spPr>
-          <a:xfrm>
-            <a:off x="0" y="0"/>
-            <a:ext cx="12192000" cy="6858000"/>
-          </a:xfrm>
-          <a:prstGeom prst="rect">
-            <a:avLst/>
-          </a:prstGeom>
-        </p:spPr>
-      </p:pic>
-      <p:pic>
-        <p:nvPicPr>
-          <p:cNvPr id="6" name="Picture 5" descr="A close up of a sign&#10;&#10;Description automatically generated">
-            <a:extLst>
-              <a:ext uri="{FF2B5EF4-FFF2-40B4-BE49-F238E27FC236}">
-                <a16:creationId xmlns:a16="http://schemas.microsoft.com/office/drawing/2014/main" id="{449BC2E2-BFB4-5349-B02E-9D7BECA08E54}"/>
-              </a:ext>
-            </a:extLst>
-          </p:cNvPr>
-          <p:cNvPicPr>
-            <a:picLocks noChangeAspect="1"/>
-          </p:cNvPicPr>
-          <p:nvPr/>
-        </p:nvPicPr>
-        <p:blipFill>
-          <a:blip r:embed="rId3"/>
-          <a:stretch>
-            <a:fillRect/>
-          </a:stretch>
-        </p:blipFill>
-        <p:spPr>
-          <a:xfrm>
-            <a:off x="8134350" y="800100"/>
-            <a:ext cx="3390900" cy="5257800"/>
-          </a:xfrm>
-          <a:prstGeom prst="rect">
-            <a:avLst/>
-          </a:prstGeom>
-        </p:spPr>
-      </p:pic>
-    </p:spTree>
-    <p:extLst>
-      <p:ext uri="{BB962C8B-B14F-4D97-AF65-F5344CB8AC3E}">
-        <p14:creationId xmlns:p14="http://schemas.microsoft.com/office/powerpoint/2010/main" val="139696600"/>
-      </p:ext>
-    </p:extLst>
-  </p:cSld>
-  <p:clrMapOvr>
-    <a:masterClrMapping/>
-  </p:clrMapOvr>
-</p:sld>
-</file>
-
-<file path=ppt/slides/slide7.xml><?xml version="1.0" encoding="utf-8"?>
-<p:sld xmlns:a="http://schemas.openxmlformats.org/drawingml/2006/main" xmlns:r="http://schemas.openxmlformats.org/officeDocument/2006/relationships" xmlns:p="http://schemas.openxmlformats.org/presentationml/2006/main">
-  <p:cSld>
-    <p:spTree>
-      <p:nvGrpSpPr>
-        <p:cNvPr id="1" name=""/>
-        <p:cNvGrpSpPr/>
-        <p:nvPr/>
-      </p:nvGrpSpPr>
-      <p:grpSpPr>
-        <a:xfrm>
-          <a:off x="0" y="0"/>
-          <a:ext cx="0" cy="0"/>
-          <a:chOff x="0" y="0"/>
-          <a:chExt cx="0" cy="0"/>
-        </a:xfrm>
-      </p:grpSpPr>
-      <p:sp>
-        <p:nvSpPr>
-          <p:cNvPr id="2" name="Title 1">
-            <a:extLst>
-              <a:ext uri="{FF2B5EF4-FFF2-40B4-BE49-F238E27FC236}">
-                <a16:creationId xmlns:a16="http://schemas.microsoft.com/office/drawing/2014/main" id="{FE1A575A-3690-3342-8B05-DD3DCA02726A}"/>
-              </a:ext>
-            </a:extLst>
-          </p:cNvPr>
-          <p:cNvSpPr>
-            <a:spLocks noGrp="1"/>
-          </p:cNvSpPr>
-          <p:nvPr>
-            <p:ph type="title"/>
-          </p:nvPr>
-        </p:nvSpPr>
-        <p:spPr/>
-        <p:txBody>
-          <a:bodyPr/>
-          <a:lstStyle/>
-          <a:p>
-            <a:r>
-              <a:rPr lang="en-US" dirty="0"/>
-              <a:t>For-loops</a:t>
-            </a:r>
-          </a:p>
-        </p:txBody>
-      </p:sp>
-      <p:sp>
-        <p:nvSpPr>
-          <p:cNvPr id="3" name="Content Placeholder 2">
-            <a:extLst>
-              <a:ext uri="{FF2B5EF4-FFF2-40B4-BE49-F238E27FC236}">
-                <a16:creationId xmlns:a16="http://schemas.microsoft.com/office/drawing/2014/main" id="{ED102E9B-569E-C044-BC42-6E1A2D9D11C4}"/>
-              </a:ext>
-            </a:extLst>
-          </p:cNvPr>
-          <p:cNvSpPr>
-            <a:spLocks noGrp="1"/>
-          </p:cNvSpPr>
-          <p:nvPr>
-            <p:ph idx="1"/>
-          </p:nvPr>
-        </p:nvSpPr>
-        <p:spPr/>
-        <p:txBody>
-          <a:bodyPr/>
-          <a:lstStyle/>
-          <a:p>
-            <a:r>
-              <a:rPr lang="en-US" dirty="0"/>
-              <a:t>“Looping”, “cycling”, “iterating” is nothing more than automating a multi-step process by organizing sequences of actions or ‘batch’ processes and by grouping the parts that need to be repeated.</a:t>
-            </a:r>
-          </a:p>
-          <a:p>
-            <a:r>
-              <a:rPr lang="en-US" dirty="0">
-                <a:solidFill>
-                  <a:srgbClr val="FF0000"/>
-                </a:solidFill>
-              </a:rPr>
-              <a:t>For loops </a:t>
-            </a:r>
-            <a:r>
-              <a:rPr lang="en-US" dirty="0"/>
-              <a:t>execute for a prescribed number of times, as controlled by a counter or an index, incremented at each iteration cycle.</a:t>
-            </a:r>
-          </a:p>
-          <a:p>
-            <a:endParaRPr lang="en-US" dirty="0"/>
-          </a:p>
-          <a:p>
-            <a:pPr marL="0" indent="0">
-              <a:buNone/>
-            </a:pPr>
-            <a:endParaRPr lang="en-US" dirty="0"/>
-          </a:p>
-        </p:txBody>
-      </p:sp>
-    </p:spTree>
-    <p:extLst>
-      <p:ext uri="{BB962C8B-B14F-4D97-AF65-F5344CB8AC3E}">
-        <p14:creationId xmlns:p14="http://schemas.microsoft.com/office/powerpoint/2010/main" val="2228176726"/>
-      </p:ext>
-    </p:extLst>
-  </p:cSld>
-  <p:clrMapOvr>
-    <a:masterClrMapping/>
-  </p:clrMapOvr>
-</p:sld>
-</file>
-
-<file path=ppt/slides/slide8.xml><?xml version="1.0" encoding="utf-8"?>
 <p:sld xmlns:a="http://schemas.openxmlformats.org/drawingml/2006/main" xmlns:r="http://schemas.openxmlformats.org/officeDocument/2006/relationships" xmlns:p="http://schemas.openxmlformats.org/presentationml/2006/main">
   <p:cSld>
     <p:bg>
@@ -5859,7 +4764,7 @@
 </p:sld>
 </file>
 
-<file path=ppt/slides/slide9.xml><?xml version="1.0" encoding="utf-8"?>
+<file path=ppt/slides/slide13.xml><?xml version="1.0" encoding="utf-8"?>
 <p:sld xmlns:a="http://schemas.openxmlformats.org/drawingml/2006/main" xmlns:r="http://schemas.openxmlformats.org/officeDocument/2006/relationships" xmlns:p="http://schemas.openxmlformats.org/presentationml/2006/main">
   <p:cSld>
     <p:bg>
@@ -6110,6 +5015,4702 @@
     <p:extLst>
       <p:ext uri="{BB962C8B-B14F-4D97-AF65-F5344CB8AC3E}">
         <p14:creationId xmlns:p14="http://schemas.microsoft.com/office/powerpoint/2010/main" val="2150187354"/>
+      </p:ext>
+    </p:extLst>
+  </p:cSld>
+  <p:clrMapOvr>
+    <a:masterClrMapping/>
+  </p:clrMapOvr>
+</p:sld>
+</file>
+
+<file path=ppt/slides/slide14.xml><?xml version="1.0" encoding="utf-8"?>
+<p:sld xmlns:a="http://schemas.openxmlformats.org/drawingml/2006/main" xmlns:r="http://schemas.openxmlformats.org/officeDocument/2006/relationships" xmlns:p="http://schemas.openxmlformats.org/presentationml/2006/main">
+  <p:cSld>
+    <p:bg>
+      <p:bgPr>
+        <a:solidFill>
+          <a:schemeClr val="tx1"/>
+        </a:solidFill>
+        <a:effectLst/>
+      </p:bgPr>
+    </p:bg>
+    <p:spTree>
+      <p:nvGrpSpPr>
+        <p:cNvPr id="1" name=""/>
+        <p:cNvGrpSpPr/>
+        <p:nvPr/>
+      </p:nvGrpSpPr>
+      <p:grpSpPr>
+        <a:xfrm>
+          <a:off x="0" y="0"/>
+          <a:ext cx="0" cy="0"/>
+          <a:chOff x="0" y="0"/>
+          <a:chExt cx="0" cy="0"/>
+        </a:xfrm>
+      </p:grpSpPr>
+      <p:sp>
+        <p:nvSpPr>
+          <p:cNvPr id="10" name="Rectangle 9">
+            <a:extLst>
+              <a:ext uri="{FF2B5EF4-FFF2-40B4-BE49-F238E27FC236}">
+                <a16:creationId xmlns:a16="http://schemas.microsoft.com/office/drawing/2014/main" id="{867D4867-5BA7-4462-B2F6-A23F4A622AA7}"/>
+              </a:ext>
+              <a:ext uri="{C183D7F6-B498-43B3-948B-1728B52AA6E4}">
+                <adec:decorative xmlns:adec="http://schemas.microsoft.com/office/drawing/2017/decorative" val="1"/>
+              </a:ext>
+            </a:extLst>
+          </p:cNvPr>
+          <p:cNvSpPr>
+            <a:spLocks noGrp="1" noRot="1" noChangeAspect="1" noMove="1" noResize="1" noEditPoints="1" noAdjustHandles="1" noChangeArrowheads="1" noChangeShapeType="1" noTextEdit="1"/>
+          </p:cNvSpPr>
+          <p:nvPr>
+            <p:extLst>
+              <p:ext uri="{386F3935-93C4-4BCD-93E2-E3B085C9AB24}">
+                <p16:designElem xmlns:p16="http://schemas.microsoft.com/office/powerpoint/2015/main" val="1"/>
+              </p:ext>
+            </p:extLst>
+          </p:nvPr>
+        </p:nvSpPr>
+        <p:spPr>
+          <a:xfrm>
+            <a:off x="0" y="0"/>
+            <a:ext cx="4654296" cy="6858000"/>
+          </a:xfrm>
+          <a:prstGeom prst="rect">
+            <a:avLst/>
+          </a:prstGeom>
+          <a:solidFill>
+            <a:srgbClr val="3F3F3F"/>
+          </a:solidFill>
+          <a:ln>
+            <a:noFill/>
+          </a:ln>
+        </p:spPr>
+        <p:style>
+          <a:lnRef idx="0">
+            <a:scrgbClr r="0" g="0" b="0"/>
+          </a:lnRef>
+          <a:fillRef idx="0">
+            <a:scrgbClr r="0" g="0" b="0"/>
+          </a:fillRef>
+          <a:effectRef idx="0">
+            <a:scrgbClr r="0" g="0" b="0"/>
+          </a:effectRef>
+          <a:fontRef idx="minor">
+            <a:schemeClr val="lt1"/>
+          </a:fontRef>
+        </p:style>
+        <p:txBody>
+          <a:bodyPr rtlCol="0" anchor="ctr"/>
+          <a:lstStyle/>
+          <a:p>
+            <a:pPr algn="ctr"/>
+            <a:endParaRPr lang="en-US" dirty="0"/>
+          </a:p>
+        </p:txBody>
+      </p:sp>
+      <p:sp>
+        <p:nvSpPr>
+          <p:cNvPr id="2" name="Title 1">
+            <a:extLst>
+              <a:ext uri="{FF2B5EF4-FFF2-40B4-BE49-F238E27FC236}">
+                <a16:creationId xmlns:a16="http://schemas.microsoft.com/office/drawing/2014/main" id="{DDF65B52-D470-9146-BC86-F069B4F6CBF3}"/>
+              </a:ext>
+            </a:extLst>
+          </p:cNvPr>
+          <p:cNvSpPr>
+            <a:spLocks noGrp="1"/>
+          </p:cNvSpPr>
+          <p:nvPr>
+            <p:ph type="title"/>
+          </p:nvPr>
+        </p:nvSpPr>
+        <p:spPr>
+          <a:xfrm>
+            <a:off x="643468" y="623392"/>
+            <a:ext cx="3363974" cy="1607060"/>
+          </a:xfrm>
+          <a:noFill/>
+          <a:ln w="19050">
+            <a:solidFill>
+              <a:schemeClr val="tx1"/>
+            </a:solidFill>
+          </a:ln>
+        </p:spPr>
+        <p:txBody>
+          <a:bodyPr wrap="square" anchor="ctr">
+            <a:normAutofit/>
+          </a:bodyPr>
+          <a:lstStyle/>
+          <a:p>
+            <a:pPr algn="ctr"/>
+            <a:r>
+              <a:rPr lang="en-US" sz="2800"/>
+              <a:t>If-Else Statements</a:t>
+            </a:r>
+          </a:p>
+        </p:txBody>
+      </p:sp>
+      <p:sp>
+        <p:nvSpPr>
+          <p:cNvPr id="3" name="Content Placeholder 2">
+            <a:extLst>
+              <a:ext uri="{FF2B5EF4-FFF2-40B4-BE49-F238E27FC236}">
+                <a16:creationId xmlns:a16="http://schemas.microsoft.com/office/drawing/2014/main" id="{CAA55782-6D9D-174E-9C43-B259E5AD9186}"/>
+              </a:ext>
+            </a:extLst>
+          </p:cNvPr>
+          <p:cNvSpPr>
+            <a:spLocks noGrp="1"/>
+          </p:cNvSpPr>
+          <p:nvPr>
+            <p:ph idx="1"/>
+          </p:nvPr>
+        </p:nvSpPr>
+        <p:spPr>
+          <a:xfrm>
+            <a:off x="347730" y="2638044"/>
+            <a:ext cx="4790940" cy="1989506"/>
+          </a:xfrm>
+        </p:spPr>
+        <p:txBody>
+          <a:bodyPr>
+            <a:normAutofit fontScale="92500" lnSpcReduction="10000"/>
+          </a:bodyPr>
+          <a:lstStyle/>
+          <a:p>
+            <a:pPr marL="0" indent="0">
+              <a:buNone/>
+            </a:pPr>
+            <a:r>
+              <a:rPr lang="en-US" sz="2000" dirty="0"/>
+              <a:t>If condition is TRUE, then perform some action; otherwise do not perform that action.</a:t>
+            </a:r>
+          </a:p>
+          <a:p>
+            <a:pPr marL="0" indent="0">
+              <a:buNone/>
+            </a:pPr>
+            <a:endParaRPr lang="en-US" sz="2000" dirty="0"/>
+          </a:p>
+          <a:p>
+            <a:pPr marL="0" indent="0">
+              <a:buNone/>
+            </a:pPr>
+            <a:r>
+              <a:rPr lang="en-US" sz="2000" dirty="0"/>
+              <a:t>if (condition is TRUE) </a:t>
+            </a:r>
+          </a:p>
+          <a:p>
+            <a:pPr marL="0" indent="0">
+              <a:buNone/>
+            </a:pPr>
+            <a:r>
+              <a:rPr lang="en-US" sz="2000" dirty="0"/>
+              <a:t>	{ do something </a:t>
+            </a:r>
+            <a:r>
+              <a:rPr lang="en-US" sz="2000" dirty="0">
+                <a:solidFill>
+                  <a:srgbClr val="FF0000"/>
+                </a:solidFill>
+              </a:rPr>
+              <a:t>} else</a:t>
+            </a:r>
+          </a:p>
+          <a:p>
+            <a:pPr marL="0" indent="0">
+              <a:buNone/>
+            </a:pPr>
+            <a:r>
+              <a:rPr lang="en-US" sz="2000" dirty="0"/>
+              <a:t> { do different thing }</a:t>
+            </a:r>
+          </a:p>
+          <a:p>
+            <a:pPr marL="0" indent="0">
+              <a:buNone/>
+            </a:pPr>
+            <a:endParaRPr lang="en-US" sz="2000" dirty="0"/>
+          </a:p>
+          <a:p>
+            <a:pPr marL="0" indent="0">
+              <a:buNone/>
+            </a:pPr>
+            <a:endParaRPr lang="en-US" sz="2000" dirty="0"/>
+          </a:p>
+          <a:p>
+            <a:pPr marL="0" indent="0">
+              <a:buNone/>
+            </a:pPr>
+            <a:endParaRPr lang="en-US" sz="2000" dirty="0"/>
+          </a:p>
+        </p:txBody>
+      </p:sp>
+      <p:pic>
+        <p:nvPicPr>
+          <p:cNvPr id="5" name="Picture 4" descr="A close up of a logo&#10;&#10;Description automatically generated">
+            <a:extLst>
+              <a:ext uri="{FF2B5EF4-FFF2-40B4-BE49-F238E27FC236}">
+                <a16:creationId xmlns:a16="http://schemas.microsoft.com/office/drawing/2014/main" id="{FE129B55-D84E-9D43-8A99-A2C61EA66069}"/>
+              </a:ext>
+            </a:extLst>
+          </p:cNvPr>
+          <p:cNvPicPr>
+            <a:picLocks noChangeAspect="1"/>
+          </p:cNvPicPr>
+          <p:nvPr/>
+        </p:nvPicPr>
+        <p:blipFill>
+          <a:blip r:embed="rId2"/>
+          <a:stretch>
+            <a:fillRect/>
+          </a:stretch>
+        </p:blipFill>
+        <p:spPr>
+          <a:xfrm>
+            <a:off x="5297763" y="945056"/>
+            <a:ext cx="6250769" cy="4807021"/>
+          </a:xfrm>
+          <a:prstGeom prst="rect">
+            <a:avLst/>
+          </a:prstGeom>
+        </p:spPr>
+      </p:pic>
+      <p:sp>
+        <p:nvSpPr>
+          <p:cNvPr id="4" name="Rectangle 3">
+            <a:extLst>
+              <a:ext uri="{FF2B5EF4-FFF2-40B4-BE49-F238E27FC236}">
+                <a16:creationId xmlns:a16="http://schemas.microsoft.com/office/drawing/2014/main" id="{61CA8AC8-E6B8-9C4D-9E12-90338C6E6FEC}"/>
+              </a:ext>
+            </a:extLst>
+          </p:cNvPr>
+          <p:cNvSpPr/>
+          <p:nvPr/>
+        </p:nvSpPr>
+        <p:spPr>
+          <a:xfrm>
+            <a:off x="347730" y="5559504"/>
+            <a:ext cx="6096000" cy="1200329"/>
+          </a:xfrm>
+          <a:prstGeom prst="rect">
+            <a:avLst/>
+          </a:prstGeom>
+        </p:spPr>
+        <p:txBody>
+          <a:bodyPr>
+            <a:spAutoFit/>
+          </a:bodyPr>
+          <a:lstStyle/>
+          <a:p>
+            <a:r>
+              <a:rPr lang="en-US" sz="2400" b="1" dirty="0">
+                <a:solidFill>
+                  <a:srgbClr val="FF0000"/>
+                </a:solidFill>
+              </a:rPr>
+              <a:t>It is important to note that else must be in the same line as the closing braces of the if statement.</a:t>
+            </a:r>
+          </a:p>
+        </p:txBody>
+      </p:sp>
+    </p:spTree>
+    <p:extLst>
+      <p:ext uri="{BB962C8B-B14F-4D97-AF65-F5344CB8AC3E}">
+        <p14:creationId xmlns:p14="http://schemas.microsoft.com/office/powerpoint/2010/main" val="1102594537"/>
+      </p:ext>
+    </p:extLst>
+  </p:cSld>
+  <p:clrMapOvr>
+    <a:masterClrMapping/>
+  </p:clrMapOvr>
+</p:sld>
+</file>
+
+<file path=ppt/slides/slide15.xml><?xml version="1.0" encoding="utf-8"?>
+<p:sld xmlns:a="http://schemas.openxmlformats.org/drawingml/2006/main" xmlns:r="http://schemas.openxmlformats.org/officeDocument/2006/relationships" xmlns:p="http://schemas.openxmlformats.org/presentationml/2006/main">
+  <p:cSld>
+    <p:spTree>
+      <p:nvGrpSpPr>
+        <p:cNvPr id="1" name=""/>
+        <p:cNvGrpSpPr/>
+        <p:nvPr/>
+      </p:nvGrpSpPr>
+      <p:grpSpPr>
+        <a:xfrm>
+          <a:off x="0" y="0"/>
+          <a:ext cx="0" cy="0"/>
+          <a:chOff x="0" y="0"/>
+          <a:chExt cx="0" cy="0"/>
+        </a:xfrm>
+      </p:grpSpPr>
+      <p:sp>
+        <p:nvSpPr>
+          <p:cNvPr id="2" name="Title 1">
+            <a:extLst>
+              <a:ext uri="{FF2B5EF4-FFF2-40B4-BE49-F238E27FC236}">
+                <a16:creationId xmlns:a16="http://schemas.microsoft.com/office/drawing/2014/main" id="{04A14D2C-AAD0-184F-8ADA-A476C031975B}"/>
+              </a:ext>
+            </a:extLst>
+          </p:cNvPr>
+          <p:cNvSpPr>
+            <a:spLocks noGrp="1"/>
+          </p:cNvSpPr>
+          <p:nvPr>
+            <p:ph type="title"/>
+          </p:nvPr>
+        </p:nvSpPr>
+        <p:spPr/>
+        <p:txBody>
+          <a:bodyPr/>
+          <a:lstStyle/>
+          <a:p>
+            <a:r>
+              <a:rPr lang="en-US" dirty="0"/>
+              <a:t>Functions</a:t>
+            </a:r>
+          </a:p>
+        </p:txBody>
+      </p:sp>
+      <p:sp>
+        <p:nvSpPr>
+          <p:cNvPr id="3" name="Content Placeholder 2">
+            <a:extLst>
+              <a:ext uri="{FF2B5EF4-FFF2-40B4-BE49-F238E27FC236}">
+                <a16:creationId xmlns:a16="http://schemas.microsoft.com/office/drawing/2014/main" id="{D230CB30-BD7B-5C4E-A556-A2318D4D4E5D}"/>
+              </a:ext>
+            </a:extLst>
+          </p:cNvPr>
+          <p:cNvSpPr>
+            <a:spLocks noGrp="1"/>
+          </p:cNvSpPr>
+          <p:nvPr>
+            <p:ph idx="1"/>
+          </p:nvPr>
+        </p:nvSpPr>
+        <p:spPr/>
+        <p:txBody>
+          <a:bodyPr/>
+          <a:lstStyle/>
+          <a:p>
+            <a:r>
+              <a:rPr lang="en-US" dirty="0"/>
+              <a:t>A function is a piece of code written to carry out a specified task;</a:t>
+            </a:r>
+          </a:p>
+          <a:p>
+            <a:endParaRPr lang="en-US" dirty="0"/>
+          </a:p>
+          <a:p>
+            <a:r>
+              <a:rPr lang="en-US" dirty="0"/>
+              <a:t>mean(x), sum(x),….rep(</a:t>
+            </a:r>
+            <a:r>
+              <a:rPr lang="en-US" dirty="0" err="1"/>
+              <a:t>x,y</a:t>
+            </a:r>
+            <a:r>
+              <a:rPr lang="en-US" dirty="0"/>
+              <a:t>)</a:t>
+            </a:r>
+          </a:p>
+          <a:p>
+            <a:endParaRPr lang="en-US" dirty="0"/>
+          </a:p>
+          <a:p>
+            <a:r>
+              <a:rPr lang="en-US" dirty="0"/>
+              <a:t>Lots of pre-written functions organized in multitude of packages.</a:t>
+            </a:r>
+          </a:p>
+          <a:p>
+            <a:endParaRPr lang="en-US" dirty="0"/>
+          </a:p>
+          <a:p>
+            <a:r>
+              <a:rPr lang="en-US" dirty="0"/>
+              <a:t>If you can not find a function in R to do what you need, you can write your own function</a:t>
+            </a:r>
+          </a:p>
+        </p:txBody>
+      </p:sp>
+      <p:pic>
+        <p:nvPicPr>
+          <p:cNvPr id="5" name="Picture 4">
+            <a:extLst>
+              <a:ext uri="{FF2B5EF4-FFF2-40B4-BE49-F238E27FC236}">
+                <a16:creationId xmlns:a16="http://schemas.microsoft.com/office/drawing/2014/main" id="{79DAD038-DEAA-CA4B-82ED-9DBE1AFB04BF}"/>
+              </a:ext>
+            </a:extLst>
+          </p:cNvPr>
+          <p:cNvPicPr>
+            <a:picLocks noChangeAspect="1"/>
+          </p:cNvPicPr>
+          <p:nvPr/>
+        </p:nvPicPr>
+        <p:blipFill>
+          <a:blip r:embed="rId2"/>
+          <a:stretch>
+            <a:fillRect/>
+          </a:stretch>
+        </p:blipFill>
+        <p:spPr>
+          <a:xfrm>
+            <a:off x="603809" y="2672985"/>
+            <a:ext cx="10984381" cy="3638915"/>
+          </a:xfrm>
+          <a:prstGeom prst="rect">
+            <a:avLst/>
+          </a:prstGeom>
+        </p:spPr>
+      </p:pic>
+    </p:spTree>
+    <p:extLst>
+      <p:ext uri="{BB962C8B-B14F-4D97-AF65-F5344CB8AC3E}">
+        <p14:creationId xmlns:p14="http://schemas.microsoft.com/office/powerpoint/2010/main" val="297936792"/>
+      </p:ext>
+    </p:extLst>
+  </p:cSld>
+  <p:clrMapOvr>
+    <a:masterClrMapping/>
+  </p:clrMapOvr>
+</p:sld>
+</file>
+
+<file path=ppt/slides/slide16.xml><?xml version="1.0" encoding="utf-8"?>
+<p:sld xmlns:a="http://schemas.openxmlformats.org/drawingml/2006/main" xmlns:r="http://schemas.openxmlformats.org/officeDocument/2006/relationships" xmlns:p="http://schemas.openxmlformats.org/presentationml/2006/main">
+  <p:cSld>
+    <p:spTree>
+      <p:nvGrpSpPr>
+        <p:cNvPr id="1" name=""/>
+        <p:cNvGrpSpPr/>
+        <p:nvPr/>
+      </p:nvGrpSpPr>
+      <p:grpSpPr>
+        <a:xfrm>
+          <a:off x="0" y="0"/>
+          <a:ext cx="0" cy="0"/>
+          <a:chOff x="0" y="0"/>
+          <a:chExt cx="0" cy="0"/>
+        </a:xfrm>
+      </p:grpSpPr>
+      <p:sp>
+        <p:nvSpPr>
+          <p:cNvPr id="2" name="Title 1">
+            <a:extLst>
+              <a:ext uri="{FF2B5EF4-FFF2-40B4-BE49-F238E27FC236}">
+                <a16:creationId xmlns:a16="http://schemas.microsoft.com/office/drawing/2014/main" id="{04A14D2C-AAD0-184F-8ADA-A476C031975B}"/>
+              </a:ext>
+            </a:extLst>
+          </p:cNvPr>
+          <p:cNvSpPr>
+            <a:spLocks noGrp="1"/>
+          </p:cNvSpPr>
+          <p:nvPr>
+            <p:ph type="title"/>
+          </p:nvPr>
+        </p:nvSpPr>
+        <p:spPr/>
+        <p:txBody>
+          <a:bodyPr/>
+          <a:lstStyle/>
+          <a:p>
+            <a:r>
+              <a:rPr lang="en-US" dirty="0"/>
+              <a:t>Functions</a:t>
+            </a:r>
+          </a:p>
+        </p:txBody>
+      </p:sp>
+      <p:sp>
+        <p:nvSpPr>
+          <p:cNvPr id="3" name="Content Placeholder 2">
+            <a:extLst>
+              <a:ext uri="{FF2B5EF4-FFF2-40B4-BE49-F238E27FC236}">
+                <a16:creationId xmlns:a16="http://schemas.microsoft.com/office/drawing/2014/main" id="{D230CB30-BD7B-5C4E-A556-A2318D4D4E5D}"/>
+              </a:ext>
+            </a:extLst>
+          </p:cNvPr>
+          <p:cNvSpPr>
+            <a:spLocks noGrp="1"/>
+          </p:cNvSpPr>
+          <p:nvPr>
+            <p:ph idx="1"/>
+          </p:nvPr>
+        </p:nvSpPr>
+        <p:spPr/>
+        <p:txBody>
+          <a:bodyPr/>
+          <a:lstStyle/>
+          <a:p>
+            <a:r>
+              <a:rPr lang="en-US" dirty="0"/>
+              <a:t>A function is a piece of code written to carry out a specified task;</a:t>
+            </a:r>
+          </a:p>
+          <a:p>
+            <a:endParaRPr lang="en-US" dirty="0"/>
+          </a:p>
+          <a:p>
+            <a:r>
+              <a:rPr lang="en-US" dirty="0"/>
+              <a:t>mean(x), sum(x),….rep(</a:t>
+            </a:r>
+            <a:r>
+              <a:rPr lang="en-US" dirty="0" err="1"/>
+              <a:t>x,y</a:t>
+            </a:r>
+            <a:r>
+              <a:rPr lang="en-US" dirty="0"/>
+              <a:t>)</a:t>
+            </a:r>
+          </a:p>
+          <a:p>
+            <a:endParaRPr lang="en-US" dirty="0"/>
+          </a:p>
+          <a:p>
+            <a:r>
+              <a:rPr lang="en-US" dirty="0"/>
+              <a:t>Lots of pre-written functions organized in multitude of packages.</a:t>
+            </a:r>
+          </a:p>
+          <a:p>
+            <a:endParaRPr lang="en-US" dirty="0"/>
+          </a:p>
+          <a:p>
+            <a:r>
+              <a:rPr lang="en-US" dirty="0"/>
+              <a:t>If you can not find a function in R to do what you need, you can write your own function</a:t>
+            </a:r>
+          </a:p>
+        </p:txBody>
+      </p:sp>
+      <p:pic>
+        <p:nvPicPr>
+          <p:cNvPr id="6" name="Picture 5">
+            <a:extLst>
+              <a:ext uri="{FF2B5EF4-FFF2-40B4-BE49-F238E27FC236}">
+                <a16:creationId xmlns:a16="http://schemas.microsoft.com/office/drawing/2014/main" id="{225C5B4B-E4B2-594B-BA24-71F67E24938D}"/>
+              </a:ext>
+            </a:extLst>
+          </p:cNvPr>
+          <p:cNvPicPr>
+            <a:picLocks noChangeAspect="1"/>
+          </p:cNvPicPr>
+          <p:nvPr/>
+        </p:nvPicPr>
+        <p:blipFill>
+          <a:blip r:embed="rId2"/>
+          <a:stretch>
+            <a:fillRect/>
+          </a:stretch>
+        </p:blipFill>
+        <p:spPr>
+          <a:xfrm>
+            <a:off x="838200" y="3429000"/>
+            <a:ext cx="10502900" cy="3314700"/>
+          </a:xfrm>
+          <a:prstGeom prst="rect">
+            <a:avLst/>
+          </a:prstGeom>
+        </p:spPr>
+      </p:pic>
+    </p:spTree>
+    <p:extLst>
+      <p:ext uri="{BB962C8B-B14F-4D97-AF65-F5344CB8AC3E}">
+        <p14:creationId xmlns:p14="http://schemas.microsoft.com/office/powerpoint/2010/main" val="1264783325"/>
+      </p:ext>
+    </p:extLst>
+  </p:cSld>
+  <p:clrMapOvr>
+    <a:masterClrMapping/>
+  </p:clrMapOvr>
+</p:sld>
+</file>
+
+<file path=ppt/slides/slide17.xml><?xml version="1.0" encoding="utf-8"?>
+<p:sld xmlns:a="http://schemas.openxmlformats.org/drawingml/2006/main" xmlns:r="http://schemas.openxmlformats.org/officeDocument/2006/relationships" xmlns:p="http://schemas.openxmlformats.org/presentationml/2006/main">
+  <p:cSld>
+    <p:spTree>
+      <p:nvGrpSpPr>
+        <p:cNvPr id="1" name=""/>
+        <p:cNvGrpSpPr/>
+        <p:nvPr/>
+      </p:nvGrpSpPr>
+      <p:grpSpPr>
+        <a:xfrm>
+          <a:off x="0" y="0"/>
+          <a:ext cx="0" cy="0"/>
+          <a:chOff x="0" y="0"/>
+          <a:chExt cx="0" cy="0"/>
+        </a:xfrm>
+      </p:grpSpPr>
+      <p:sp>
+        <p:nvSpPr>
+          <p:cNvPr id="2" name="Title 1">
+            <a:extLst>
+              <a:ext uri="{FF2B5EF4-FFF2-40B4-BE49-F238E27FC236}">
+                <a16:creationId xmlns:a16="http://schemas.microsoft.com/office/drawing/2014/main" id="{04A14D2C-AAD0-184F-8ADA-A476C031975B}"/>
+              </a:ext>
+            </a:extLst>
+          </p:cNvPr>
+          <p:cNvSpPr>
+            <a:spLocks noGrp="1"/>
+          </p:cNvSpPr>
+          <p:nvPr>
+            <p:ph type="title"/>
+          </p:nvPr>
+        </p:nvSpPr>
+        <p:spPr/>
+        <p:txBody>
+          <a:bodyPr/>
+          <a:lstStyle/>
+          <a:p>
+            <a:r>
+              <a:rPr lang="en-US" dirty="0"/>
+              <a:t>Functions</a:t>
+            </a:r>
+          </a:p>
+        </p:txBody>
+      </p:sp>
+      <p:sp>
+        <p:nvSpPr>
+          <p:cNvPr id="3" name="Content Placeholder 2">
+            <a:extLst>
+              <a:ext uri="{FF2B5EF4-FFF2-40B4-BE49-F238E27FC236}">
+                <a16:creationId xmlns:a16="http://schemas.microsoft.com/office/drawing/2014/main" id="{D230CB30-BD7B-5C4E-A556-A2318D4D4E5D}"/>
+              </a:ext>
+            </a:extLst>
+          </p:cNvPr>
+          <p:cNvSpPr>
+            <a:spLocks noGrp="1"/>
+          </p:cNvSpPr>
+          <p:nvPr>
+            <p:ph idx="1"/>
+          </p:nvPr>
+        </p:nvSpPr>
+        <p:spPr/>
+        <p:txBody>
+          <a:bodyPr/>
+          <a:lstStyle/>
+          <a:p>
+            <a:r>
+              <a:rPr lang="en-US" dirty="0"/>
+              <a:t>A function is a piece of code written to carry out a specified task;</a:t>
+            </a:r>
+          </a:p>
+          <a:p>
+            <a:endParaRPr lang="en-US" dirty="0"/>
+          </a:p>
+          <a:p>
+            <a:r>
+              <a:rPr lang="en-US" dirty="0"/>
+              <a:t>mean(x), sum(x),….rep(</a:t>
+            </a:r>
+            <a:r>
+              <a:rPr lang="en-US" dirty="0" err="1"/>
+              <a:t>x,y</a:t>
+            </a:r>
+            <a:r>
+              <a:rPr lang="en-US" dirty="0"/>
+              <a:t>)</a:t>
+            </a:r>
+          </a:p>
+          <a:p>
+            <a:endParaRPr lang="en-US" dirty="0"/>
+          </a:p>
+          <a:p>
+            <a:r>
+              <a:rPr lang="en-US" dirty="0"/>
+              <a:t>Lots of pre-written functions organized in multitude of packages.</a:t>
+            </a:r>
+          </a:p>
+          <a:p>
+            <a:endParaRPr lang="en-US" dirty="0"/>
+          </a:p>
+          <a:p>
+            <a:r>
+              <a:rPr lang="en-US" dirty="0"/>
+              <a:t>If you can not find a function in R to do what you need, you can write your own function</a:t>
+            </a:r>
+          </a:p>
+        </p:txBody>
+      </p:sp>
+    </p:spTree>
+    <p:extLst>
+      <p:ext uri="{BB962C8B-B14F-4D97-AF65-F5344CB8AC3E}">
+        <p14:creationId xmlns:p14="http://schemas.microsoft.com/office/powerpoint/2010/main" val="1735235628"/>
+      </p:ext>
+    </p:extLst>
+  </p:cSld>
+  <p:clrMapOvr>
+    <a:masterClrMapping/>
+  </p:clrMapOvr>
+</p:sld>
+</file>
+
+<file path=ppt/slides/slide18.xml><?xml version="1.0" encoding="utf-8"?>
+<p:sld xmlns:a="http://schemas.openxmlformats.org/drawingml/2006/main" xmlns:r="http://schemas.openxmlformats.org/officeDocument/2006/relationships" xmlns:p="http://schemas.openxmlformats.org/presentationml/2006/main">
+  <p:cSld>
+    <p:spTree>
+      <p:nvGrpSpPr>
+        <p:cNvPr id="1" name=""/>
+        <p:cNvGrpSpPr/>
+        <p:nvPr/>
+      </p:nvGrpSpPr>
+      <p:grpSpPr>
+        <a:xfrm>
+          <a:off x="0" y="0"/>
+          <a:ext cx="0" cy="0"/>
+          <a:chOff x="0" y="0"/>
+          <a:chExt cx="0" cy="0"/>
+        </a:xfrm>
+      </p:grpSpPr>
+      <p:sp>
+        <p:nvSpPr>
+          <p:cNvPr id="2" name="Title 1">
+            <a:extLst>
+              <a:ext uri="{FF2B5EF4-FFF2-40B4-BE49-F238E27FC236}">
+                <a16:creationId xmlns:a16="http://schemas.microsoft.com/office/drawing/2014/main" id="{742C118F-DDB4-E144-8017-4CDDAC202C78}"/>
+              </a:ext>
+            </a:extLst>
+          </p:cNvPr>
+          <p:cNvSpPr>
+            <a:spLocks noGrp="1"/>
+          </p:cNvSpPr>
+          <p:nvPr>
+            <p:ph type="title"/>
+          </p:nvPr>
+        </p:nvSpPr>
+        <p:spPr/>
+        <p:txBody>
+          <a:bodyPr/>
+          <a:lstStyle/>
+          <a:p>
+            <a:r>
+              <a:rPr lang="en-US" dirty="0"/>
+              <a:t>Why write functions?</a:t>
+            </a:r>
+            <a:br>
+              <a:rPr lang="en-US" dirty="0"/>
+            </a:br>
+            <a:endParaRPr lang="en-US" dirty="0"/>
+          </a:p>
+        </p:txBody>
+      </p:sp>
+      <p:sp>
+        <p:nvSpPr>
+          <p:cNvPr id="3" name="Content Placeholder 2">
+            <a:extLst>
+              <a:ext uri="{FF2B5EF4-FFF2-40B4-BE49-F238E27FC236}">
+                <a16:creationId xmlns:a16="http://schemas.microsoft.com/office/drawing/2014/main" id="{38C2FA8A-6E4E-AA40-A46A-1A4D104E848B}"/>
+              </a:ext>
+            </a:extLst>
+          </p:cNvPr>
+          <p:cNvSpPr>
+            <a:spLocks noGrp="1"/>
+          </p:cNvSpPr>
+          <p:nvPr>
+            <p:ph idx="1"/>
+          </p:nvPr>
+        </p:nvSpPr>
+        <p:spPr/>
+        <p:txBody>
+          <a:bodyPr/>
+          <a:lstStyle/>
+          <a:p>
+            <a:r>
+              <a:rPr lang="en-US" dirty="0"/>
+              <a:t>Any time you find yourself wanting to do the same thing many times</a:t>
+            </a:r>
+          </a:p>
+          <a:p>
+            <a:r>
+              <a:rPr lang="en-US" dirty="0"/>
+              <a:t>Editing data</a:t>
+            </a:r>
+          </a:p>
+          <a:p>
+            <a:r>
+              <a:rPr lang="en-US" dirty="0"/>
+              <a:t>Repeating similar analyses on different variables</a:t>
+            </a:r>
+          </a:p>
+          <a:p>
+            <a:r>
+              <a:rPr lang="en-US" dirty="0"/>
+              <a:t>Creating a similar graph from different variables</a:t>
+            </a:r>
+          </a:p>
+          <a:p>
+            <a:r>
+              <a:rPr lang="en-US" dirty="0"/>
+              <a:t>Running simulations</a:t>
+            </a:r>
+          </a:p>
+          <a:p>
+            <a:r>
+              <a:rPr lang="en-US" dirty="0"/>
+              <a:t>Lots of other reasons I’m sure…</a:t>
+            </a:r>
+          </a:p>
+          <a:p>
+            <a:endParaRPr lang="en-US" dirty="0"/>
+          </a:p>
+        </p:txBody>
+      </p:sp>
+    </p:spTree>
+    <p:extLst>
+      <p:ext uri="{BB962C8B-B14F-4D97-AF65-F5344CB8AC3E}">
+        <p14:creationId xmlns:p14="http://schemas.microsoft.com/office/powerpoint/2010/main" val="3357020994"/>
+      </p:ext>
+    </p:extLst>
+  </p:cSld>
+  <p:clrMapOvr>
+    <a:masterClrMapping/>
+  </p:clrMapOvr>
+</p:sld>
+</file>
+
+<file path=ppt/slides/slide19.xml><?xml version="1.0" encoding="utf-8"?>
+<p:sld xmlns:a="http://schemas.openxmlformats.org/drawingml/2006/main" xmlns:r="http://schemas.openxmlformats.org/officeDocument/2006/relationships" xmlns:p="http://schemas.openxmlformats.org/presentationml/2006/main">
+  <p:cSld>
+    <p:spTree>
+      <p:nvGrpSpPr>
+        <p:cNvPr id="1" name=""/>
+        <p:cNvGrpSpPr/>
+        <p:nvPr/>
+      </p:nvGrpSpPr>
+      <p:grpSpPr>
+        <a:xfrm>
+          <a:off x="0" y="0"/>
+          <a:ext cx="0" cy="0"/>
+          <a:chOff x="0" y="0"/>
+          <a:chExt cx="0" cy="0"/>
+        </a:xfrm>
+      </p:grpSpPr>
+      <p:sp>
+        <p:nvSpPr>
+          <p:cNvPr id="2" name="Title 1">
+            <a:extLst>
+              <a:ext uri="{FF2B5EF4-FFF2-40B4-BE49-F238E27FC236}">
+                <a16:creationId xmlns:a16="http://schemas.microsoft.com/office/drawing/2014/main" id="{895F1A7E-CE7E-A547-8D2C-300DDF5E6D64}"/>
+              </a:ext>
+            </a:extLst>
+          </p:cNvPr>
+          <p:cNvSpPr>
+            <a:spLocks noGrp="1"/>
+          </p:cNvSpPr>
+          <p:nvPr>
+            <p:ph type="title"/>
+          </p:nvPr>
+        </p:nvSpPr>
+        <p:spPr/>
+        <p:txBody>
+          <a:bodyPr/>
+          <a:lstStyle/>
+          <a:p>
+            <a:r>
+              <a:rPr lang="en-US" dirty="0"/>
+              <a:t>Functions</a:t>
+            </a:r>
+          </a:p>
+        </p:txBody>
+      </p:sp>
+      <p:sp>
+        <p:nvSpPr>
+          <p:cNvPr id="3" name="Content Placeholder 2">
+            <a:extLst>
+              <a:ext uri="{FF2B5EF4-FFF2-40B4-BE49-F238E27FC236}">
+                <a16:creationId xmlns:a16="http://schemas.microsoft.com/office/drawing/2014/main" id="{9A0BE13C-9D5D-8640-9BCD-19E9DD3B909B}"/>
+              </a:ext>
+            </a:extLst>
+          </p:cNvPr>
+          <p:cNvSpPr>
+            <a:spLocks noGrp="1"/>
+          </p:cNvSpPr>
+          <p:nvPr>
+            <p:ph idx="1"/>
+          </p:nvPr>
+        </p:nvSpPr>
+        <p:spPr/>
+        <p:txBody>
+          <a:bodyPr/>
+          <a:lstStyle/>
+          <a:p>
+            <a:pPr marL="0" indent="0">
+              <a:buNone/>
+            </a:pPr>
+            <a:r>
+              <a:rPr lang="en-US" dirty="0" err="1">
+                <a:solidFill>
+                  <a:srgbClr val="FFC000"/>
+                </a:solidFill>
+              </a:rPr>
+              <a:t>function_name</a:t>
+            </a:r>
+            <a:r>
+              <a:rPr lang="en-US" dirty="0">
+                <a:solidFill>
+                  <a:srgbClr val="FFC000"/>
+                </a:solidFill>
+              </a:rPr>
+              <a:t> </a:t>
+            </a:r>
+            <a:r>
+              <a:rPr lang="en-US" dirty="0"/>
+              <a:t>&lt;- </a:t>
+            </a:r>
+            <a:r>
+              <a:rPr lang="en-US" dirty="0">
+                <a:solidFill>
+                  <a:srgbClr val="0070C0"/>
+                </a:solidFill>
+              </a:rPr>
+              <a:t>function</a:t>
+            </a:r>
+            <a:r>
+              <a:rPr lang="en-US" dirty="0"/>
+              <a:t>(</a:t>
+            </a:r>
+            <a:r>
+              <a:rPr lang="en-US" dirty="0">
+                <a:solidFill>
+                  <a:srgbClr val="FFC000"/>
+                </a:solidFill>
+              </a:rPr>
+              <a:t>argument1, argument2</a:t>
+            </a:r>
+            <a:r>
+              <a:rPr lang="en-US" dirty="0"/>
+              <a:t>) {</a:t>
+            </a:r>
+          </a:p>
+          <a:p>
+            <a:pPr marL="0" indent="0">
+              <a:buNone/>
+            </a:pPr>
+            <a:r>
+              <a:rPr lang="en-US" dirty="0"/>
+              <a:t>			 </a:t>
+            </a:r>
+            <a:r>
+              <a:rPr lang="en-US" dirty="0">
+                <a:solidFill>
+                  <a:srgbClr val="FFC000"/>
+                </a:solidFill>
+              </a:rPr>
+              <a:t>command</a:t>
+            </a:r>
+            <a:r>
+              <a:rPr lang="en-US" dirty="0"/>
+              <a:t> </a:t>
+            </a:r>
+          </a:p>
+          <a:p>
+            <a:pPr marL="0" indent="0">
+              <a:buNone/>
+            </a:pPr>
+            <a:r>
+              <a:rPr lang="en-US" dirty="0"/>
+              <a:t>return(</a:t>
+            </a:r>
+            <a:r>
+              <a:rPr lang="en-US" dirty="0">
+                <a:solidFill>
+                  <a:srgbClr val="FFC000"/>
+                </a:solidFill>
+              </a:rPr>
+              <a:t>output</a:t>
+            </a:r>
+            <a:r>
+              <a:rPr lang="en-US" dirty="0"/>
+              <a:t>)}</a:t>
+            </a:r>
+          </a:p>
+          <a:p>
+            <a:pPr marL="0" indent="0">
+              <a:buNone/>
+            </a:pPr>
+            <a:endParaRPr lang="en-US" dirty="0"/>
+          </a:p>
+          <a:p>
+            <a:pPr marL="0" indent="0">
+              <a:buNone/>
+            </a:pPr>
+            <a:r>
+              <a:rPr lang="en-US" dirty="0"/>
+              <a:t>where the code in between the curly braces is the </a:t>
+            </a:r>
+            <a:r>
+              <a:rPr lang="en-US" i="1" dirty="0"/>
+              <a:t>body</a:t>
+            </a:r>
+            <a:r>
+              <a:rPr lang="en-US" dirty="0"/>
+              <a:t> of the function.</a:t>
+            </a:r>
+          </a:p>
+        </p:txBody>
+      </p:sp>
+    </p:spTree>
+    <p:extLst>
+      <p:ext uri="{BB962C8B-B14F-4D97-AF65-F5344CB8AC3E}">
+        <p14:creationId xmlns:p14="http://schemas.microsoft.com/office/powerpoint/2010/main" val="239380344"/>
+      </p:ext>
+    </p:extLst>
+  </p:cSld>
+  <p:clrMapOvr>
+    <a:masterClrMapping/>
+  </p:clrMapOvr>
+</p:sld>
+</file>
+
+<file path=ppt/slides/slide2.xml><?xml version="1.0" encoding="utf-8"?>
+<p:sld xmlns:a="http://schemas.openxmlformats.org/drawingml/2006/main" xmlns:r="http://schemas.openxmlformats.org/officeDocument/2006/relationships" xmlns:p="http://schemas.openxmlformats.org/presentationml/2006/main">
+  <p:cSld>
+    <p:spTree>
+      <p:nvGrpSpPr>
+        <p:cNvPr id="1" name=""/>
+        <p:cNvGrpSpPr/>
+        <p:nvPr/>
+      </p:nvGrpSpPr>
+      <p:grpSpPr>
+        <a:xfrm>
+          <a:off x="0" y="0"/>
+          <a:ext cx="0" cy="0"/>
+          <a:chOff x="0" y="0"/>
+          <a:chExt cx="0" cy="0"/>
+        </a:xfrm>
+      </p:grpSpPr>
+      <p:sp>
+        <p:nvSpPr>
+          <p:cNvPr id="2" name="Title 1">
+            <a:extLst>
+              <a:ext uri="{FF2B5EF4-FFF2-40B4-BE49-F238E27FC236}">
+                <a16:creationId xmlns:a16="http://schemas.microsoft.com/office/drawing/2014/main" id="{676ECDBA-89B9-C645-A6F9-4C43ACED2045}"/>
+              </a:ext>
+            </a:extLst>
+          </p:cNvPr>
+          <p:cNvSpPr>
+            <a:spLocks noGrp="1"/>
+          </p:cNvSpPr>
+          <p:nvPr>
+            <p:ph type="title"/>
+          </p:nvPr>
+        </p:nvSpPr>
+        <p:spPr/>
+        <p:txBody>
+          <a:bodyPr/>
+          <a:lstStyle/>
+          <a:p>
+            <a:r>
+              <a:rPr lang="en-US" dirty="0"/>
+              <a:t>The Power of Programming</a:t>
+            </a:r>
+          </a:p>
+        </p:txBody>
+      </p:sp>
+      <p:sp>
+        <p:nvSpPr>
+          <p:cNvPr id="3" name="Content Placeholder 2">
+            <a:extLst>
+              <a:ext uri="{FF2B5EF4-FFF2-40B4-BE49-F238E27FC236}">
+                <a16:creationId xmlns:a16="http://schemas.microsoft.com/office/drawing/2014/main" id="{051C4046-97E7-D64D-9688-9C618AB8E481}"/>
+              </a:ext>
+            </a:extLst>
+          </p:cNvPr>
+          <p:cNvSpPr>
+            <a:spLocks noGrp="1"/>
+          </p:cNvSpPr>
+          <p:nvPr>
+            <p:ph idx="1"/>
+          </p:nvPr>
+        </p:nvSpPr>
+        <p:spPr/>
+        <p:txBody>
+          <a:bodyPr/>
+          <a:lstStyle/>
+          <a:p>
+            <a:r>
+              <a:rPr lang="en-US" dirty="0"/>
+              <a:t>So far, much of what we saw demonstrates how to use R like an extremely smart calculator.</a:t>
+            </a:r>
+          </a:p>
+          <a:p>
+            <a:pPr lvl="1"/>
+            <a:r>
+              <a:rPr lang="en-US" dirty="0"/>
+              <a:t>We write commands and it executes them.</a:t>
+            </a:r>
+          </a:p>
+          <a:p>
+            <a:pPr lvl="1"/>
+            <a:endParaRPr lang="en-US" dirty="0"/>
+          </a:p>
+          <a:p>
+            <a:pPr marL="0" indent="0">
+              <a:buNone/>
+            </a:pPr>
+            <a:endParaRPr lang="en-US" dirty="0"/>
+          </a:p>
+        </p:txBody>
+      </p:sp>
+    </p:spTree>
+    <p:extLst>
+      <p:ext uri="{BB962C8B-B14F-4D97-AF65-F5344CB8AC3E}">
+        <p14:creationId xmlns:p14="http://schemas.microsoft.com/office/powerpoint/2010/main" val="3167915693"/>
+      </p:ext>
+    </p:extLst>
+  </p:cSld>
+  <p:clrMapOvr>
+    <a:masterClrMapping/>
+  </p:clrMapOvr>
+</p:sld>
+</file>
+
+<file path=ppt/slides/slide20.xml><?xml version="1.0" encoding="utf-8"?>
+<p:sld xmlns:a="http://schemas.openxmlformats.org/drawingml/2006/main" xmlns:r="http://schemas.openxmlformats.org/officeDocument/2006/relationships" xmlns:p="http://schemas.openxmlformats.org/presentationml/2006/main">
+  <p:cSld>
+    <p:spTree>
+      <p:nvGrpSpPr>
+        <p:cNvPr id="1" name=""/>
+        <p:cNvGrpSpPr/>
+        <p:nvPr/>
+      </p:nvGrpSpPr>
+      <p:grpSpPr>
+        <a:xfrm>
+          <a:off x="0" y="0"/>
+          <a:ext cx="0" cy="0"/>
+          <a:chOff x="0" y="0"/>
+          <a:chExt cx="0" cy="0"/>
+        </a:xfrm>
+      </p:grpSpPr>
+      <p:sp>
+        <p:nvSpPr>
+          <p:cNvPr id="2" name="Title 1">
+            <a:extLst>
+              <a:ext uri="{FF2B5EF4-FFF2-40B4-BE49-F238E27FC236}">
+                <a16:creationId xmlns:a16="http://schemas.microsoft.com/office/drawing/2014/main" id="{B93CA197-1BC5-8748-BA45-FD649FBE6FBA}"/>
+              </a:ext>
+            </a:extLst>
+          </p:cNvPr>
+          <p:cNvSpPr>
+            <a:spLocks noGrp="1"/>
+          </p:cNvSpPr>
+          <p:nvPr>
+            <p:ph type="title"/>
+          </p:nvPr>
+        </p:nvSpPr>
+        <p:spPr/>
+        <p:txBody>
+          <a:bodyPr/>
+          <a:lstStyle/>
+          <a:p>
+            <a:r>
+              <a:rPr lang="en-US" dirty="0"/>
+              <a:t>Functions</a:t>
+            </a:r>
+          </a:p>
+        </p:txBody>
+      </p:sp>
+      <p:sp>
+        <p:nvSpPr>
+          <p:cNvPr id="3" name="Content Placeholder 2">
+            <a:extLst>
+              <a:ext uri="{FF2B5EF4-FFF2-40B4-BE49-F238E27FC236}">
+                <a16:creationId xmlns:a16="http://schemas.microsoft.com/office/drawing/2014/main" id="{7D662184-CB4E-0345-BEFB-5EBB51D66CE6}"/>
+              </a:ext>
+            </a:extLst>
+          </p:cNvPr>
+          <p:cNvSpPr>
+            <a:spLocks noGrp="1"/>
+          </p:cNvSpPr>
+          <p:nvPr>
+            <p:ph idx="1"/>
+          </p:nvPr>
+        </p:nvSpPr>
+        <p:spPr/>
+        <p:txBody>
+          <a:bodyPr/>
+          <a:lstStyle/>
+          <a:p>
+            <a:r>
+              <a:rPr lang="en-US" dirty="0"/>
+              <a:t>Things to consider:</a:t>
+            </a:r>
+          </a:p>
+          <a:p>
+            <a:pPr lvl="1"/>
+            <a:r>
+              <a:rPr lang="en-US" dirty="0"/>
+              <a:t>Function allows you to define exactly what you want to do</a:t>
+            </a:r>
+          </a:p>
+          <a:p>
+            <a:pPr lvl="1"/>
+            <a:endParaRPr lang="en-US" dirty="0"/>
+          </a:p>
+          <a:p>
+            <a:pPr lvl="1"/>
+            <a:r>
+              <a:rPr lang="en-US" dirty="0"/>
+              <a:t>Name your User Defined Function.</a:t>
+            </a:r>
+          </a:p>
+          <a:p>
+            <a:pPr lvl="1"/>
+            <a:endParaRPr lang="en-US" dirty="0"/>
+          </a:p>
+          <a:p>
+            <a:pPr lvl="1"/>
+            <a:r>
+              <a:rPr lang="en-US" dirty="0"/>
+              <a:t>Make sure that the name that you choose for the function is not an R reserved word. This means that you, for example, don’t want to pick the name of an existing function for your own UDF.</a:t>
+            </a:r>
+          </a:p>
+        </p:txBody>
+      </p:sp>
+    </p:spTree>
+    <p:extLst>
+      <p:ext uri="{BB962C8B-B14F-4D97-AF65-F5344CB8AC3E}">
+        <p14:creationId xmlns:p14="http://schemas.microsoft.com/office/powerpoint/2010/main" val="2919833681"/>
+      </p:ext>
+    </p:extLst>
+  </p:cSld>
+  <p:clrMapOvr>
+    <a:masterClrMapping/>
+  </p:clrMapOvr>
+</p:sld>
+</file>
+
+<file path=ppt/slides/slide21.xml><?xml version="1.0" encoding="utf-8"?>
+<p:sld xmlns:a="http://schemas.openxmlformats.org/drawingml/2006/main" xmlns:r="http://schemas.openxmlformats.org/officeDocument/2006/relationships" xmlns:p="http://schemas.openxmlformats.org/presentationml/2006/main">
+  <p:cSld>
+    <p:spTree>
+      <p:nvGrpSpPr>
+        <p:cNvPr id="1" name=""/>
+        <p:cNvGrpSpPr/>
+        <p:nvPr/>
+      </p:nvGrpSpPr>
+      <p:grpSpPr>
+        <a:xfrm>
+          <a:off x="0" y="0"/>
+          <a:ext cx="0" cy="0"/>
+          <a:chOff x="0" y="0"/>
+          <a:chExt cx="0" cy="0"/>
+        </a:xfrm>
+      </p:grpSpPr>
+      <p:sp>
+        <p:nvSpPr>
+          <p:cNvPr id="2" name="Title 1">
+            <a:extLst>
+              <a:ext uri="{FF2B5EF4-FFF2-40B4-BE49-F238E27FC236}">
+                <a16:creationId xmlns:a16="http://schemas.microsoft.com/office/drawing/2014/main" id="{BBBA794E-1D66-FC41-8DB2-25924663223F}"/>
+              </a:ext>
+            </a:extLst>
+          </p:cNvPr>
+          <p:cNvSpPr>
+            <a:spLocks noGrp="1"/>
+          </p:cNvSpPr>
+          <p:nvPr>
+            <p:ph type="title"/>
+          </p:nvPr>
+        </p:nvSpPr>
+        <p:spPr/>
+        <p:txBody>
+          <a:bodyPr/>
+          <a:lstStyle/>
+          <a:p>
+            <a:endParaRPr lang="en-US"/>
+          </a:p>
+        </p:txBody>
+      </p:sp>
+      <p:sp>
+        <p:nvSpPr>
+          <p:cNvPr id="3" name="Content Placeholder 2">
+            <a:extLst>
+              <a:ext uri="{FF2B5EF4-FFF2-40B4-BE49-F238E27FC236}">
+                <a16:creationId xmlns:a16="http://schemas.microsoft.com/office/drawing/2014/main" id="{A1012782-6605-9A4C-BE1B-ACC6569DB204}"/>
+              </a:ext>
+            </a:extLst>
+          </p:cNvPr>
+          <p:cNvSpPr>
+            <a:spLocks noGrp="1"/>
+          </p:cNvSpPr>
+          <p:nvPr>
+            <p:ph idx="1"/>
+          </p:nvPr>
+        </p:nvSpPr>
+        <p:spPr/>
+        <p:txBody>
+          <a:bodyPr/>
+          <a:lstStyle/>
+          <a:p>
+            <a:r>
+              <a:rPr lang="en-US" dirty="0"/>
+              <a:t>Start with a very simple version of what  you want to accomplish and build from there</a:t>
+            </a:r>
+          </a:p>
+          <a:p>
+            <a:endParaRPr lang="en-US" dirty="0"/>
+          </a:p>
+          <a:p>
+            <a:r>
+              <a:rPr lang="en-US" dirty="0"/>
+              <a:t>You want to make sure each little piece works before you invest the time to create a complex thing: </a:t>
+            </a:r>
+          </a:p>
+          <a:p>
+            <a:endParaRPr lang="en-US" dirty="0"/>
+          </a:p>
+          <a:p>
+            <a:r>
+              <a:rPr lang="en-US" sz="4400" b="1" dirty="0">
+                <a:solidFill>
+                  <a:srgbClr val="FF0000"/>
+                </a:solidFill>
+              </a:rPr>
+              <a:t>Remember: you can always try to run any line of code you are confused about!</a:t>
+            </a:r>
+          </a:p>
+          <a:p>
+            <a:endParaRPr lang="en-US" dirty="0"/>
+          </a:p>
+          <a:p>
+            <a:endParaRPr lang="en-US" dirty="0"/>
+          </a:p>
+        </p:txBody>
+      </p:sp>
+    </p:spTree>
+    <p:extLst>
+      <p:ext uri="{BB962C8B-B14F-4D97-AF65-F5344CB8AC3E}">
+        <p14:creationId xmlns:p14="http://schemas.microsoft.com/office/powerpoint/2010/main" val="1910221892"/>
+      </p:ext>
+    </p:extLst>
+  </p:cSld>
+  <p:clrMapOvr>
+    <a:masterClrMapping/>
+  </p:clrMapOvr>
+</p:sld>
+</file>
+
+<file path=ppt/slides/slide22.xml><?xml version="1.0" encoding="utf-8"?>
+<p:sld xmlns:a="http://schemas.openxmlformats.org/drawingml/2006/main" xmlns:r="http://schemas.openxmlformats.org/officeDocument/2006/relationships" xmlns:p="http://schemas.openxmlformats.org/presentationml/2006/main">
+  <p:cSld>
+    <p:spTree>
+      <p:nvGrpSpPr>
+        <p:cNvPr id="1" name=""/>
+        <p:cNvGrpSpPr/>
+        <p:nvPr/>
+      </p:nvGrpSpPr>
+      <p:grpSpPr>
+        <a:xfrm>
+          <a:off x="0" y="0"/>
+          <a:ext cx="0" cy="0"/>
+          <a:chOff x="0" y="0"/>
+          <a:chExt cx="0" cy="0"/>
+        </a:xfrm>
+      </p:grpSpPr>
+      <p:sp>
+        <p:nvSpPr>
+          <p:cNvPr id="2" name="Title 1">
+            <a:extLst>
+              <a:ext uri="{FF2B5EF4-FFF2-40B4-BE49-F238E27FC236}">
+                <a16:creationId xmlns:a16="http://schemas.microsoft.com/office/drawing/2014/main" id="{2632FBD9-1D72-F140-B71A-37F8851FBD15}"/>
+              </a:ext>
+            </a:extLst>
+          </p:cNvPr>
+          <p:cNvSpPr>
+            <a:spLocks noGrp="1"/>
+          </p:cNvSpPr>
+          <p:nvPr>
+            <p:ph type="title"/>
+          </p:nvPr>
+        </p:nvSpPr>
+        <p:spPr/>
+        <p:txBody>
+          <a:bodyPr/>
+          <a:lstStyle/>
+          <a:p>
+            <a:r>
+              <a:rPr lang="en-US" dirty="0"/>
+              <a:t>We want to simulate a coin toss</a:t>
+            </a:r>
+          </a:p>
+        </p:txBody>
+      </p:sp>
+      <p:sp>
+        <p:nvSpPr>
+          <p:cNvPr id="3" name="Content Placeholder 2">
+            <a:extLst>
+              <a:ext uri="{FF2B5EF4-FFF2-40B4-BE49-F238E27FC236}">
+                <a16:creationId xmlns:a16="http://schemas.microsoft.com/office/drawing/2014/main" id="{3077D773-2DE1-5444-BD89-DD888708BC0C}"/>
+              </a:ext>
+            </a:extLst>
+          </p:cNvPr>
+          <p:cNvSpPr>
+            <a:spLocks noGrp="1"/>
+          </p:cNvSpPr>
+          <p:nvPr>
+            <p:ph idx="1"/>
+          </p:nvPr>
+        </p:nvSpPr>
+        <p:spPr/>
+        <p:txBody>
+          <a:bodyPr/>
+          <a:lstStyle/>
+          <a:p>
+            <a:r>
+              <a:rPr lang="en-US" dirty="0"/>
+              <a:t>We want to simulate a coin toss and find the probability of having exactly x tails when we run 5,000 replicates of n tosses. </a:t>
+            </a:r>
+          </a:p>
+        </p:txBody>
+      </p:sp>
+    </p:spTree>
+    <p:extLst>
+      <p:ext uri="{BB962C8B-B14F-4D97-AF65-F5344CB8AC3E}">
+        <p14:creationId xmlns:p14="http://schemas.microsoft.com/office/powerpoint/2010/main" val="4072188324"/>
+      </p:ext>
+    </p:extLst>
+  </p:cSld>
+  <p:clrMapOvr>
+    <a:masterClrMapping/>
+  </p:clrMapOvr>
+</p:sld>
+</file>
+
+<file path=ppt/slides/slide23.xml><?xml version="1.0" encoding="utf-8"?>
+<p:sld xmlns:a="http://schemas.openxmlformats.org/drawingml/2006/main" xmlns:r="http://schemas.openxmlformats.org/officeDocument/2006/relationships" xmlns:p="http://schemas.openxmlformats.org/presentationml/2006/main">
+  <p:cSld>
+    <p:spTree>
+      <p:nvGrpSpPr>
+        <p:cNvPr id="1" name=""/>
+        <p:cNvGrpSpPr/>
+        <p:nvPr/>
+      </p:nvGrpSpPr>
+      <p:grpSpPr>
+        <a:xfrm>
+          <a:off x="0" y="0"/>
+          <a:ext cx="0" cy="0"/>
+          <a:chOff x="0" y="0"/>
+          <a:chExt cx="0" cy="0"/>
+        </a:xfrm>
+      </p:grpSpPr>
+      <p:sp>
+        <p:nvSpPr>
+          <p:cNvPr id="3" name="Content Placeholder 2">
+            <a:extLst>
+              <a:ext uri="{FF2B5EF4-FFF2-40B4-BE49-F238E27FC236}">
+                <a16:creationId xmlns:a16="http://schemas.microsoft.com/office/drawing/2014/main" id="{806F878C-470E-474A-902A-872E16EB4A2D}"/>
+              </a:ext>
+            </a:extLst>
+          </p:cNvPr>
+          <p:cNvSpPr>
+            <a:spLocks noGrp="1"/>
+          </p:cNvSpPr>
+          <p:nvPr>
+            <p:ph idx="1"/>
+          </p:nvPr>
+        </p:nvSpPr>
+        <p:spPr>
+          <a:xfrm>
+            <a:off x="838202" y="523081"/>
+            <a:ext cx="10515600" cy="5811838"/>
+          </a:xfrm>
+        </p:spPr>
+        <p:txBody>
+          <a:bodyPr>
+            <a:normAutofit/>
+          </a:bodyPr>
+          <a:lstStyle/>
+          <a:p>
+            <a:pPr marL="0" indent="0">
+              <a:buNone/>
+            </a:pPr>
+            <a:r>
+              <a:rPr lang="en-US" sz="4000" dirty="0">
+                <a:solidFill>
+                  <a:schemeClr val="accent2"/>
+                </a:solidFill>
+              </a:rPr>
+              <a:t>coin</a:t>
+            </a:r>
+            <a:r>
+              <a:rPr lang="en-US" sz="4000" dirty="0"/>
+              <a:t>&lt;-function(</a:t>
+            </a:r>
+            <a:r>
+              <a:rPr lang="en-US" sz="4000" dirty="0">
+                <a:solidFill>
+                  <a:srgbClr val="00B050"/>
+                </a:solidFill>
+              </a:rPr>
+              <a:t>n</a:t>
+            </a:r>
+            <a:r>
+              <a:rPr lang="en-US" sz="4000" dirty="0"/>
+              <a:t>){</a:t>
+            </a:r>
+          </a:p>
+          <a:p>
+            <a:pPr marL="0" indent="0">
+              <a:buNone/>
+            </a:pPr>
+            <a:r>
+              <a:rPr lang="en-US" sz="4000" dirty="0"/>
+              <a:t>Tail&lt;-</a:t>
+            </a:r>
+            <a:r>
+              <a:rPr lang="en-US" sz="4000" dirty="0" err="1"/>
+              <a:t>rbinom</a:t>
+            </a:r>
+            <a:r>
+              <a:rPr lang="en-US" sz="4000" dirty="0"/>
+              <a:t>(</a:t>
+            </a:r>
+            <a:r>
+              <a:rPr lang="en-US" sz="4000" dirty="0">
+                <a:solidFill>
+                  <a:srgbClr val="00B050"/>
+                </a:solidFill>
+              </a:rPr>
+              <a:t>n</a:t>
+            </a:r>
+            <a:r>
+              <a:rPr lang="en-US" sz="4000" dirty="0"/>
+              <a:t>,1,.5) </a:t>
+            </a:r>
+          </a:p>
+          <a:p>
+            <a:pPr marL="0" indent="0">
+              <a:buNone/>
+            </a:pPr>
+            <a:r>
+              <a:rPr lang="en-US" sz="4000" dirty="0" err="1"/>
+              <a:t>numTail</a:t>
+            </a:r>
+            <a:r>
+              <a:rPr lang="en-US" sz="4000" dirty="0"/>
+              <a:t>&lt;-sum(Tail)</a:t>
+            </a:r>
+          </a:p>
+          <a:p>
+            <a:pPr marL="0" indent="0">
+              <a:buNone/>
+            </a:pPr>
+            <a:r>
+              <a:rPr lang="en-US" sz="4000" dirty="0"/>
+              <a:t>return(</a:t>
+            </a:r>
+            <a:r>
+              <a:rPr lang="en-US" sz="4000" dirty="0" err="1">
+                <a:solidFill>
+                  <a:schemeClr val="accent2"/>
+                </a:solidFill>
+              </a:rPr>
+              <a:t>numTail</a:t>
+            </a:r>
+            <a:r>
+              <a:rPr lang="en-US" sz="4000" dirty="0"/>
+              <a:t>)</a:t>
+            </a:r>
+          </a:p>
+          <a:p>
+            <a:pPr marL="0" indent="0">
+              <a:buNone/>
+            </a:pPr>
+            <a:r>
+              <a:rPr lang="en-US" sz="4000" dirty="0"/>
+              <a:t>}</a:t>
+            </a:r>
+          </a:p>
+          <a:p>
+            <a:endParaRPr lang="en-US" dirty="0"/>
+          </a:p>
+        </p:txBody>
+      </p:sp>
+    </p:spTree>
+    <p:extLst>
+      <p:ext uri="{BB962C8B-B14F-4D97-AF65-F5344CB8AC3E}">
+        <p14:creationId xmlns:p14="http://schemas.microsoft.com/office/powerpoint/2010/main" val="2347801491"/>
+      </p:ext>
+    </p:extLst>
+  </p:cSld>
+  <p:clrMapOvr>
+    <a:masterClrMapping/>
+  </p:clrMapOvr>
+</p:sld>
+</file>
+
+<file path=ppt/slides/slide24.xml><?xml version="1.0" encoding="utf-8"?>
+<p:sld xmlns:a="http://schemas.openxmlformats.org/drawingml/2006/main" xmlns:r="http://schemas.openxmlformats.org/officeDocument/2006/relationships" xmlns:p="http://schemas.openxmlformats.org/presentationml/2006/main">
+  <p:cSld>
+    <p:spTree>
+      <p:nvGrpSpPr>
+        <p:cNvPr id="1" name=""/>
+        <p:cNvGrpSpPr/>
+        <p:nvPr/>
+      </p:nvGrpSpPr>
+      <p:grpSpPr>
+        <a:xfrm>
+          <a:off x="0" y="0"/>
+          <a:ext cx="0" cy="0"/>
+          <a:chOff x="0" y="0"/>
+          <a:chExt cx="0" cy="0"/>
+        </a:xfrm>
+      </p:grpSpPr>
+      <p:sp>
+        <p:nvSpPr>
+          <p:cNvPr id="3" name="Content Placeholder 2">
+            <a:extLst>
+              <a:ext uri="{FF2B5EF4-FFF2-40B4-BE49-F238E27FC236}">
+                <a16:creationId xmlns:a16="http://schemas.microsoft.com/office/drawing/2014/main" id="{806F878C-470E-474A-902A-872E16EB4A2D}"/>
+              </a:ext>
+            </a:extLst>
+          </p:cNvPr>
+          <p:cNvSpPr>
+            <a:spLocks noGrp="1"/>
+          </p:cNvSpPr>
+          <p:nvPr>
+            <p:ph idx="1"/>
+          </p:nvPr>
+        </p:nvSpPr>
+        <p:spPr>
+          <a:xfrm>
+            <a:off x="838202" y="523081"/>
+            <a:ext cx="10515600" cy="5811838"/>
+          </a:xfrm>
+        </p:spPr>
+        <p:txBody>
+          <a:bodyPr>
+            <a:normAutofit/>
+          </a:bodyPr>
+          <a:lstStyle/>
+          <a:p>
+            <a:pPr marL="0" indent="0">
+              <a:buNone/>
+            </a:pPr>
+            <a:r>
+              <a:rPr lang="en-US" sz="4000" dirty="0">
+                <a:solidFill>
+                  <a:schemeClr val="accent2"/>
+                </a:solidFill>
+              </a:rPr>
+              <a:t>coin</a:t>
+            </a:r>
+            <a:r>
+              <a:rPr lang="en-US" sz="4000" dirty="0"/>
+              <a:t>&lt;-function(</a:t>
+            </a:r>
+            <a:r>
+              <a:rPr lang="en-US" sz="4000" dirty="0">
+                <a:solidFill>
+                  <a:srgbClr val="00B050"/>
+                </a:solidFill>
+              </a:rPr>
+              <a:t>n</a:t>
+            </a:r>
+            <a:r>
+              <a:rPr lang="en-US" sz="4000" dirty="0"/>
+              <a:t>){</a:t>
+            </a:r>
+          </a:p>
+          <a:p>
+            <a:pPr marL="0" indent="0">
+              <a:buNone/>
+            </a:pPr>
+            <a:r>
+              <a:rPr lang="en-US" dirty="0">
+                <a:solidFill>
+                  <a:srgbClr val="0070C0"/>
+                </a:solidFill>
+              </a:rPr>
+              <a:t>conduct n toss trials with a 50% prob. of getting tail</a:t>
+            </a:r>
+          </a:p>
+          <a:p>
+            <a:pPr marL="0" indent="0">
+              <a:buNone/>
+            </a:pPr>
+            <a:r>
+              <a:rPr lang="en-US" sz="4000" dirty="0"/>
+              <a:t>Tail&lt;-</a:t>
+            </a:r>
+            <a:r>
+              <a:rPr lang="en-US" sz="4000" dirty="0" err="1"/>
+              <a:t>rbinom</a:t>
+            </a:r>
+            <a:r>
+              <a:rPr lang="en-US" sz="4000" dirty="0"/>
+              <a:t>(</a:t>
+            </a:r>
+            <a:r>
+              <a:rPr lang="en-US" sz="4000" dirty="0">
+                <a:solidFill>
+                  <a:srgbClr val="00B050"/>
+                </a:solidFill>
+              </a:rPr>
+              <a:t>n</a:t>
+            </a:r>
+            <a:r>
+              <a:rPr lang="en-US" sz="4000" dirty="0"/>
+              <a:t>,1,.5) </a:t>
+            </a:r>
+          </a:p>
+          <a:p>
+            <a:pPr marL="0" indent="0">
+              <a:buNone/>
+            </a:pPr>
+            <a:r>
+              <a:rPr lang="en-US" sz="4000" dirty="0" err="1"/>
+              <a:t>numTail</a:t>
+            </a:r>
+            <a:r>
+              <a:rPr lang="en-US" sz="4000" dirty="0"/>
+              <a:t>&lt;-sum(Tail)</a:t>
+            </a:r>
+          </a:p>
+          <a:p>
+            <a:pPr marL="0" indent="0">
+              <a:buNone/>
+            </a:pPr>
+            <a:r>
+              <a:rPr lang="en-US" sz="4000" dirty="0"/>
+              <a:t>return(</a:t>
+            </a:r>
+            <a:r>
+              <a:rPr lang="en-US" sz="4000" dirty="0" err="1">
+                <a:solidFill>
+                  <a:schemeClr val="accent2"/>
+                </a:solidFill>
+              </a:rPr>
+              <a:t>numTail</a:t>
+            </a:r>
+            <a:r>
+              <a:rPr lang="en-US" sz="4000" dirty="0"/>
+              <a:t>)</a:t>
+            </a:r>
+          </a:p>
+          <a:p>
+            <a:pPr marL="0" indent="0">
+              <a:buNone/>
+            </a:pPr>
+            <a:r>
+              <a:rPr lang="en-US" sz="4000" dirty="0"/>
+              <a:t>}</a:t>
+            </a:r>
+          </a:p>
+          <a:p>
+            <a:endParaRPr lang="en-US" dirty="0"/>
+          </a:p>
+        </p:txBody>
+      </p:sp>
+      <p:sp>
+        <p:nvSpPr>
+          <p:cNvPr id="4" name="Frame 3">
+            <a:extLst>
+              <a:ext uri="{FF2B5EF4-FFF2-40B4-BE49-F238E27FC236}">
+                <a16:creationId xmlns:a16="http://schemas.microsoft.com/office/drawing/2014/main" id="{0EE3990E-B1FF-EE4E-A6B2-7155424C683A}"/>
+              </a:ext>
+            </a:extLst>
+          </p:cNvPr>
+          <p:cNvSpPr/>
+          <p:nvPr/>
+        </p:nvSpPr>
+        <p:spPr>
+          <a:xfrm>
+            <a:off x="838197" y="1660664"/>
+            <a:ext cx="4397189" cy="768442"/>
+          </a:xfrm>
+          <a:prstGeom prst="frame">
+            <a:avLst/>
+          </a:prstGeom>
+        </p:spPr>
+        <p:style>
+          <a:lnRef idx="2">
+            <a:schemeClr val="accent1">
+              <a:shade val="50000"/>
+            </a:schemeClr>
+          </a:lnRef>
+          <a:fillRef idx="1">
+            <a:schemeClr val="accent1"/>
+          </a:fillRef>
+          <a:effectRef idx="0">
+            <a:schemeClr val="accent1"/>
+          </a:effectRef>
+          <a:fontRef idx="minor">
+            <a:schemeClr val="lt1"/>
+          </a:fontRef>
+        </p:style>
+        <p:txBody>
+          <a:bodyPr rtlCol="0" anchor="ctr"/>
+          <a:lstStyle/>
+          <a:p>
+            <a:pPr algn="ctr"/>
+            <a:endParaRPr lang="en-US">
+              <a:solidFill>
+                <a:schemeClr val="tx1"/>
+              </a:solidFill>
+            </a:endParaRPr>
+          </a:p>
+        </p:txBody>
+      </p:sp>
+    </p:spTree>
+    <p:extLst>
+      <p:ext uri="{BB962C8B-B14F-4D97-AF65-F5344CB8AC3E}">
+        <p14:creationId xmlns:p14="http://schemas.microsoft.com/office/powerpoint/2010/main" val="268655073"/>
+      </p:ext>
+    </p:extLst>
+  </p:cSld>
+  <p:clrMapOvr>
+    <a:masterClrMapping/>
+  </p:clrMapOvr>
+</p:sld>
+</file>
+
+<file path=ppt/slides/slide25.xml><?xml version="1.0" encoding="utf-8"?>
+<p:sld xmlns:a="http://schemas.openxmlformats.org/drawingml/2006/main" xmlns:r="http://schemas.openxmlformats.org/officeDocument/2006/relationships" xmlns:p="http://schemas.openxmlformats.org/presentationml/2006/main">
+  <p:cSld>
+    <p:spTree>
+      <p:nvGrpSpPr>
+        <p:cNvPr id="1" name=""/>
+        <p:cNvGrpSpPr/>
+        <p:nvPr/>
+      </p:nvGrpSpPr>
+      <p:grpSpPr>
+        <a:xfrm>
+          <a:off x="0" y="0"/>
+          <a:ext cx="0" cy="0"/>
+          <a:chOff x="0" y="0"/>
+          <a:chExt cx="0" cy="0"/>
+        </a:xfrm>
+      </p:grpSpPr>
+      <p:sp>
+        <p:nvSpPr>
+          <p:cNvPr id="3" name="Content Placeholder 2">
+            <a:extLst>
+              <a:ext uri="{FF2B5EF4-FFF2-40B4-BE49-F238E27FC236}">
+                <a16:creationId xmlns:a16="http://schemas.microsoft.com/office/drawing/2014/main" id="{806F878C-470E-474A-902A-872E16EB4A2D}"/>
+              </a:ext>
+            </a:extLst>
+          </p:cNvPr>
+          <p:cNvSpPr>
+            <a:spLocks noGrp="1"/>
+          </p:cNvSpPr>
+          <p:nvPr>
+            <p:ph idx="1"/>
+          </p:nvPr>
+        </p:nvSpPr>
+        <p:spPr>
+          <a:xfrm>
+            <a:off x="838202" y="523081"/>
+            <a:ext cx="10515600" cy="5811838"/>
+          </a:xfrm>
+        </p:spPr>
+        <p:txBody>
+          <a:bodyPr>
+            <a:normAutofit/>
+          </a:bodyPr>
+          <a:lstStyle/>
+          <a:p>
+            <a:pPr marL="0" indent="0">
+              <a:buNone/>
+            </a:pPr>
+            <a:r>
+              <a:rPr lang="en-US" sz="4000" dirty="0">
+                <a:solidFill>
+                  <a:schemeClr val="accent2"/>
+                </a:solidFill>
+              </a:rPr>
+              <a:t>coin</a:t>
+            </a:r>
+            <a:r>
+              <a:rPr lang="en-US" sz="4000" dirty="0"/>
+              <a:t>&lt;-function(</a:t>
+            </a:r>
+            <a:r>
+              <a:rPr lang="en-US" sz="4000" dirty="0">
+                <a:solidFill>
+                  <a:srgbClr val="00B050"/>
+                </a:solidFill>
+              </a:rPr>
+              <a:t>n</a:t>
+            </a:r>
+            <a:r>
+              <a:rPr lang="en-US" sz="4000" dirty="0"/>
+              <a:t>){</a:t>
+            </a:r>
+          </a:p>
+          <a:p>
+            <a:pPr marL="0" indent="0">
+              <a:buNone/>
+            </a:pPr>
+            <a:r>
+              <a:rPr lang="en-US" dirty="0">
+                <a:solidFill>
+                  <a:srgbClr val="0070C0"/>
+                </a:solidFill>
+              </a:rPr>
+              <a:t>conduct n toss trials with a 50% prob. of getting tail</a:t>
+            </a:r>
+          </a:p>
+          <a:p>
+            <a:pPr marL="0" indent="0">
+              <a:buNone/>
+            </a:pPr>
+            <a:r>
+              <a:rPr lang="en-US" sz="4000" dirty="0"/>
+              <a:t>Tail&lt;-</a:t>
+            </a:r>
+            <a:r>
+              <a:rPr lang="en-US" sz="4000" dirty="0" err="1"/>
+              <a:t>rbinom</a:t>
+            </a:r>
+            <a:r>
+              <a:rPr lang="en-US" sz="4000" dirty="0"/>
+              <a:t>(</a:t>
+            </a:r>
+            <a:r>
+              <a:rPr lang="en-US" sz="4000" dirty="0">
+                <a:solidFill>
+                  <a:srgbClr val="00B050"/>
+                </a:solidFill>
+              </a:rPr>
+              <a:t>n</a:t>
+            </a:r>
+            <a:r>
+              <a:rPr lang="en-US" sz="4000" dirty="0"/>
+              <a:t>,1,.5) </a:t>
+            </a:r>
+          </a:p>
+          <a:p>
+            <a:pPr marL="0" indent="0">
+              <a:buNone/>
+            </a:pPr>
+            <a:r>
+              <a:rPr lang="en-US" dirty="0">
+                <a:solidFill>
+                  <a:srgbClr val="FF0000"/>
+                </a:solidFill>
+              </a:rPr>
+              <a:t>count number of Tails</a:t>
+            </a:r>
+          </a:p>
+          <a:p>
+            <a:pPr marL="0" indent="0">
+              <a:buNone/>
+            </a:pPr>
+            <a:r>
+              <a:rPr lang="en-US" sz="4000" dirty="0" err="1"/>
+              <a:t>numTail</a:t>
+            </a:r>
+            <a:r>
+              <a:rPr lang="en-US" sz="4000" dirty="0"/>
+              <a:t>&lt;-sum(Tail)</a:t>
+            </a:r>
+          </a:p>
+          <a:p>
+            <a:pPr marL="0" indent="0">
+              <a:buNone/>
+            </a:pPr>
+            <a:r>
+              <a:rPr lang="en-US" sz="4000" dirty="0"/>
+              <a:t>return(</a:t>
+            </a:r>
+            <a:r>
+              <a:rPr lang="en-US" sz="4000" dirty="0" err="1">
+                <a:solidFill>
+                  <a:schemeClr val="accent2"/>
+                </a:solidFill>
+              </a:rPr>
+              <a:t>numTail</a:t>
+            </a:r>
+            <a:r>
+              <a:rPr lang="en-US" sz="4000" dirty="0"/>
+              <a:t>)</a:t>
+            </a:r>
+          </a:p>
+          <a:p>
+            <a:pPr marL="0" indent="0">
+              <a:buNone/>
+            </a:pPr>
+            <a:r>
+              <a:rPr lang="en-US" sz="4000" dirty="0"/>
+              <a:t>}</a:t>
+            </a:r>
+          </a:p>
+          <a:p>
+            <a:endParaRPr lang="en-US" dirty="0"/>
+          </a:p>
+        </p:txBody>
+      </p:sp>
+      <p:sp>
+        <p:nvSpPr>
+          <p:cNvPr id="4" name="Frame 3">
+            <a:extLst>
+              <a:ext uri="{FF2B5EF4-FFF2-40B4-BE49-F238E27FC236}">
+                <a16:creationId xmlns:a16="http://schemas.microsoft.com/office/drawing/2014/main" id="{0EE3990E-B1FF-EE4E-A6B2-7155424C683A}"/>
+              </a:ext>
+            </a:extLst>
+          </p:cNvPr>
+          <p:cNvSpPr/>
+          <p:nvPr/>
+        </p:nvSpPr>
+        <p:spPr>
+          <a:xfrm>
+            <a:off x="838197" y="1660664"/>
+            <a:ext cx="4397189" cy="768442"/>
+          </a:xfrm>
+          <a:prstGeom prst="frame">
+            <a:avLst/>
+          </a:prstGeom>
+        </p:spPr>
+        <p:style>
+          <a:lnRef idx="2">
+            <a:schemeClr val="accent1">
+              <a:shade val="50000"/>
+            </a:schemeClr>
+          </a:lnRef>
+          <a:fillRef idx="1">
+            <a:schemeClr val="accent1"/>
+          </a:fillRef>
+          <a:effectRef idx="0">
+            <a:schemeClr val="accent1"/>
+          </a:effectRef>
+          <a:fontRef idx="minor">
+            <a:schemeClr val="lt1"/>
+          </a:fontRef>
+        </p:style>
+        <p:txBody>
+          <a:bodyPr rtlCol="0" anchor="ctr"/>
+          <a:lstStyle/>
+          <a:p>
+            <a:pPr algn="ctr"/>
+            <a:endParaRPr lang="en-US">
+              <a:solidFill>
+                <a:schemeClr val="tx1"/>
+              </a:solidFill>
+            </a:endParaRPr>
+          </a:p>
+        </p:txBody>
+      </p:sp>
+      <p:sp>
+        <p:nvSpPr>
+          <p:cNvPr id="5" name="Frame 4">
+            <a:extLst>
+              <a:ext uri="{FF2B5EF4-FFF2-40B4-BE49-F238E27FC236}">
+                <a16:creationId xmlns:a16="http://schemas.microsoft.com/office/drawing/2014/main" id="{0BB51E12-F7E5-1349-A3BC-8A2D71322D41}"/>
+              </a:ext>
+            </a:extLst>
+          </p:cNvPr>
+          <p:cNvSpPr/>
+          <p:nvPr/>
+        </p:nvSpPr>
+        <p:spPr>
+          <a:xfrm>
+            <a:off x="838197" y="2735962"/>
+            <a:ext cx="4074461" cy="830727"/>
+          </a:xfrm>
+          <a:prstGeom prst="frame">
+            <a:avLst/>
+          </a:prstGeom>
+          <a:solidFill>
+            <a:srgbClr val="FF0000"/>
+          </a:solidFill>
+          <a:ln>
+            <a:solidFill>
+              <a:srgbClr val="FF0000"/>
+            </a:solidFill>
+          </a:ln>
+        </p:spPr>
+        <p:style>
+          <a:lnRef idx="2">
+            <a:schemeClr val="accent1">
+              <a:shade val="50000"/>
+            </a:schemeClr>
+          </a:lnRef>
+          <a:fillRef idx="1">
+            <a:schemeClr val="accent1"/>
+          </a:fillRef>
+          <a:effectRef idx="0">
+            <a:schemeClr val="accent1"/>
+          </a:effectRef>
+          <a:fontRef idx="minor">
+            <a:schemeClr val="lt1"/>
+          </a:fontRef>
+        </p:style>
+        <p:txBody>
+          <a:bodyPr rtlCol="0" anchor="ctr"/>
+          <a:lstStyle/>
+          <a:p>
+            <a:pPr algn="ctr"/>
+            <a:endParaRPr lang="en-US">
+              <a:solidFill>
+                <a:schemeClr val="tx1"/>
+              </a:solidFill>
+            </a:endParaRPr>
+          </a:p>
+        </p:txBody>
+      </p:sp>
+    </p:spTree>
+    <p:extLst>
+      <p:ext uri="{BB962C8B-B14F-4D97-AF65-F5344CB8AC3E}">
+        <p14:creationId xmlns:p14="http://schemas.microsoft.com/office/powerpoint/2010/main" val="1956703998"/>
+      </p:ext>
+    </p:extLst>
+  </p:cSld>
+  <p:clrMapOvr>
+    <a:masterClrMapping/>
+  </p:clrMapOvr>
+</p:sld>
+</file>
+
+<file path=ppt/slides/slide26.xml><?xml version="1.0" encoding="utf-8"?>
+<p:sld xmlns:a="http://schemas.openxmlformats.org/drawingml/2006/main" xmlns:r="http://schemas.openxmlformats.org/officeDocument/2006/relationships" xmlns:p="http://schemas.openxmlformats.org/presentationml/2006/main">
+  <p:cSld>
+    <p:spTree>
+      <p:nvGrpSpPr>
+        <p:cNvPr id="1" name=""/>
+        <p:cNvGrpSpPr/>
+        <p:nvPr/>
+      </p:nvGrpSpPr>
+      <p:grpSpPr>
+        <a:xfrm>
+          <a:off x="0" y="0"/>
+          <a:ext cx="0" cy="0"/>
+          <a:chOff x="0" y="0"/>
+          <a:chExt cx="0" cy="0"/>
+        </a:xfrm>
+      </p:grpSpPr>
+      <p:sp>
+        <p:nvSpPr>
+          <p:cNvPr id="3" name="Content Placeholder 2">
+            <a:extLst>
+              <a:ext uri="{FF2B5EF4-FFF2-40B4-BE49-F238E27FC236}">
+                <a16:creationId xmlns:a16="http://schemas.microsoft.com/office/drawing/2014/main" id="{806F878C-470E-474A-902A-872E16EB4A2D}"/>
+              </a:ext>
+            </a:extLst>
+          </p:cNvPr>
+          <p:cNvSpPr>
+            <a:spLocks noGrp="1"/>
+          </p:cNvSpPr>
+          <p:nvPr>
+            <p:ph idx="1"/>
+          </p:nvPr>
+        </p:nvSpPr>
+        <p:spPr>
+          <a:xfrm>
+            <a:off x="838202" y="523081"/>
+            <a:ext cx="10515600" cy="5811838"/>
+          </a:xfrm>
+        </p:spPr>
+        <p:txBody>
+          <a:bodyPr>
+            <a:normAutofit/>
+          </a:bodyPr>
+          <a:lstStyle/>
+          <a:p>
+            <a:pPr marL="0" indent="0">
+              <a:buNone/>
+            </a:pPr>
+            <a:r>
+              <a:rPr lang="en-US" sz="4000" dirty="0">
+                <a:solidFill>
+                  <a:schemeClr val="accent2"/>
+                </a:solidFill>
+              </a:rPr>
+              <a:t>coin</a:t>
+            </a:r>
+            <a:r>
+              <a:rPr lang="en-US" sz="4000" dirty="0"/>
+              <a:t>&lt;-function(</a:t>
+            </a:r>
+            <a:r>
+              <a:rPr lang="en-US" sz="4000" dirty="0">
+                <a:solidFill>
+                  <a:srgbClr val="00B050"/>
+                </a:solidFill>
+              </a:rPr>
+              <a:t>n</a:t>
+            </a:r>
+            <a:r>
+              <a:rPr lang="en-US" sz="4000" dirty="0"/>
+              <a:t>){</a:t>
+            </a:r>
+          </a:p>
+          <a:p>
+            <a:pPr marL="0" indent="0">
+              <a:buNone/>
+            </a:pPr>
+            <a:r>
+              <a:rPr lang="en-US" dirty="0">
+                <a:solidFill>
+                  <a:srgbClr val="0070C0"/>
+                </a:solidFill>
+              </a:rPr>
+              <a:t>conduct n toss trials with a 50% prob. of getting tail</a:t>
+            </a:r>
+          </a:p>
+          <a:p>
+            <a:pPr marL="0" indent="0">
+              <a:buNone/>
+            </a:pPr>
+            <a:r>
+              <a:rPr lang="en-US" sz="4000" dirty="0"/>
+              <a:t>Tail&lt;-</a:t>
+            </a:r>
+            <a:r>
+              <a:rPr lang="en-US" sz="4000" dirty="0" err="1"/>
+              <a:t>rbinom</a:t>
+            </a:r>
+            <a:r>
+              <a:rPr lang="en-US" sz="4000" dirty="0"/>
+              <a:t>(</a:t>
+            </a:r>
+            <a:r>
+              <a:rPr lang="en-US" sz="4000" dirty="0">
+                <a:solidFill>
+                  <a:srgbClr val="00B050"/>
+                </a:solidFill>
+              </a:rPr>
+              <a:t>n</a:t>
+            </a:r>
+            <a:r>
+              <a:rPr lang="en-US" sz="4000" dirty="0"/>
+              <a:t>,1,.5) </a:t>
+            </a:r>
+          </a:p>
+          <a:p>
+            <a:pPr marL="0" indent="0">
+              <a:buNone/>
+            </a:pPr>
+            <a:r>
+              <a:rPr lang="en-US" dirty="0">
+                <a:solidFill>
+                  <a:srgbClr val="FF0000"/>
+                </a:solidFill>
+              </a:rPr>
+              <a:t>count number of Tails</a:t>
+            </a:r>
+          </a:p>
+          <a:p>
+            <a:pPr marL="0" indent="0">
+              <a:buNone/>
+            </a:pPr>
+            <a:r>
+              <a:rPr lang="en-US" sz="4000" dirty="0" err="1"/>
+              <a:t>numTail</a:t>
+            </a:r>
+            <a:r>
+              <a:rPr lang="en-US" sz="4000" dirty="0"/>
+              <a:t>&lt;-sum(Tail)</a:t>
+            </a:r>
+          </a:p>
+          <a:p>
+            <a:pPr marL="0" indent="0">
+              <a:buNone/>
+            </a:pPr>
+            <a:r>
+              <a:rPr lang="en-US" sz="4000" dirty="0"/>
+              <a:t>return(</a:t>
+            </a:r>
+            <a:r>
+              <a:rPr lang="en-US" sz="4000" dirty="0" err="1">
+                <a:solidFill>
+                  <a:schemeClr val="accent2"/>
+                </a:solidFill>
+              </a:rPr>
+              <a:t>numTail</a:t>
+            </a:r>
+            <a:r>
+              <a:rPr lang="en-US" sz="4000" dirty="0"/>
+              <a:t>)</a:t>
+            </a:r>
+          </a:p>
+          <a:p>
+            <a:pPr marL="0" indent="0">
+              <a:buNone/>
+            </a:pPr>
+            <a:r>
+              <a:rPr lang="en-US" sz="4000" dirty="0"/>
+              <a:t>}</a:t>
+            </a:r>
+          </a:p>
+          <a:p>
+            <a:endParaRPr lang="en-US" dirty="0"/>
+          </a:p>
+        </p:txBody>
+      </p:sp>
+      <p:sp>
+        <p:nvSpPr>
+          <p:cNvPr id="4" name="Frame 3">
+            <a:extLst>
+              <a:ext uri="{FF2B5EF4-FFF2-40B4-BE49-F238E27FC236}">
+                <a16:creationId xmlns:a16="http://schemas.microsoft.com/office/drawing/2014/main" id="{0EE3990E-B1FF-EE4E-A6B2-7155424C683A}"/>
+              </a:ext>
+            </a:extLst>
+          </p:cNvPr>
+          <p:cNvSpPr/>
+          <p:nvPr/>
+        </p:nvSpPr>
+        <p:spPr>
+          <a:xfrm>
+            <a:off x="838197" y="1660664"/>
+            <a:ext cx="4397189" cy="768442"/>
+          </a:xfrm>
+          <a:prstGeom prst="frame">
+            <a:avLst/>
+          </a:prstGeom>
+        </p:spPr>
+        <p:style>
+          <a:lnRef idx="2">
+            <a:schemeClr val="accent1">
+              <a:shade val="50000"/>
+            </a:schemeClr>
+          </a:lnRef>
+          <a:fillRef idx="1">
+            <a:schemeClr val="accent1"/>
+          </a:fillRef>
+          <a:effectRef idx="0">
+            <a:schemeClr val="accent1"/>
+          </a:effectRef>
+          <a:fontRef idx="minor">
+            <a:schemeClr val="lt1"/>
+          </a:fontRef>
+        </p:style>
+        <p:txBody>
+          <a:bodyPr rtlCol="0" anchor="ctr"/>
+          <a:lstStyle/>
+          <a:p>
+            <a:pPr algn="ctr"/>
+            <a:endParaRPr lang="en-US">
+              <a:solidFill>
+                <a:schemeClr val="tx1"/>
+              </a:solidFill>
+            </a:endParaRPr>
+          </a:p>
+        </p:txBody>
+      </p:sp>
+      <p:sp>
+        <p:nvSpPr>
+          <p:cNvPr id="5" name="Frame 4">
+            <a:extLst>
+              <a:ext uri="{FF2B5EF4-FFF2-40B4-BE49-F238E27FC236}">
+                <a16:creationId xmlns:a16="http://schemas.microsoft.com/office/drawing/2014/main" id="{0BB51E12-F7E5-1349-A3BC-8A2D71322D41}"/>
+              </a:ext>
+            </a:extLst>
+          </p:cNvPr>
+          <p:cNvSpPr/>
+          <p:nvPr/>
+        </p:nvSpPr>
+        <p:spPr>
+          <a:xfrm>
+            <a:off x="838197" y="2735962"/>
+            <a:ext cx="4074461" cy="830727"/>
+          </a:xfrm>
+          <a:prstGeom prst="frame">
+            <a:avLst/>
+          </a:prstGeom>
+          <a:solidFill>
+            <a:srgbClr val="FF0000"/>
+          </a:solidFill>
+          <a:ln>
+            <a:solidFill>
+              <a:srgbClr val="FF0000"/>
+            </a:solidFill>
+          </a:ln>
+        </p:spPr>
+        <p:style>
+          <a:lnRef idx="2">
+            <a:schemeClr val="accent1">
+              <a:shade val="50000"/>
+            </a:schemeClr>
+          </a:lnRef>
+          <a:fillRef idx="1">
+            <a:schemeClr val="accent1"/>
+          </a:fillRef>
+          <a:effectRef idx="0">
+            <a:schemeClr val="accent1"/>
+          </a:effectRef>
+          <a:fontRef idx="minor">
+            <a:schemeClr val="lt1"/>
+          </a:fontRef>
+        </p:style>
+        <p:txBody>
+          <a:bodyPr rtlCol="0" anchor="ctr"/>
+          <a:lstStyle/>
+          <a:p>
+            <a:pPr algn="ctr"/>
+            <a:endParaRPr lang="en-US">
+              <a:solidFill>
+                <a:schemeClr val="tx1"/>
+              </a:solidFill>
+            </a:endParaRPr>
+          </a:p>
+        </p:txBody>
+      </p:sp>
+      <p:sp>
+        <p:nvSpPr>
+          <p:cNvPr id="2" name="Rectangle 1">
+            <a:extLst>
+              <a:ext uri="{FF2B5EF4-FFF2-40B4-BE49-F238E27FC236}">
+                <a16:creationId xmlns:a16="http://schemas.microsoft.com/office/drawing/2014/main" id="{48FD5A3C-F69B-0348-BF25-AF21B99292B6}"/>
+              </a:ext>
+            </a:extLst>
+          </p:cNvPr>
+          <p:cNvSpPr/>
+          <p:nvPr/>
+        </p:nvSpPr>
+        <p:spPr>
+          <a:xfrm>
+            <a:off x="1167997" y="5342075"/>
+            <a:ext cx="5660524" cy="369332"/>
+          </a:xfrm>
+          <a:prstGeom prst="rect">
+            <a:avLst/>
+          </a:prstGeom>
+        </p:spPr>
+        <p:txBody>
+          <a:bodyPr wrap="none">
+            <a:spAutoFit/>
+          </a:bodyPr>
+          <a:lstStyle/>
+          <a:p>
+            <a:r>
+              <a:rPr lang="en-US" dirty="0">
+                <a:solidFill>
+                  <a:srgbClr val="0000FF"/>
+                </a:solidFill>
+                <a:latin typeface="Helvetica" pitchFamily="2" charset="0"/>
+              </a:rPr>
+              <a:t>return() </a:t>
+            </a:r>
+            <a:r>
+              <a:rPr lang="en-US" dirty="0">
+                <a:latin typeface="Helvetica" pitchFamily="2" charset="0"/>
+              </a:rPr>
+              <a:t>determines what the product of the function is</a:t>
+            </a:r>
+            <a:endParaRPr lang="en-US" dirty="0">
+              <a:effectLst/>
+              <a:latin typeface="Helvetica" pitchFamily="2" charset="0"/>
+            </a:endParaRPr>
+          </a:p>
+        </p:txBody>
+      </p:sp>
+    </p:spTree>
+    <p:extLst>
+      <p:ext uri="{BB962C8B-B14F-4D97-AF65-F5344CB8AC3E}">
+        <p14:creationId xmlns:p14="http://schemas.microsoft.com/office/powerpoint/2010/main" val="65958223"/>
+      </p:ext>
+    </p:extLst>
+  </p:cSld>
+  <p:clrMapOvr>
+    <a:masterClrMapping/>
+  </p:clrMapOvr>
+</p:sld>
+</file>
+
+<file path=ppt/slides/slide27.xml><?xml version="1.0" encoding="utf-8"?>
+<p:sld xmlns:a="http://schemas.openxmlformats.org/drawingml/2006/main" xmlns:r="http://schemas.openxmlformats.org/officeDocument/2006/relationships" xmlns:p="http://schemas.openxmlformats.org/presentationml/2006/main">
+  <p:cSld>
+    <p:spTree>
+      <p:nvGrpSpPr>
+        <p:cNvPr id="1" name=""/>
+        <p:cNvGrpSpPr/>
+        <p:nvPr/>
+      </p:nvGrpSpPr>
+      <p:grpSpPr>
+        <a:xfrm>
+          <a:off x="0" y="0"/>
+          <a:ext cx="0" cy="0"/>
+          <a:chOff x="0" y="0"/>
+          <a:chExt cx="0" cy="0"/>
+        </a:xfrm>
+      </p:grpSpPr>
+      <p:sp>
+        <p:nvSpPr>
+          <p:cNvPr id="3" name="Content Placeholder 2">
+            <a:extLst>
+              <a:ext uri="{FF2B5EF4-FFF2-40B4-BE49-F238E27FC236}">
+                <a16:creationId xmlns:a16="http://schemas.microsoft.com/office/drawing/2014/main" id="{806F878C-470E-474A-902A-872E16EB4A2D}"/>
+              </a:ext>
+            </a:extLst>
+          </p:cNvPr>
+          <p:cNvSpPr>
+            <a:spLocks noGrp="1"/>
+          </p:cNvSpPr>
+          <p:nvPr>
+            <p:ph idx="1"/>
+          </p:nvPr>
+        </p:nvSpPr>
+        <p:spPr>
+          <a:xfrm>
+            <a:off x="838202" y="523081"/>
+            <a:ext cx="10515600" cy="5811838"/>
+          </a:xfrm>
+        </p:spPr>
+        <p:txBody>
+          <a:bodyPr>
+            <a:normAutofit/>
+          </a:bodyPr>
+          <a:lstStyle/>
+          <a:p>
+            <a:pPr marL="0" indent="0">
+              <a:buNone/>
+            </a:pPr>
+            <a:r>
+              <a:rPr lang="en-US" sz="4000" dirty="0">
+                <a:solidFill>
+                  <a:schemeClr val="accent2"/>
+                </a:solidFill>
+              </a:rPr>
+              <a:t>coin</a:t>
+            </a:r>
+            <a:r>
+              <a:rPr lang="en-US" sz="4000" dirty="0"/>
+              <a:t>&lt;-function(</a:t>
+            </a:r>
+            <a:r>
+              <a:rPr lang="en-US" sz="4000" dirty="0">
+                <a:solidFill>
+                  <a:srgbClr val="00B050"/>
+                </a:solidFill>
+              </a:rPr>
+              <a:t>n</a:t>
+            </a:r>
+            <a:r>
+              <a:rPr lang="en-US" sz="4000" dirty="0"/>
+              <a:t>){</a:t>
+            </a:r>
+          </a:p>
+          <a:p>
+            <a:pPr marL="0" indent="0">
+              <a:buNone/>
+            </a:pPr>
+            <a:r>
+              <a:rPr lang="en-US" dirty="0">
+                <a:solidFill>
+                  <a:srgbClr val="0070C0"/>
+                </a:solidFill>
+              </a:rPr>
+              <a:t>conduct n toss trials with a 50% prob. of getting tail</a:t>
+            </a:r>
+          </a:p>
+          <a:p>
+            <a:pPr marL="0" indent="0">
+              <a:buNone/>
+            </a:pPr>
+            <a:r>
+              <a:rPr lang="en-US" sz="4000" dirty="0"/>
+              <a:t>Tail&lt;-</a:t>
+            </a:r>
+            <a:r>
+              <a:rPr lang="en-US" sz="4000" dirty="0" err="1"/>
+              <a:t>rbinom</a:t>
+            </a:r>
+            <a:r>
+              <a:rPr lang="en-US" sz="4000" dirty="0"/>
+              <a:t>(</a:t>
+            </a:r>
+            <a:r>
+              <a:rPr lang="en-US" sz="4000" dirty="0">
+                <a:solidFill>
+                  <a:srgbClr val="00B050"/>
+                </a:solidFill>
+              </a:rPr>
+              <a:t>n</a:t>
+            </a:r>
+            <a:r>
+              <a:rPr lang="en-US" sz="4000" dirty="0"/>
+              <a:t>,1,.5) </a:t>
+            </a:r>
+          </a:p>
+          <a:p>
+            <a:pPr marL="0" indent="0">
+              <a:buNone/>
+            </a:pPr>
+            <a:r>
+              <a:rPr lang="en-US" dirty="0">
+                <a:solidFill>
+                  <a:srgbClr val="FF0000"/>
+                </a:solidFill>
+              </a:rPr>
+              <a:t>count number of Tails</a:t>
+            </a:r>
+          </a:p>
+          <a:p>
+            <a:pPr marL="0" indent="0">
+              <a:buNone/>
+            </a:pPr>
+            <a:r>
+              <a:rPr lang="en-US" sz="4000" dirty="0" err="1"/>
+              <a:t>numTail</a:t>
+            </a:r>
+            <a:r>
+              <a:rPr lang="en-US" sz="4000" dirty="0"/>
+              <a:t>&lt;-sum(Tail)</a:t>
+            </a:r>
+          </a:p>
+          <a:p>
+            <a:pPr marL="0" indent="0">
+              <a:buNone/>
+            </a:pPr>
+            <a:r>
+              <a:rPr lang="en-US" sz="4000" dirty="0"/>
+              <a:t>return(</a:t>
+            </a:r>
+            <a:r>
+              <a:rPr lang="en-US" sz="4000" dirty="0" err="1">
+                <a:solidFill>
+                  <a:schemeClr val="accent2"/>
+                </a:solidFill>
+              </a:rPr>
+              <a:t>numTail</a:t>
+            </a:r>
+            <a:r>
+              <a:rPr lang="en-US" sz="4000" dirty="0"/>
+              <a:t>)</a:t>
+            </a:r>
+          </a:p>
+          <a:p>
+            <a:pPr marL="0" indent="0">
+              <a:buNone/>
+            </a:pPr>
+            <a:r>
+              <a:rPr lang="en-US" sz="4000" dirty="0"/>
+              <a:t>}</a:t>
+            </a:r>
+          </a:p>
+          <a:p>
+            <a:endParaRPr lang="en-US" dirty="0"/>
+          </a:p>
+        </p:txBody>
+      </p:sp>
+      <p:sp>
+        <p:nvSpPr>
+          <p:cNvPr id="4" name="Frame 3">
+            <a:extLst>
+              <a:ext uri="{FF2B5EF4-FFF2-40B4-BE49-F238E27FC236}">
+                <a16:creationId xmlns:a16="http://schemas.microsoft.com/office/drawing/2014/main" id="{0EE3990E-B1FF-EE4E-A6B2-7155424C683A}"/>
+              </a:ext>
+            </a:extLst>
+          </p:cNvPr>
+          <p:cNvSpPr/>
+          <p:nvPr/>
+        </p:nvSpPr>
+        <p:spPr>
+          <a:xfrm>
+            <a:off x="838197" y="1660664"/>
+            <a:ext cx="4397189" cy="768442"/>
+          </a:xfrm>
+          <a:prstGeom prst="frame">
+            <a:avLst/>
+          </a:prstGeom>
+        </p:spPr>
+        <p:style>
+          <a:lnRef idx="2">
+            <a:schemeClr val="accent1">
+              <a:shade val="50000"/>
+            </a:schemeClr>
+          </a:lnRef>
+          <a:fillRef idx="1">
+            <a:schemeClr val="accent1"/>
+          </a:fillRef>
+          <a:effectRef idx="0">
+            <a:schemeClr val="accent1"/>
+          </a:effectRef>
+          <a:fontRef idx="minor">
+            <a:schemeClr val="lt1"/>
+          </a:fontRef>
+        </p:style>
+        <p:txBody>
+          <a:bodyPr rtlCol="0" anchor="ctr"/>
+          <a:lstStyle/>
+          <a:p>
+            <a:pPr algn="ctr"/>
+            <a:endParaRPr lang="en-US">
+              <a:solidFill>
+                <a:schemeClr val="tx1"/>
+              </a:solidFill>
+            </a:endParaRPr>
+          </a:p>
+        </p:txBody>
+      </p:sp>
+      <p:sp>
+        <p:nvSpPr>
+          <p:cNvPr id="5" name="Frame 4">
+            <a:extLst>
+              <a:ext uri="{FF2B5EF4-FFF2-40B4-BE49-F238E27FC236}">
+                <a16:creationId xmlns:a16="http://schemas.microsoft.com/office/drawing/2014/main" id="{0BB51E12-F7E5-1349-A3BC-8A2D71322D41}"/>
+              </a:ext>
+            </a:extLst>
+          </p:cNvPr>
+          <p:cNvSpPr/>
+          <p:nvPr/>
+        </p:nvSpPr>
+        <p:spPr>
+          <a:xfrm>
+            <a:off x="838197" y="2735962"/>
+            <a:ext cx="4074461" cy="830727"/>
+          </a:xfrm>
+          <a:prstGeom prst="frame">
+            <a:avLst/>
+          </a:prstGeom>
+          <a:solidFill>
+            <a:srgbClr val="FF0000"/>
+          </a:solidFill>
+          <a:ln>
+            <a:solidFill>
+              <a:srgbClr val="FF0000"/>
+            </a:solidFill>
+          </a:ln>
+        </p:spPr>
+        <p:style>
+          <a:lnRef idx="2">
+            <a:schemeClr val="accent1">
+              <a:shade val="50000"/>
+            </a:schemeClr>
+          </a:lnRef>
+          <a:fillRef idx="1">
+            <a:schemeClr val="accent1"/>
+          </a:fillRef>
+          <a:effectRef idx="0">
+            <a:schemeClr val="accent1"/>
+          </a:effectRef>
+          <a:fontRef idx="minor">
+            <a:schemeClr val="lt1"/>
+          </a:fontRef>
+        </p:style>
+        <p:txBody>
+          <a:bodyPr rtlCol="0" anchor="ctr"/>
+          <a:lstStyle/>
+          <a:p>
+            <a:pPr algn="ctr"/>
+            <a:endParaRPr lang="en-US">
+              <a:solidFill>
+                <a:schemeClr val="tx1"/>
+              </a:solidFill>
+            </a:endParaRPr>
+          </a:p>
+        </p:txBody>
+      </p:sp>
+      <p:sp>
+        <p:nvSpPr>
+          <p:cNvPr id="6" name="TextBox 5">
+            <a:extLst>
+              <a:ext uri="{FF2B5EF4-FFF2-40B4-BE49-F238E27FC236}">
+                <a16:creationId xmlns:a16="http://schemas.microsoft.com/office/drawing/2014/main" id="{A7D8B669-A4DF-BE41-B9EC-D44DC67CA67F}"/>
+              </a:ext>
+            </a:extLst>
+          </p:cNvPr>
+          <p:cNvSpPr txBox="1"/>
+          <p:nvPr/>
+        </p:nvSpPr>
+        <p:spPr>
+          <a:xfrm>
+            <a:off x="838197" y="5074024"/>
+            <a:ext cx="9829803" cy="1200329"/>
+          </a:xfrm>
+          <a:prstGeom prst="rect">
+            <a:avLst/>
+          </a:prstGeom>
+          <a:noFill/>
+        </p:spPr>
+        <p:txBody>
+          <a:bodyPr wrap="square" rtlCol="0">
+            <a:spAutoFit/>
+          </a:bodyPr>
+          <a:lstStyle/>
+          <a:p>
+            <a:r>
+              <a:rPr lang="en-US" sz="3600" dirty="0"/>
+              <a:t>Help me add flexibility to this by allowing me to change the probability of getting tails</a:t>
+            </a:r>
+          </a:p>
+        </p:txBody>
+      </p:sp>
+    </p:spTree>
+    <p:extLst>
+      <p:ext uri="{BB962C8B-B14F-4D97-AF65-F5344CB8AC3E}">
+        <p14:creationId xmlns:p14="http://schemas.microsoft.com/office/powerpoint/2010/main" val="3469129857"/>
+      </p:ext>
+    </p:extLst>
+  </p:cSld>
+  <p:clrMapOvr>
+    <a:masterClrMapping/>
+  </p:clrMapOvr>
+</p:sld>
+</file>
+
+<file path=ppt/slides/slide28.xml><?xml version="1.0" encoding="utf-8"?>
+<p:sld xmlns:a="http://schemas.openxmlformats.org/drawingml/2006/main" xmlns:r="http://schemas.openxmlformats.org/officeDocument/2006/relationships" xmlns:p="http://schemas.openxmlformats.org/presentationml/2006/main">
+  <p:cSld>
+    <p:spTree>
+      <p:nvGrpSpPr>
+        <p:cNvPr id="1" name=""/>
+        <p:cNvGrpSpPr/>
+        <p:nvPr/>
+      </p:nvGrpSpPr>
+      <p:grpSpPr>
+        <a:xfrm>
+          <a:off x="0" y="0"/>
+          <a:ext cx="0" cy="0"/>
+          <a:chOff x="0" y="0"/>
+          <a:chExt cx="0" cy="0"/>
+        </a:xfrm>
+      </p:grpSpPr>
+      <p:sp>
+        <p:nvSpPr>
+          <p:cNvPr id="3" name="Content Placeholder 2">
+            <a:extLst>
+              <a:ext uri="{FF2B5EF4-FFF2-40B4-BE49-F238E27FC236}">
+                <a16:creationId xmlns:a16="http://schemas.microsoft.com/office/drawing/2014/main" id="{806F878C-470E-474A-902A-872E16EB4A2D}"/>
+              </a:ext>
+            </a:extLst>
+          </p:cNvPr>
+          <p:cNvSpPr>
+            <a:spLocks noGrp="1"/>
+          </p:cNvSpPr>
+          <p:nvPr>
+            <p:ph idx="1"/>
+          </p:nvPr>
+        </p:nvSpPr>
+        <p:spPr>
+          <a:xfrm>
+            <a:off x="838202" y="523081"/>
+            <a:ext cx="10515600" cy="5811838"/>
+          </a:xfrm>
+        </p:spPr>
+        <p:txBody>
+          <a:bodyPr>
+            <a:normAutofit/>
+          </a:bodyPr>
+          <a:lstStyle/>
+          <a:p>
+            <a:pPr marL="0" indent="0">
+              <a:buNone/>
+            </a:pPr>
+            <a:r>
+              <a:rPr lang="en-US" sz="4000" dirty="0">
+                <a:solidFill>
+                  <a:schemeClr val="accent2"/>
+                </a:solidFill>
+              </a:rPr>
+              <a:t>coin</a:t>
+            </a:r>
+            <a:r>
+              <a:rPr lang="en-US" sz="4000" dirty="0"/>
+              <a:t>&lt;-function(</a:t>
+            </a:r>
+            <a:r>
+              <a:rPr lang="en-US" sz="4000" dirty="0">
+                <a:solidFill>
+                  <a:srgbClr val="00B050"/>
+                </a:solidFill>
+              </a:rPr>
+              <a:t>n</a:t>
+            </a:r>
+            <a:r>
+              <a:rPr lang="en-US" sz="4000" dirty="0"/>
+              <a:t>){</a:t>
+            </a:r>
+          </a:p>
+          <a:p>
+            <a:pPr marL="0" indent="0">
+              <a:buNone/>
+            </a:pPr>
+            <a:r>
+              <a:rPr lang="en-US" dirty="0">
+                <a:solidFill>
+                  <a:srgbClr val="0070C0"/>
+                </a:solidFill>
+              </a:rPr>
+              <a:t>conduct n toss trials with a 50% prob. of getting tail</a:t>
+            </a:r>
+          </a:p>
+          <a:p>
+            <a:pPr marL="0" indent="0">
+              <a:buNone/>
+            </a:pPr>
+            <a:r>
+              <a:rPr lang="en-US" sz="4000" dirty="0"/>
+              <a:t>Tail&lt;-</a:t>
+            </a:r>
+            <a:r>
+              <a:rPr lang="en-US" sz="4000" dirty="0" err="1"/>
+              <a:t>rbinom</a:t>
+            </a:r>
+            <a:r>
+              <a:rPr lang="en-US" sz="4000" dirty="0"/>
+              <a:t>(</a:t>
+            </a:r>
+            <a:r>
+              <a:rPr lang="en-US" sz="4000" dirty="0">
+                <a:solidFill>
+                  <a:srgbClr val="00B050"/>
+                </a:solidFill>
+              </a:rPr>
+              <a:t>n</a:t>
+            </a:r>
+            <a:r>
+              <a:rPr lang="en-US" sz="4000" dirty="0"/>
+              <a:t>,1,.5) </a:t>
+            </a:r>
+          </a:p>
+          <a:p>
+            <a:pPr marL="0" indent="0">
+              <a:buNone/>
+            </a:pPr>
+            <a:r>
+              <a:rPr lang="en-US" dirty="0">
+                <a:solidFill>
+                  <a:srgbClr val="FF0000"/>
+                </a:solidFill>
+              </a:rPr>
+              <a:t>count number of Tails</a:t>
+            </a:r>
+          </a:p>
+          <a:p>
+            <a:pPr marL="0" indent="0">
+              <a:buNone/>
+            </a:pPr>
+            <a:r>
+              <a:rPr lang="en-US" sz="4000" dirty="0" err="1"/>
+              <a:t>numTail</a:t>
+            </a:r>
+            <a:r>
+              <a:rPr lang="en-US" sz="4000" dirty="0"/>
+              <a:t>&lt;-sum(Tail)</a:t>
+            </a:r>
+          </a:p>
+          <a:p>
+            <a:pPr marL="0" indent="0">
+              <a:buNone/>
+            </a:pPr>
+            <a:r>
+              <a:rPr lang="en-US" sz="4000" dirty="0"/>
+              <a:t>return(</a:t>
+            </a:r>
+            <a:r>
+              <a:rPr lang="en-US" sz="4000" dirty="0" err="1">
+                <a:solidFill>
+                  <a:schemeClr val="accent2"/>
+                </a:solidFill>
+              </a:rPr>
+              <a:t>numTail</a:t>
+            </a:r>
+            <a:r>
+              <a:rPr lang="en-US" sz="4000" dirty="0"/>
+              <a:t>)</a:t>
+            </a:r>
+          </a:p>
+          <a:p>
+            <a:pPr marL="0" indent="0">
+              <a:buNone/>
+            </a:pPr>
+            <a:r>
+              <a:rPr lang="en-US" sz="4000" dirty="0"/>
+              <a:t>}</a:t>
+            </a:r>
+          </a:p>
+          <a:p>
+            <a:endParaRPr lang="en-US" dirty="0"/>
+          </a:p>
+        </p:txBody>
+      </p:sp>
+      <p:sp>
+        <p:nvSpPr>
+          <p:cNvPr id="4" name="Frame 3">
+            <a:extLst>
+              <a:ext uri="{FF2B5EF4-FFF2-40B4-BE49-F238E27FC236}">
+                <a16:creationId xmlns:a16="http://schemas.microsoft.com/office/drawing/2014/main" id="{0EE3990E-B1FF-EE4E-A6B2-7155424C683A}"/>
+              </a:ext>
+            </a:extLst>
+          </p:cNvPr>
+          <p:cNvSpPr/>
+          <p:nvPr/>
+        </p:nvSpPr>
+        <p:spPr>
+          <a:xfrm>
+            <a:off x="838197" y="1660664"/>
+            <a:ext cx="4397189" cy="768442"/>
+          </a:xfrm>
+          <a:prstGeom prst="frame">
+            <a:avLst/>
+          </a:prstGeom>
+        </p:spPr>
+        <p:style>
+          <a:lnRef idx="2">
+            <a:schemeClr val="accent1">
+              <a:shade val="50000"/>
+            </a:schemeClr>
+          </a:lnRef>
+          <a:fillRef idx="1">
+            <a:schemeClr val="accent1"/>
+          </a:fillRef>
+          <a:effectRef idx="0">
+            <a:schemeClr val="accent1"/>
+          </a:effectRef>
+          <a:fontRef idx="minor">
+            <a:schemeClr val="lt1"/>
+          </a:fontRef>
+        </p:style>
+        <p:txBody>
+          <a:bodyPr rtlCol="0" anchor="ctr"/>
+          <a:lstStyle/>
+          <a:p>
+            <a:pPr algn="ctr"/>
+            <a:endParaRPr lang="en-US">
+              <a:solidFill>
+                <a:schemeClr val="tx1"/>
+              </a:solidFill>
+            </a:endParaRPr>
+          </a:p>
+        </p:txBody>
+      </p:sp>
+      <p:sp>
+        <p:nvSpPr>
+          <p:cNvPr id="5" name="Frame 4">
+            <a:extLst>
+              <a:ext uri="{FF2B5EF4-FFF2-40B4-BE49-F238E27FC236}">
+                <a16:creationId xmlns:a16="http://schemas.microsoft.com/office/drawing/2014/main" id="{0BB51E12-F7E5-1349-A3BC-8A2D71322D41}"/>
+              </a:ext>
+            </a:extLst>
+          </p:cNvPr>
+          <p:cNvSpPr/>
+          <p:nvPr/>
+        </p:nvSpPr>
+        <p:spPr>
+          <a:xfrm>
+            <a:off x="838197" y="2735962"/>
+            <a:ext cx="4074461" cy="830727"/>
+          </a:xfrm>
+          <a:prstGeom prst="frame">
+            <a:avLst/>
+          </a:prstGeom>
+          <a:solidFill>
+            <a:srgbClr val="FF0000"/>
+          </a:solidFill>
+          <a:ln>
+            <a:solidFill>
+              <a:srgbClr val="FF0000"/>
+            </a:solidFill>
+          </a:ln>
+        </p:spPr>
+        <p:style>
+          <a:lnRef idx="2">
+            <a:schemeClr val="accent1">
+              <a:shade val="50000"/>
+            </a:schemeClr>
+          </a:lnRef>
+          <a:fillRef idx="1">
+            <a:schemeClr val="accent1"/>
+          </a:fillRef>
+          <a:effectRef idx="0">
+            <a:schemeClr val="accent1"/>
+          </a:effectRef>
+          <a:fontRef idx="minor">
+            <a:schemeClr val="lt1"/>
+          </a:fontRef>
+        </p:style>
+        <p:txBody>
+          <a:bodyPr rtlCol="0" anchor="ctr"/>
+          <a:lstStyle/>
+          <a:p>
+            <a:pPr algn="ctr"/>
+            <a:endParaRPr lang="en-US">
+              <a:solidFill>
+                <a:schemeClr val="tx1"/>
+              </a:solidFill>
+            </a:endParaRPr>
+          </a:p>
+        </p:txBody>
+      </p:sp>
+      <p:sp>
+        <p:nvSpPr>
+          <p:cNvPr id="6" name="TextBox 5">
+            <a:extLst>
+              <a:ext uri="{FF2B5EF4-FFF2-40B4-BE49-F238E27FC236}">
+                <a16:creationId xmlns:a16="http://schemas.microsoft.com/office/drawing/2014/main" id="{A7D8B669-A4DF-BE41-B9EC-D44DC67CA67F}"/>
+              </a:ext>
+            </a:extLst>
+          </p:cNvPr>
+          <p:cNvSpPr txBox="1"/>
+          <p:nvPr/>
+        </p:nvSpPr>
+        <p:spPr>
+          <a:xfrm>
+            <a:off x="838197" y="5074024"/>
+            <a:ext cx="9829803" cy="1200329"/>
+          </a:xfrm>
+          <a:prstGeom prst="rect">
+            <a:avLst/>
+          </a:prstGeom>
+          <a:noFill/>
+        </p:spPr>
+        <p:txBody>
+          <a:bodyPr wrap="square" rtlCol="0">
+            <a:spAutoFit/>
+          </a:bodyPr>
+          <a:lstStyle/>
+          <a:p>
+            <a:r>
+              <a:rPr lang="en-US" sz="3600" dirty="0"/>
+              <a:t>Help me add flexibility to this by allowing me to change the probability of getting tails</a:t>
+            </a:r>
+          </a:p>
+        </p:txBody>
+      </p:sp>
+    </p:spTree>
+    <p:extLst>
+      <p:ext uri="{BB962C8B-B14F-4D97-AF65-F5344CB8AC3E}">
+        <p14:creationId xmlns:p14="http://schemas.microsoft.com/office/powerpoint/2010/main" val="2078418253"/>
+      </p:ext>
+    </p:extLst>
+  </p:cSld>
+  <p:clrMapOvr>
+    <a:masterClrMapping/>
+  </p:clrMapOvr>
+</p:sld>
+</file>
+
+<file path=ppt/slides/slide29.xml><?xml version="1.0" encoding="utf-8"?>
+<p:sld xmlns:a="http://schemas.openxmlformats.org/drawingml/2006/main" xmlns:r="http://schemas.openxmlformats.org/officeDocument/2006/relationships" xmlns:p="http://schemas.openxmlformats.org/presentationml/2006/main">
+  <p:cSld>
+    <p:spTree>
+      <p:nvGrpSpPr>
+        <p:cNvPr id="1" name=""/>
+        <p:cNvGrpSpPr/>
+        <p:nvPr/>
+      </p:nvGrpSpPr>
+      <p:grpSpPr>
+        <a:xfrm>
+          <a:off x="0" y="0"/>
+          <a:ext cx="0" cy="0"/>
+          <a:chOff x="0" y="0"/>
+          <a:chExt cx="0" cy="0"/>
+        </a:xfrm>
+      </p:grpSpPr>
+      <p:sp>
+        <p:nvSpPr>
+          <p:cNvPr id="2" name="Title 1">
+            <a:extLst>
+              <a:ext uri="{FF2B5EF4-FFF2-40B4-BE49-F238E27FC236}">
+                <a16:creationId xmlns:a16="http://schemas.microsoft.com/office/drawing/2014/main" id="{3E265537-371D-9643-A26A-04817A00A734}"/>
+              </a:ext>
+            </a:extLst>
+          </p:cNvPr>
+          <p:cNvSpPr>
+            <a:spLocks noGrp="1"/>
+          </p:cNvSpPr>
+          <p:nvPr>
+            <p:ph type="title"/>
+          </p:nvPr>
+        </p:nvSpPr>
+        <p:spPr/>
+        <p:txBody>
+          <a:bodyPr/>
+          <a:lstStyle/>
+          <a:p>
+            <a:r>
+              <a:rPr lang="en-US" dirty="0"/>
+              <a:t>Take home messages</a:t>
+            </a:r>
+          </a:p>
+        </p:txBody>
+      </p:sp>
+      <p:sp>
+        <p:nvSpPr>
+          <p:cNvPr id="3" name="Content Placeholder 2">
+            <a:extLst>
+              <a:ext uri="{FF2B5EF4-FFF2-40B4-BE49-F238E27FC236}">
+                <a16:creationId xmlns:a16="http://schemas.microsoft.com/office/drawing/2014/main" id="{D6934E27-EC5E-344E-9B50-A75A7D5F639D}"/>
+              </a:ext>
+            </a:extLst>
+          </p:cNvPr>
+          <p:cNvSpPr>
+            <a:spLocks noGrp="1"/>
+          </p:cNvSpPr>
+          <p:nvPr>
+            <p:ph idx="1"/>
+          </p:nvPr>
+        </p:nvSpPr>
+        <p:spPr/>
+        <p:txBody>
+          <a:bodyPr>
+            <a:normAutofit lnSpcReduction="10000"/>
+          </a:bodyPr>
+          <a:lstStyle/>
+          <a:p>
+            <a:r>
+              <a:rPr lang="en-US" sz="3600" dirty="0"/>
+              <a:t>Start small and build up</a:t>
+            </a:r>
+          </a:p>
+          <a:p>
+            <a:r>
+              <a:rPr lang="en-US" sz="3600" dirty="0"/>
+              <a:t>Work out the kinks bit by bit before investing too much time into writing a big function</a:t>
+            </a:r>
+          </a:p>
+          <a:p>
+            <a:r>
+              <a:rPr lang="en-US" sz="3600" dirty="0"/>
+              <a:t>Things that can look very complex at first can be broken down into small parts, which makes them less threatening</a:t>
+            </a:r>
+          </a:p>
+          <a:p>
+            <a:r>
+              <a:rPr lang="en-US" sz="3600" dirty="0"/>
+              <a:t>Writing functions and simulations is not that hard, you have all the tools already!</a:t>
+            </a:r>
+          </a:p>
+          <a:p>
+            <a:endParaRPr lang="en-US" sz="3600" dirty="0"/>
+          </a:p>
+        </p:txBody>
+      </p:sp>
+    </p:spTree>
+    <p:extLst>
+      <p:ext uri="{BB962C8B-B14F-4D97-AF65-F5344CB8AC3E}">
+        <p14:creationId xmlns:p14="http://schemas.microsoft.com/office/powerpoint/2010/main" val="2939835999"/>
+      </p:ext>
+    </p:extLst>
+  </p:cSld>
+  <p:clrMapOvr>
+    <a:masterClrMapping/>
+  </p:clrMapOvr>
+</p:sld>
+</file>
+
+<file path=ppt/slides/slide3.xml><?xml version="1.0" encoding="utf-8"?>
+<p:sld xmlns:a="http://schemas.openxmlformats.org/drawingml/2006/main" xmlns:r="http://schemas.openxmlformats.org/officeDocument/2006/relationships" xmlns:p="http://schemas.openxmlformats.org/presentationml/2006/main">
+  <p:cSld>
+    <p:spTree>
+      <p:nvGrpSpPr>
+        <p:cNvPr id="1" name=""/>
+        <p:cNvGrpSpPr/>
+        <p:nvPr/>
+      </p:nvGrpSpPr>
+      <p:grpSpPr>
+        <a:xfrm>
+          <a:off x="0" y="0"/>
+          <a:ext cx="0" cy="0"/>
+          <a:chOff x="0" y="0"/>
+          <a:chExt cx="0" cy="0"/>
+        </a:xfrm>
+      </p:grpSpPr>
+      <p:sp>
+        <p:nvSpPr>
+          <p:cNvPr id="2" name="Title 1">
+            <a:extLst>
+              <a:ext uri="{FF2B5EF4-FFF2-40B4-BE49-F238E27FC236}">
+                <a16:creationId xmlns:a16="http://schemas.microsoft.com/office/drawing/2014/main" id="{676ECDBA-89B9-C645-A6F9-4C43ACED2045}"/>
+              </a:ext>
+            </a:extLst>
+          </p:cNvPr>
+          <p:cNvSpPr>
+            <a:spLocks noGrp="1"/>
+          </p:cNvSpPr>
+          <p:nvPr>
+            <p:ph type="title"/>
+          </p:nvPr>
+        </p:nvSpPr>
+        <p:spPr/>
+        <p:txBody>
+          <a:bodyPr/>
+          <a:lstStyle/>
+          <a:p>
+            <a:r>
+              <a:rPr lang="en-US" dirty="0"/>
+              <a:t>The Power of Programming</a:t>
+            </a:r>
+          </a:p>
+        </p:txBody>
+      </p:sp>
+      <p:sp>
+        <p:nvSpPr>
+          <p:cNvPr id="3" name="Content Placeholder 2">
+            <a:extLst>
+              <a:ext uri="{FF2B5EF4-FFF2-40B4-BE49-F238E27FC236}">
+                <a16:creationId xmlns:a16="http://schemas.microsoft.com/office/drawing/2014/main" id="{051C4046-97E7-D64D-9688-9C618AB8E481}"/>
+              </a:ext>
+            </a:extLst>
+          </p:cNvPr>
+          <p:cNvSpPr>
+            <a:spLocks noGrp="1"/>
+          </p:cNvSpPr>
+          <p:nvPr>
+            <p:ph idx="1"/>
+          </p:nvPr>
+        </p:nvSpPr>
+        <p:spPr/>
+        <p:txBody>
+          <a:bodyPr/>
+          <a:lstStyle/>
+          <a:p>
+            <a:r>
+              <a:rPr lang="en-US" dirty="0"/>
+              <a:t>So far, much of what we saw demonstrates how to use R like an extremely smart calculator.</a:t>
+            </a:r>
+          </a:p>
+          <a:p>
+            <a:pPr marL="0" indent="0">
+              <a:buNone/>
+            </a:pPr>
+            <a:endParaRPr lang="en-US" dirty="0"/>
+          </a:p>
+          <a:p>
+            <a:r>
+              <a:rPr lang="en-US" dirty="0"/>
+              <a:t>The true power of the program comes from allowing R to query large datasets and make decisions for you.</a:t>
+            </a:r>
+          </a:p>
+        </p:txBody>
+      </p:sp>
+    </p:spTree>
+    <p:extLst>
+      <p:ext uri="{BB962C8B-B14F-4D97-AF65-F5344CB8AC3E}">
+        <p14:creationId xmlns:p14="http://schemas.microsoft.com/office/powerpoint/2010/main" val="1586864674"/>
+      </p:ext>
+    </p:extLst>
+  </p:cSld>
+  <p:clrMapOvr>
+    <a:masterClrMapping/>
+  </p:clrMapOvr>
+</p:sld>
+</file>
+
+<file path=ppt/slides/slide30.xml><?xml version="1.0" encoding="utf-8"?>
+<p:sld xmlns:a="http://schemas.openxmlformats.org/drawingml/2006/main" xmlns:r="http://schemas.openxmlformats.org/officeDocument/2006/relationships" xmlns:p="http://schemas.openxmlformats.org/presentationml/2006/main">
+  <p:cSld>
+    <p:spTree>
+      <p:nvGrpSpPr>
+        <p:cNvPr id="1" name=""/>
+        <p:cNvGrpSpPr/>
+        <p:nvPr/>
+      </p:nvGrpSpPr>
+      <p:grpSpPr>
+        <a:xfrm>
+          <a:off x="0" y="0"/>
+          <a:ext cx="0" cy="0"/>
+          <a:chOff x="0" y="0"/>
+          <a:chExt cx="0" cy="0"/>
+        </a:xfrm>
+      </p:grpSpPr>
+      <p:sp>
+        <p:nvSpPr>
+          <p:cNvPr id="2" name="Title 1">
+            <a:extLst>
+              <a:ext uri="{FF2B5EF4-FFF2-40B4-BE49-F238E27FC236}">
+                <a16:creationId xmlns:a16="http://schemas.microsoft.com/office/drawing/2014/main" id="{3E265537-371D-9643-A26A-04817A00A734}"/>
+              </a:ext>
+            </a:extLst>
+          </p:cNvPr>
+          <p:cNvSpPr>
+            <a:spLocks noGrp="1"/>
+          </p:cNvSpPr>
+          <p:nvPr>
+            <p:ph type="title"/>
+          </p:nvPr>
+        </p:nvSpPr>
+        <p:spPr/>
+        <p:txBody>
+          <a:bodyPr/>
+          <a:lstStyle/>
+          <a:p>
+            <a:r>
+              <a:rPr lang="en-US" dirty="0"/>
+              <a:t>Take home messages</a:t>
+            </a:r>
+          </a:p>
+        </p:txBody>
+      </p:sp>
+      <p:sp>
+        <p:nvSpPr>
+          <p:cNvPr id="3" name="Content Placeholder 2">
+            <a:extLst>
+              <a:ext uri="{FF2B5EF4-FFF2-40B4-BE49-F238E27FC236}">
+                <a16:creationId xmlns:a16="http://schemas.microsoft.com/office/drawing/2014/main" id="{D6934E27-EC5E-344E-9B50-A75A7D5F639D}"/>
+              </a:ext>
+            </a:extLst>
+          </p:cNvPr>
+          <p:cNvSpPr>
+            <a:spLocks noGrp="1"/>
+          </p:cNvSpPr>
+          <p:nvPr>
+            <p:ph idx="1"/>
+          </p:nvPr>
+        </p:nvSpPr>
+        <p:spPr/>
+        <p:txBody>
+          <a:bodyPr>
+            <a:normAutofit lnSpcReduction="10000"/>
+          </a:bodyPr>
+          <a:lstStyle/>
+          <a:p>
+            <a:r>
+              <a:rPr lang="en-US" sz="3600" dirty="0"/>
+              <a:t>Start small and build up</a:t>
+            </a:r>
+          </a:p>
+          <a:p>
+            <a:r>
+              <a:rPr lang="en-US" sz="3600" dirty="0"/>
+              <a:t>Work out the kinks bit by bit before investing too much time into writing a big function</a:t>
+            </a:r>
+          </a:p>
+          <a:p>
+            <a:r>
+              <a:rPr lang="en-US" sz="3600" dirty="0"/>
+              <a:t>Things that can look very complex at first can be broken down into small parts, which makes them less threatening</a:t>
+            </a:r>
+          </a:p>
+          <a:p>
+            <a:r>
+              <a:rPr lang="en-US" sz="3600" dirty="0"/>
+              <a:t>Writing functions and simulations is not that hard, you have all the tools already!</a:t>
+            </a:r>
+          </a:p>
+          <a:p>
+            <a:endParaRPr lang="en-US" sz="3600" dirty="0"/>
+          </a:p>
+        </p:txBody>
+      </p:sp>
+    </p:spTree>
+    <p:extLst>
+      <p:ext uri="{BB962C8B-B14F-4D97-AF65-F5344CB8AC3E}">
+        <p14:creationId xmlns:p14="http://schemas.microsoft.com/office/powerpoint/2010/main" val="832906525"/>
+      </p:ext>
+    </p:extLst>
+  </p:cSld>
+  <p:clrMapOvr>
+    <a:masterClrMapping/>
+  </p:clrMapOvr>
+</p:sld>
+</file>
+
+<file path=ppt/slides/slide31.xml><?xml version="1.0" encoding="utf-8"?>
+<p:sld xmlns:a="http://schemas.openxmlformats.org/drawingml/2006/main" xmlns:r="http://schemas.openxmlformats.org/officeDocument/2006/relationships" xmlns:p="http://schemas.openxmlformats.org/presentationml/2006/main">
+  <p:cSld>
+    <p:spTree>
+      <p:nvGrpSpPr>
+        <p:cNvPr id="1" name=""/>
+        <p:cNvGrpSpPr/>
+        <p:nvPr/>
+      </p:nvGrpSpPr>
+      <p:grpSpPr>
+        <a:xfrm>
+          <a:off x="0" y="0"/>
+          <a:ext cx="0" cy="0"/>
+          <a:chOff x="0" y="0"/>
+          <a:chExt cx="0" cy="0"/>
+        </a:xfrm>
+      </p:grpSpPr>
+      <p:sp>
+        <p:nvSpPr>
+          <p:cNvPr id="2" name="Title 1">
+            <a:extLst>
+              <a:ext uri="{FF2B5EF4-FFF2-40B4-BE49-F238E27FC236}">
+                <a16:creationId xmlns:a16="http://schemas.microsoft.com/office/drawing/2014/main" id="{3E265537-371D-9643-A26A-04817A00A734}"/>
+              </a:ext>
+            </a:extLst>
+          </p:cNvPr>
+          <p:cNvSpPr>
+            <a:spLocks noGrp="1"/>
+          </p:cNvSpPr>
+          <p:nvPr>
+            <p:ph type="title"/>
+          </p:nvPr>
+        </p:nvSpPr>
+        <p:spPr/>
+        <p:txBody>
+          <a:bodyPr/>
+          <a:lstStyle/>
+          <a:p>
+            <a:r>
+              <a:rPr lang="en-US" dirty="0"/>
+              <a:t>Take home messages</a:t>
+            </a:r>
+          </a:p>
+        </p:txBody>
+      </p:sp>
+      <p:sp>
+        <p:nvSpPr>
+          <p:cNvPr id="3" name="Content Placeholder 2">
+            <a:extLst>
+              <a:ext uri="{FF2B5EF4-FFF2-40B4-BE49-F238E27FC236}">
+                <a16:creationId xmlns:a16="http://schemas.microsoft.com/office/drawing/2014/main" id="{D6934E27-EC5E-344E-9B50-A75A7D5F639D}"/>
+              </a:ext>
+            </a:extLst>
+          </p:cNvPr>
+          <p:cNvSpPr>
+            <a:spLocks noGrp="1"/>
+          </p:cNvSpPr>
+          <p:nvPr>
+            <p:ph idx="1"/>
+          </p:nvPr>
+        </p:nvSpPr>
+        <p:spPr/>
+        <p:txBody>
+          <a:bodyPr>
+            <a:normAutofit/>
+          </a:bodyPr>
+          <a:lstStyle/>
+          <a:p>
+            <a:r>
+              <a:rPr lang="en-US" sz="3600" dirty="0"/>
+              <a:t>Start small and build up</a:t>
+            </a:r>
+          </a:p>
+          <a:p>
+            <a:r>
+              <a:rPr lang="en-US" sz="3600" dirty="0"/>
+              <a:t>Work out the kinks bit by bit before investing too much time into writing a big function</a:t>
+            </a:r>
+          </a:p>
+          <a:p>
+            <a:endParaRPr lang="en-US" sz="3600" dirty="0"/>
+          </a:p>
+        </p:txBody>
+      </p:sp>
+    </p:spTree>
+    <p:extLst>
+      <p:ext uri="{BB962C8B-B14F-4D97-AF65-F5344CB8AC3E}">
+        <p14:creationId xmlns:p14="http://schemas.microsoft.com/office/powerpoint/2010/main" val="1841597152"/>
+      </p:ext>
+    </p:extLst>
+  </p:cSld>
+  <p:clrMapOvr>
+    <a:masterClrMapping/>
+  </p:clrMapOvr>
+</p:sld>
+</file>
+
+<file path=ppt/slides/slide32.xml><?xml version="1.0" encoding="utf-8"?>
+<p:sld xmlns:a="http://schemas.openxmlformats.org/drawingml/2006/main" xmlns:r="http://schemas.openxmlformats.org/officeDocument/2006/relationships" xmlns:p="http://schemas.openxmlformats.org/presentationml/2006/main">
+  <p:cSld>
+    <p:spTree>
+      <p:nvGrpSpPr>
+        <p:cNvPr id="1" name=""/>
+        <p:cNvGrpSpPr/>
+        <p:nvPr/>
+      </p:nvGrpSpPr>
+      <p:grpSpPr>
+        <a:xfrm>
+          <a:off x="0" y="0"/>
+          <a:ext cx="0" cy="0"/>
+          <a:chOff x="0" y="0"/>
+          <a:chExt cx="0" cy="0"/>
+        </a:xfrm>
+      </p:grpSpPr>
+      <p:sp>
+        <p:nvSpPr>
+          <p:cNvPr id="2" name="Title 1">
+            <a:extLst>
+              <a:ext uri="{FF2B5EF4-FFF2-40B4-BE49-F238E27FC236}">
+                <a16:creationId xmlns:a16="http://schemas.microsoft.com/office/drawing/2014/main" id="{3E265537-371D-9643-A26A-04817A00A734}"/>
+              </a:ext>
+            </a:extLst>
+          </p:cNvPr>
+          <p:cNvSpPr>
+            <a:spLocks noGrp="1"/>
+          </p:cNvSpPr>
+          <p:nvPr>
+            <p:ph type="title"/>
+          </p:nvPr>
+        </p:nvSpPr>
+        <p:spPr/>
+        <p:txBody>
+          <a:bodyPr/>
+          <a:lstStyle/>
+          <a:p>
+            <a:r>
+              <a:rPr lang="en-US" dirty="0"/>
+              <a:t>Take home messages</a:t>
+            </a:r>
+          </a:p>
+        </p:txBody>
+      </p:sp>
+      <p:sp>
+        <p:nvSpPr>
+          <p:cNvPr id="3" name="Content Placeholder 2">
+            <a:extLst>
+              <a:ext uri="{FF2B5EF4-FFF2-40B4-BE49-F238E27FC236}">
+                <a16:creationId xmlns:a16="http://schemas.microsoft.com/office/drawing/2014/main" id="{D6934E27-EC5E-344E-9B50-A75A7D5F639D}"/>
+              </a:ext>
+            </a:extLst>
+          </p:cNvPr>
+          <p:cNvSpPr>
+            <a:spLocks noGrp="1"/>
+          </p:cNvSpPr>
+          <p:nvPr>
+            <p:ph idx="1"/>
+          </p:nvPr>
+        </p:nvSpPr>
+        <p:spPr/>
+        <p:txBody>
+          <a:bodyPr>
+            <a:normAutofit/>
+          </a:bodyPr>
+          <a:lstStyle/>
+          <a:p>
+            <a:r>
+              <a:rPr lang="en-US" sz="3600" dirty="0"/>
+              <a:t>Start small and build up</a:t>
+            </a:r>
+          </a:p>
+          <a:p>
+            <a:r>
+              <a:rPr lang="en-US" sz="3600" dirty="0"/>
+              <a:t>Work out the kinks bit by bit before investing too much time into writing a big function</a:t>
+            </a:r>
+          </a:p>
+          <a:p>
+            <a:r>
+              <a:rPr lang="en-US" sz="3600" dirty="0"/>
+              <a:t>Things that can look very complex at first can be broken down into small parts, which makes them less threatening</a:t>
+            </a:r>
+          </a:p>
+          <a:p>
+            <a:endParaRPr lang="en-US" sz="3600" dirty="0"/>
+          </a:p>
+        </p:txBody>
+      </p:sp>
+    </p:spTree>
+    <p:extLst>
+      <p:ext uri="{BB962C8B-B14F-4D97-AF65-F5344CB8AC3E}">
+        <p14:creationId xmlns:p14="http://schemas.microsoft.com/office/powerpoint/2010/main" val="1271227588"/>
+      </p:ext>
+    </p:extLst>
+  </p:cSld>
+  <p:clrMapOvr>
+    <a:masterClrMapping/>
+  </p:clrMapOvr>
+</p:sld>
+</file>
+
+<file path=ppt/slides/slide33.xml><?xml version="1.0" encoding="utf-8"?>
+<p:sld xmlns:a="http://schemas.openxmlformats.org/drawingml/2006/main" xmlns:r="http://schemas.openxmlformats.org/officeDocument/2006/relationships" xmlns:p="http://schemas.openxmlformats.org/presentationml/2006/main">
+  <p:cSld>
+    <p:spTree>
+      <p:nvGrpSpPr>
+        <p:cNvPr id="1" name=""/>
+        <p:cNvGrpSpPr/>
+        <p:nvPr/>
+      </p:nvGrpSpPr>
+      <p:grpSpPr>
+        <a:xfrm>
+          <a:off x="0" y="0"/>
+          <a:ext cx="0" cy="0"/>
+          <a:chOff x="0" y="0"/>
+          <a:chExt cx="0" cy="0"/>
+        </a:xfrm>
+      </p:grpSpPr>
+      <p:sp>
+        <p:nvSpPr>
+          <p:cNvPr id="2" name="Title 1">
+            <a:extLst>
+              <a:ext uri="{FF2B5EF4-FFF2-40B4-BE49-F238E27FC236}">
+                <a16:creationId xmlns:a16="http://schemas.microsoft.com/office/drawing/2014/main" id="{3E265537-371D-9643-A26A-04817A00A734}"/>
+              </a:ext>
+            </a:extLst>
+          </p:cNvPr>
+          <p:cNvSpPr>
+            <a:spLocks noGrp="1"/>
+          </p:cNvSpPr>
+          <p:nvPr>
+            <p:ph type="title"/>
+          </p:nvPr>
+        </p:nvSpPr>
+        <p:spPr/>
+        <p:txBody>
+          <a:bodyPr/>
+          <a:lstStyle/>
+          <a:p>
+            <a:r>
+              <a:rPr lang="en-US" dirty="0"/>
+              <a:t>Take home messages</a:t>
+            </a:r>
+          </a:p>
+        </p:txBody>
+      </p:sp>
+      <p:sp>
+        <p:nvSpPr>
+          <p:cNvPr id="3" name="Content Placeholder 2">
+            <a:extLst>
+              <a:ext uri="{FF2B5EF4-FFF2-40B4-BE49-F238E27FC236}">
+                <a16:creationId xmlns:a16="http://schemas.microsoft.com/office/drawing/2014/main" id="{D6934E27-EC5E-344E-9B50-A75A7D5F639D}"/>
+              </a:ext>
+            </a:extLst>
+          </p:cNvPr>
+          <p:cNvSpPr>
+            <a:spLocks noGrp="1"/>
+          </p:cNvSpPr>
+          <p:nvPr>
+            <p:ph idx="1"/>
+          </p:nvPr>
+        </p:nvSpPr>
+        <p:spPr/>
+        <p:txBody>
+          <a:bodyPr>
+            <a:normAutofit lnSpcReduction="10000"/>
+          </a:bodyPr>
+          <a:lstStyle/>
+          <a:p>
+            <a:r>
+              <a:rPr lang="en-US" sz="3600" dirty="0"/>
+              <a:t>Start small and build up</a:t>
+            </a:r>
+          </a:p>
+          <a:p>
+            <a:r>
+              <a:rPr lang="en-US" sz="3600" dirty="0"/>
+              <a:t>Work out the kinks bit by bit before investing too much time into writing a big function</a:t>
+            </a:r>
+          </a:p>
+          <a:p>
+            <a:r>
+              <a:rPr lang="en-US" sz="3600" dirty="0"/>
+              <a:t>Things that can look very complex at first can be broken down into small parts, which makes them less threatening</a:t>
+            </a:r>
+          </a:p>
+          <a:p>
+            <a:r>
+              <a:rPr lang="en-US" sz="3600" dirty="0"/>
+              <a:t>Writing functions and simulations is not that hard, you have all the tools already!</a:t>
+            </a:r>
+          </a:p>
+          <a:p>
+            <a:endParaRPr lang="en-US" sz="3600" dirty="0"/>
+          </a:p>
+        </p:txBody>
+      </p:sp>
+    </p:spTree>
+    <p:extLst>
+      <p:ext uri="{BB962C8B-B14F-4D97-AF65-F5344CB8AC3E}">
+        <p14:creationId xmlns:p14="http://schemas.microsoft.com/office/powerpoint/2010/main" val="2525246876"/>
+      </p:ext>
+    </p:extLst>
+  </p:cSld>
+  <p:clrMapOvr>
+    <a:masterClrMapping/>
+  </p:clrMapOvr>
+</p:sld>
+</file>
+
+<file path=ppt/slides/slide4.xml><?xml version="1.0" encoding="utf-8"?>
+<p:sld xmlns:a="http://schemas.openxmlformats.org/drawingml/2006/main" xmlns:r="http://schemas.openxmlformats.org/officeDocument/2006/relationships" xmlns:p="http://schemas.openxmlformats.org/presentationml/2006/main">
+  <p:cSld>
+    <p:spTree>
+      <p:nvGrpSpPr>
+        <p:cNvPr id="1" name=""/>
+        <p:cNvGrpSpPr/>
+        <p:nvPr/>
+      </p:nvGrpSpPr>
+      <p:grpSpPr>
+        <a:xfrm>
+          <a:off x="0" y="0"/>
+          <a:ext cx="0" cy="0"/>
+          <a:chOff x="0" y="0"/>
+          <a:chExt cx="0" cy="0"/>
+        </a:xfrm>
+      </p:grpSpPr>
+      <p:sp>
+        <p:nvSpPr>
+          <p:cNvPr id="2" name="Title 1">
+            <a:extLst>
+              <a:ext uri="{FF2B5EF4-FFF2-40B4-BE49-F238E27FC236}">
+                <a16:creationId xmlns:a16="http://schemas.microsoft.com/office/drawing/2014/main" id="{676ECDBA-89B9-C645-A6F9-4C43ACED2045}"/>
+              </a:ext>
+            </a:extLst>
+          </p:cNvPr>
+          <p:cNvSpPr>
+            <a:spLocks noGrp="1"/>
+          </p:cNvSpPr>
+          <p:nvPr>
+            <p:ph type="title"/>
+          </p:nvPr>
+        </p:nvSpPr>
+        <p:spPr/>
+        <p:txBody>
+          <a:bodyPr/>
+          <a:lstStyle/>
+          <a:p>
+            <a:r>
+              <a:rPr lang="en-US" dirty="0"/>
+              <a:t>The Power of Programming</a:t>
+            </a:r>
+          </a:p>
+        </p:txBody>
+      </p:sp>
+      <p:sp>
+        <p:nvSpPr>
+          <p:cNvPr id="3" name="Content Placeholder 2">
+            <a:extLst>
+              <a:ext uri="{FF2B5EF4-FFF2-40B4-BE49-F238E27FC236}">
+                <a16:creationId xmlns:a16="http://schemas.microsoft.com/office/drawing/2014/main" id="{051C4046-97E7-D64D-9688-9C618AB8E481}"/>
+              </a:ext>
+            </a:extLst>
+          </p:cNvPr>
+          <p:cNvSpPr>
+            <a:spLocks noGrp="1"/>
+          </p:cNvSpPr>
+          <p:nvPr>
+            <p:ph idx="1"/>
+          </p:nvPr>
+        </p:nvSpPr>
+        <p:spPr/>
+        <p:txBody>
+          <a:bodyPr/>
+          <a:lstStyle/>
+          <a:p>
+            <a:r>
+              <a:rPr lang="en-US" dirty="0"/>
+              <a:t>So far, much of what we saw demonstrates how to use R like an extremely smart calculator.</a:t>
+            </a:r>
+          </a:p>
+          <a:p>
+            <a:r>
+              <a:rPr lang="en-US" dirty="0"/>
+              <a:t>The true power of the program comes from allowing R to query large datasets and make decisions for you.</a:t>
+            </a:r>
+          </a:p>
+          <a:p>
+            <a:r>
+              <a:rPr lang="en-US" dirty="0"/>
+              <a:t>Three key programming tools are helpful:</a:t>
+            </a:r>
+          </a:p>
+          <a:p>
+            <a:pPr marL="971550" lvl="1" indent="-514350">
+              <a:buAutoNum type="arabicPeriod"/>
+            </a:pPr>
+            <a:r>
+              <a:rPr lang="en-US" dirty="0"/>
+              <a:t>If-else statements</a:t>
+            </a:r>
+          </a:p>
+          <a:p>
+            <a:pPr marL="971550" lvl="1" indent="-514350">
+              <a:buAutoNum type="arabicPeriod"/>
+            </a:pPr>
+            <a:r>
+              <a:rPr lang="en-US" dirty="0"/>
+              <a:t>For-loops</a:t>
+            </a:r>
+          </a:p>
+          <a:p>
+            <a:pPr marL="971550" lvl="1" indent="-514350">
+              <a:buAutoNum type="arabicPeriod"/>
+            </a:pPr>
+            <a:r>
+              <a:rPr lang="en-US" dirty="0"/>
+              <a:t>Functions</a:t>
+            </a:r>
+          </a:p>
+          <a:p>
+            <a:pPr marL="971550" lvl="1" indent="-514350">
+              <a:buAutoNum type="arabicPeriod"/>
+            </a:pPr>
+            <a:endParaRPr lang="en-US" dirty="0"/>
+          </a:p>
+        </p:txBody>
+      </p:sp>
+    </p:spTree>
+    <p:extLst>
+      <p:ext uri="{BB962C8B-B14F-4D97-AF65-F5344CB8AC3E}">
+        <p14:creationId xmlns:p14="http://schemas.microsoft.com/office/powerpoint/2010/main" val="3373008054"/>
+      </p:ext>
+    </p:extLst>
+  </p:cSld>
+  <p:clrMapOvr>
+    <a:masterClrMapping/>
+  </p:clrMapOvr>
+</p:sld>
+</file>
+
+<file path=ppt/slides/slide5.xml><?xml version="1.0" encoding="utf-8"?>
+<p:sld xmlns:a="http://schemas.openxmlformats.org/drawingml/2006/main" xmlns:r="http://schemas.openxmlformats.org/officeDocument/2006/relationships" xmlns:p="http://schemas.openxmlformats.org/presentationml/2006/main">
+  <p:cSld>
+    <p:spTree>
+      <p:nvGrpSpPr>
+        <p:cNvPr id="1" name=""/>
+        <p:cNvGrpSpPr/>
+        <p:nvPr/>
+      </p:nvGrpSpPr>
+      <p:grpSpPr>
+        <a:xfrm>
+          <a:off x="0" y="0"/>
+          <a:ext cx="0" cy="0"/>
+          <a:chOff x="0" y="0"/>
+          <a:chExt cx="0" cy="0"/>
+        </a:xfrm>
+      </p:grpSpPr>
+      <p:sp>
+        <p:nvSpPr>
+          <p:cNvPr id="2" name="Title 1">
+            <a:extLst>
+              <a:ext uri="{FF2B5EF4-FFF2-40B4-BE49-F238E27FC236}">
+                <a16:creationId xmlns:a16="http://schemas.microsoft.com/office/drawing/2014/main" id="{676ECDBA-89B9-C645-A6F9-4C43ACED2045}"/>
+              </a:ext>
+            </a:extLst>
+          </p:cNvPr>
+          <p:cNvSpPr>
+            <a:spLocks noGrp="1"/>
+          </p:cNvSpPr>
+          <p:nvPr>
+            <p:ph type="title"/>
+          </p:nvPr>
+        </p:nvSpPr>
+        <p:spPr/>
+        <p:txBody>
+          <a:bodyPr/>
+          <a:lstStyle/>
+          <a:p>
+            <a:r>
+              <a:rPr lang="en-US" dirty="0"/>
+              <a:t>The Power of Programming</a:t>
+            </a:r>
+          </a:p>
+        </p:txBody>
+      </p:sp>
+      <p:sp>
+        <p:nvSpPr>
+          <p:cNvPr id="3" name="Content Placeholder 2">
+            <a:extLst>
+              <a:ext uri="{FF2B5EF4-FFF2-40B4-BE49-F238E27FC236}">
+                <a16:creationId xmlns:a16="http://schemas.microsoft.com/office/drawing/2014/main" id="{051C4046-97E7-D64D-9688-9C618AB8E481}"/>
+              </a:ext>
+            </a:extLst>
+          </p:cNvPr>
+          <p:cNvSpPr>
+            <a:spLocks noGrp="1"/>
+          </p:cNvSpPr>
+          <p:nvPr>
+            <p:ph idx="1"/>
+          </p:nvPr>
+        </p:nvSpPr>
+        <p:spPr/>
+        <p:txBody>
+          <a:bodyPr>
+            <a:normAutofit lnSpcReduction="10000"/>
+          </a:bodyPr>
+          <a:lstStyle/>
+          <a:p>
+            <a:r>
+              <a:rPr lang="en-US" dirty="0"/>
+              <a:t>So far, much of we learned demonstrates how to use R like an extremely smart calculator.</a:t>
+            </a:r>
+          </a:p>
+          <a:p>
+            <a:r>
+              <a:rPr lang="en-US" dirty="0"/>
+              <a:t>The true power of the program comes from allowing R to query large datasets and make decisions for you.</a:t>
+            </a:r>
+          </a:p>
+          <a:p>
+            <a:r>
+              <a:rPr lang="en-US" dirty="0"/>
+              <a:t>Three key programming tools are helpful:</a:t>
+            </a:r>
+          </a:p>
+          <a:p>
+            <a:pPr marL="971550" lvl="1" indent="-514350">
+              <a:buAutoNum type="arabicPeriod"/>
+            </a:pPr>
+            <a:r>
+              <a:rPr lang="en-US" dirty="0"/>
+              <a:t>If-else and </a:t>
+            </a:r>
+            <a:r>
+              <a:rPr lang="en-US" dirty="0" err="1"/>
+              <a:t>ifelse</a:t>
+            </a:r>
+            <a:r>
+              <a:rPr lang="en-US" dirty="0"/>
+              <a:t> statements</a:t>
+            </a:r>
+          </a:p>
+          <a:p>
+            <a:pPr marL="971550" lvl="1" indent="-514350">
+              <a:buAutoNum type="arabicPeriod"/>
+            </a:pPr>
+            <a:r>
+              <a:rPr lang="en-US" dirty="0"/>
+              <a:t>For-loops</a:t>
+            </a:r>
+          </a:p>
+          <a:p>
+            <a:pPr marL="457200" lvl="1" indent="0">
+              <a:buNone/>
+            </a:pPr>
+            <a:r>
+              <a:rPr lang="en-US" dirty="0"/>
+              <a:t>Allow you to control the flow of our programming and cause different things to happen depending on the value of tests</a:t>
+            </a:r>
+          </a:p>
+          <a:p>
+            <a:pPr marL="457200" lvl="1" indent="0">
+              <a:buNone/>
+            </a:pPr>
+            <a:endParaRPr lang="en-US" dirty="0"/>
+          </a:p>
+          <a:p>
+            <a:pPr marL="457200" lvl="1" indent="0">
+              <a:buNone/>
+            </a:pPr>
+            <a:r>
+              <a:rPr lang="en-US" dirty="0"/>
+              <a:t>3. Functions</a:t>
+            </a:r>
+          </a:p>
+          <a:p>
+            <a:pPr marL="971550" lvl="1" indent="-514350">
+              <a:buAutoNum type="arabicPeriod"/>
+            </a:pPr>
+            <a:endParaRPr lang="en-US" dirty="0"/>
+          </a:p>
+        </p:txBody>
+      </p:sp>
+    </p:spTree>
+    <p:extLst>
+      <p:ext uri="{BB962C8B-B14F-4D97-AF65-F5344CB8AC3E}">
+        <p14:creationId xmlns:p14="http://schemas.microsoft.com/office/powerpoint/2010/main" val="2619045747"/>
+      </p:ext>
+    </p:extLst>
+  </p:cSld>
+  <p:clrMapOvr>
+    <a:masterClrMapping/>
+  </p:clrMapOvr>
+</p:sld>
+</file>
+
+<file path=ppt/slides/slide6.xml><?xml version="1.0" encoding="utf-8"?>
+<p:sld xmlns:a="http://schemas.openxmlformats.org/drawingml/2006/main" xmlns:r="http://schemas.openxmlformats.org/officeDocument/2006/relationships" xmlns:p="http://schemas.openxmlformats.org/presentationml/2006/main">
+  <p:cSld>
+    <p:spTree>
+      <p:nvGrpSpPr>
+        <p:cNvPr id="1" name=""/>
+        <p:cNvGrpSpPr/>
+        <p:nvPr/>
+      </p:nvGrpSpPr>
+      <p:grpSpPr>
+        <a:xfrm>
+          <a:off x="0" y="0"/>
+          <a:ext cx="0" cy="0"/>
+          <a:chOff x="0" y="0"/>
+          <a:chExt cx="0" cy="0"/>
+        </a:xfrm>
+      </p:grpSpPr>
+      <p:sp>
+        <p:nvSpPr>
+          <p:cNvPr id="2" name="Title 1">
+            <a:extLst>
+              <a:ext uri="{FF2B5EF4-FFF2-40B4-BE49-F238E27FC236}">
+                <a16:creationId xmlns:a16="http://schemas.microsoft.com/office/drawing/2014/main" id="{FE1A575A-3690-3342-8B05-DD3DCA02726A}"/>
+              </a:ext>
+            </a:extLst>
+          </p:cNvPr>
+          <p:cNvSpPr>
+            <a:spLocks noGrp="1"/>
+          </p:cNvSpPr>
+          <p:nvPr>
+            <p:ph type="title"/>
+          </p:nvPr>
+        </p:nvSpPr>
+        <p:spPr/>
+        <p:txBody>
+          <a:bodyPr/>
+          <a:lstStyle/>
+          <a:p>
+            <a:r>
+              <a:rPr lang="en-US" dirty="0"/>
+              <a:t>For-loops</a:t>
+            </a:r>
+          </a:p>
+        </p:txBody>
+      </p:sp>
+      <p:sp>
+        <p:nvSpPr>
+          <p:cNvPr id="3" name="Content Placeholder 2">
+            <a:extLst>
+              <a:ext uri="{FF2B5EF4-FFF2-40B4-BE49-F238E27FC236}">
+                <a16:creationId xmlns:a16="http://schemas.microsoft.com/office/drawing/2014/main" id="{ED102E9B-569E-C044-BC42-6E1A2D9D11C4}"/>
+              </a:ext>
+            </a:extLst>
+          </p:cNvPr>
+          <p:cNvSpPr>
+            <a:spLocks noGrp="1"/>
+          </p:cNvSpPr>
+          <p:nvPr>
+            <p:ph idx="1"/>
+          </p:nvPr>
+        </p:nvSpPr>
+        <p:spPr/>
+        <p:txBody>
+          <a:bodyPr/>
+          <a:lstStyle/>
+          <a:p>
+            <a:r>
+              <a:rPr lang="en-US" dirty="0"/>
+              <a:t>“Looping”, “cycling”, “iterating” is nothing more than automating a multi-step process by organizing sequences of actions or ‘batch’ processes and by grouping the parts that need to be repeated.</a:t>
+            </a:r>
+          </a:p>
+          <a:p>
+            <a:r>
+              <a:rPr lang="en-US" dirty="0">
+                <a:solidFill>
+                  <a:srgbClr val="FF0000"/>
+                </a:solidFill>
+              </a:rPr>
+              <a:t>For loops </a:t>
+            </a:r>
+            <a:r>
+              <a:rPr lang="en-US" dirty="0"/>
+              <a:t>execute for a prescribed number of times, as controlled by a counter or an index, incremented at each iteration cycle.</a:t>
+            </a:r>
+          </a:p>
+          <a:p>
+            <a:endParaRPr lang="en-US" dirty="0"/>
+          </a:p>
+          <a:p>
+            <a:pPr marL="0" indent="0">
+              <a:buNone/>
+            </a:pPr>
+            <a:endParaRPr lang="en-US" dirty="0"/>
+          </a:p>
+        </p:txBody>
+      </p:sp>
+    </p:spTree>
+    <p:extLst>
+      <p:ext uri="{BB962C8B-B14F-4D97-AF65-F5344CB8AC3E}">
+        <p14:creationId xmlns:p14="http://schemas.microsoft.com/office/powerpoint/2010/main" val="2228176726"/>
+      </p:ext>
+    </p:extLst>
+  </p:cSld>
+  <p:clrMapOvr>
+    <a:masterClrMapping/>
+  </p:clrMapOvr>
+</p:sld>
+</file>
+
+<file path=ppt/slides/slide7.xml><?xml version="1.0" encoding="utf-8"?>
+<p:sld xmlns:a="http://schemas.openxmlformats.org/drawingml/2006/main" xmlns:r="http://schemas.openxmlformats.org/officeDocument/2006/relationships" xmlns:p="http://schemas.openxmlformats.org/presentationml/2006/main">
+  <p:cSld>
+    <p:spTree>
+      <p:nvGrpSpPr>
+        <p:cNvPr id="1" name=""/>
+        <p:cNvGrpSpPr/>
+        <p:nvPr/>
+      </p:nvGrpSpPr>
+      <p:grpSpPr>
+        <a:xfrm>
+          <a:off x="0" y="0"/>
+          <a:ext cx="0" cy="0"/>
+          <a:chOff x="0" y="0"/>
+          <a:chExt cx="0" cy="0"/>
+        </a:xfrm>
+      </p:grpSpPr>
+      <p:sp>
+        <p:nvSpPr>
+          <p:cNvPr id="2" name="Title 1">
+            <a:extLst>
+              <a:ext uri="{FF2B5EF4-FFF2-40B4-BE49-F238E27FC236}">
+                <a16:creationId xmlns:a16="http://schemas.microsoft.com/office/drawing/2014/main" id="{676ECDBA-89B9-C645-A6F9-4C43ACED2045}"/>
+              </a:ext>
+            </a:extLst>
+          </p:cNvPr>
+          <p:cNvSpPr>
+            <a:spLocks noGrp="1"/>
+          </p:cNvSpPr>
+          <p:nvPr>
+            <p:ph type="title"/>
+          </p:nvPr>
+        </p:nvSpPr>
+        <p:spPr/>
+        <p:txBody>
+          <a:bodyPr/>
+          <a:lstStyle/>
+          <a:p>
+            <a:r>
+              <a:rPr lang="en-US" dirty="0"/>
+              <a:t>For-Loops</a:t>
+            </a:r>
+          </a:p>
+        </p:txBody>
+      </p:sp>
+      <p:sp>
+        <p:nvSpPr>
+          <p:cNvPr id="3" name="Content Placeholder 2">
+            <a:extLst>
+              <a:ext uri="{FF2B5EF4-FFF2-40B4-BE49-F238E27FC236}">
+                <a16:creationId xmlns:a16="http://schemas.microsoft.com/office/drawing/2014/main" id="{051C4046-97E7-D64D-9688-9C618AB8E481}"/>
+              </a:ext>
+            </a:extLst>
+          </p:cNvPr>
+          <p:cNvSpPr>
+            <a:spLocks noGrp="1"/>
+          </p:cNvSpPr>
+          <p:nvPr>
+            <p:ph idx="1"/>
+          </p:nvPr>
+        </p:nvSpPr>
+        <p:spPr/>
+        <p:txBody>
+          <a:bodyPr/>
+          <a:lstStyle/>
+          <a:p>
+            <a:pPr marL="0" indent="0">
+              <a:buNone/>
+            </a:pPr>
+            <a:r>
+              <a:rPr lang="en-US" dirty="0">
+                <a:solidFill>
+                  <a:srgbClr val="FF0000"/>
+                </a:solidFill>
+              </a:rPr>
+              <a:t>for</a:t>
+            </a:r>
+            <a:r>
+              <a:rPr lang="en-US" dirty="0"/>
+              <a:t> (variable </a:t>
+            </a:r>
+            <a:r>
+              <a:rPr lang="en-US" dirty="0">
+                <a:solidFill>
+                  <a:srgbClr val="FF0000"/>
+                </a:solidFill>
+              </a:rPr>
+              <a:t>in</a:t>
+            </a:r>
+            <a:r>
+              <a:rPr lang="en-US" dirty="0"/>
+              <a:t> vector) </a:t>
+            </a:r>
+          </a:p>
+          <a:p>
+            <a:pPr marL="0" indent="0">
+              <a:buNone/>
+            </a:pPr>
+            <a:r>
+              <a:rPr lang="en-US" dirty="0"/>
+              <a:t>	{ do something }</a:t>
+            </a:r>
+          </a:p>
+          <a:p>
+            <a:pPr marL="0" indent="0">
+              <a:buNone/>
+            </a:pPr>
+            <a:endParaRPr lang="en-US" dirty="0"/>
+          </a:p>
+          <a:p>
+            <a:pPr marL="0" indent="0">
+              <a:buNone/>
+            </a:pPr>
+            <a:endParaRPr lang="en-US" dirty="0"/>
+          </a:p>
+        </p:txBody>
+      </p:sp>
+      <p:pic>
+        <p:nvPicPr>
+          <p:cNvPr id="6" name="Picture 5" descr="A close up of a sign&#10;&#10;Description automatically generated">
+            <a:extLst>
+              <a:ext uri="{FF2B5EF4-FFF2-40B4-BE49-F238E27FC236}">
+                <a16:creationId xmlns:a16="http://schemas.microsoft.com/office/drawing/2014/main" id="{449BC2E2-BFB4-5349-B02E-9D7BECA08E54}"/>
+              </a:ext>
+            </a:extLst>
+          </p:cNvPr>
+          <p:cNvPicPr>
+            <a:picLocks noChangeAspect="1"/>
+          </p:cNvPicPr>
+          <p:nvPr/>
+        </p:nvPicPr>
+        <p:blipFill>
+          <a:blip r:embed="rId2"/>
+          <a:stretch>
+            <a:fillRect/>
+          </a:stretch>
+        </p:blipFill>
+        <p:spPr>
+          <a:xfrm>
+            <a:off x="8134350" y="800100"/>
+            <a:ext cx="3390900" cy="5257800"/>
+          </a:xfrm>
+          <a:prstGeom prst="rect">
+            <a:avLst/>
+          </a:prstGeom>
+        </p:spPr>
+      </p:pic>
+    </p:spTree>
+    <p:extLst>
+      <p:ext uri="{BB962C8B-B14F-4D97-AF65-F5344CB8AC3E}">
+        <p14:creationId xmlns:p14="http://schemas.microsoft.com/office/powerpoint/2010/main" val="139696600"/>
+      </p:ext>
+    </p:extLst>
+  </p:cSld>
+  <p:clrMapOvr>
+    <a:masterClrMapping/>
+  </p:clrMapOvr>
+</p:sld>
+</file>
+
+<file path=ppt/slides/slide8.xml><?xml version="1.0" encoding="utf-8"?>
+<p:sld xmlns:a="http://schemas.openxmlformats.org/drawingml/2006/main" xmlns:r="http://schemas.openxmlformats.org/officeDocument/2006/relationships" xmlns:p="http://schemas.openxmlformats.org/presentationml/2006/main">
+  <p:cSld>
+    <p:spTree>
+      <p:nvGrpSpPr>
+        <p:cNvPr id="1" name=""/>
+        <p:cNvGrpSpPr/>
+        <p:nvPr/>
+      </p:nvGrpSpPr>
+      <p:grpSpPr>
+        <a:xfrm>
+          <a:off x="0" y="0"/>
+          <a:ext cx="0" cy="0"/>
+          <a:chOff x="0" y="0"/>
+          <a:chExt cx="0" cy="0"/>
+        </a:xfrm>
+      </p:grpSpPr>
+      <p:sp>
+        <p:nvSpPr>
+          <p:cNvPr id="3" name="Content Placeholder 2">
+            <a:extLst>
+              <a:ext uri="{FF2B5EF4-FFF2-40B4-BE49-F238E27FC236}">
+                <a16:creationId xmlns:a16="http://schemas.microsoft.com/office/drawing/2014/main" id="{CD07FCF2-DED7-6E4D-B441-F9600CB35C87}"/>
+              </a:ext>
+            </a:extLst>
+          </p:cNvPr>
+          <p:cNvSpPr>
+            <a:spLocks noGrp="1"/>
+          </p:cNvSpPr>
+          <p:nvPr>
+            <p:ph idx="1"/>
+          </p:nvPr>
+        </p:nvSpPr>
+        <p:spPr/>
+        <p:txBody>
+          <a:bodyPr/>
+          <a:lstStyle/>
+          <a:p>
+            <a:pPr marL="0" indent="0">
+              <a:buNone/>
+            </a:pPr>
+            <a:endParaRPr lang="en-US" dirty="0"/>
+          </a:p>
+          <a:p>
+            <a:pPr marL="0" indent="0">
+              <a:buNone/>
+            </a:pPr>
+            <a:r>
+              <a:rPr lang="en-US" sz="6000" dirty="0">
+                <a:solidFill>
+                  <a:srgbClr val="0070C0"/>
+                </a:solidFill>
+              </a:rPr>
+              <a:t>for (</a:t>
+            </a:r>
+            <a:r>
+              <a:rPr lang="en-US" sz="6000" dirty="0" err="1">
+                <a:solidFill>
+                  <a:srgbClr val="0070C0"/>
+                </a:solidFill>
+              </a:rPr>
+              <a:t>i</a:t>
+            </a:r>
+            <a:r>
+              <a:rPr lang="en-US" sz="6000" dirty="0">
+                <a:solidFill>
+                  <a:srgbClr val="0070C0"/>
+                </a:solidFill>
+              </a:rPr>
+              <a:t> in 1:20) {</a:t>
+            </a:r>
+          </a:p>
+          <a:p>
+            <a:pPr marL="0" indent="0">
+              <a:buNone/>
+            </a:pPr>
+            <a:r>
+              <a:rPr lang="en-US" sz="6000" dirty="0">
+                <a:solidFill>
+                  <a:srgbClr val="0070C0"/>
+                </a:solidFill>
+              </a:rPr>
+              <a:t>print(paste("I am student",</a:t>
+            </a:r>
+            <a:r>
+              <a:rPr lang="en-US" sz="6000" dirty="0" err="1">
+                <a:solidFill>
+                  <a:srgbClr val="0070C0"/>
+                </a:solidFill>
+              </a:rPr>
+              <a:t>i</a:t>
+            </a:r>
+            <a:r>
+              <a:rPr lang="en-US" sz="6000" dirty="0">
+                <a:solidFill>
+                  <a:srgbClr val="0070C0"/>
+                </a:solidFill>
+              </a:rPr>
+              <a:t>))</a:t>
+            </a:r>
+          </a:p>
+          <a:p>
+            <a:pPr marL="0" indent="0">
+              <a:buNone/>
+            </a:pPr>
+            <a:r>
+              <a:rPr lang="en-US" sz="6000" dirty="0">
+                <a:solidFill>
+                  <a:srgbClr val="0070C0"/>
+                </a:solidFill>
+              </a:rPr>
+              <a:t>}</a:t>
+            </a:r>
+          </a:p>
+          <a:p>
+            <a:endParaRPr lang="en-US" dirty="0"/>
+          </a:p>
+        </p:txBody>
+      </p:sp>
+      <p:sp>
+        <p:nvSpPr>
+          <p:cNvPr id="7" name="Title 6">
+            <a:extLst>
+              <a:ext uri="{FF2B5EF4-FFF2-40B4-BE49-F238E27FC236}">
+                <a16:creationId xmlns:a16="http://schemas.microsoft.com/office/drawing/2014/main" id="{0942A6EC-EB78-D14A-A4C2-17331A272CE1}"/>
+              </a:ext>
+            </a:extLst>
+          </p:cNvPr>
+          <p:cNvSpPr>
+            <a:spLocks noGrp="1"/>
+          </p:cNvSpPr>
+          <p:nvPr>
+            <p:ph type="title"/>
+          </p:nvPr>
+        </p:nvSpPr>
+        <p:spPr/>
+        <p:txBody>
+          <a:bodyPr/>
+          <a:lstStyle/>
+          <a:p>
+            <a:endParaRPr lang="en-US"/>
+          </a:p>
+        </p:txBody>
+      </p:sp>
+    </p:spTree>
+    <p:extLst>
+      <p:ext uri="{BB962C8B-B14F-4D97-AF65-F5344CB8AC3E}">
+        <p14:creationId xmlns:p14="http://schemas.microsoft.com/office/powerpoint/2010/main" val="2606052293"/>
+      </p:ext>
+    </p:extLst>
+  </p:cSld>
+  <p:clrMapOvr>
+    <a:masterClrMapping/>
+  </p:clrMapOvr>
+</p:sld>
+</file>
+
+<file path=ppt/slides/slide9.xml><?xml version="1.0" encoding="utf-8"?>
+<p:sld xmlns:a="http://schemas.openxmlformats.org/drawingml/2006/main" xmlns:r="http://schemas.openxmlformats.org/officeDocument/2006/relationships" xmlns:p="http://schemas.openxmlformats.org/presentationml/2006/main">
+  <p:cSld>
+    <p:spTree>
+      <p:nvGrpSpPr>
+        <p:cNvPr id="1" name=""/>
+        <p:cNvGrpSpPr/>
+        <p:nvPr/>
+      </p:nvGrpSpPr>
+      <p:grpSpPr>
+        <a:xfrm>
+          <a:off x="0" y="0"/>
+          <a:ext cx="0" cy="0"/>
+          <a:chOff x="0" y="0"/>
+          <a:chExt cx="0" cy="0"/>
+        </a:xfrm>
+      </p:grpSpPr>
+      <p:sp>
+        <p:nvSpPr>
+          <p:cNvPr id="2" name="Title 1">
+            <a:extLst>
+              <a:ext uri="{FF2B5EF4-FFF2-40B4-BE49-F238E27FC236}">
+                <a16:creationId xmlns:a16="http://schemas.microsoft.com/office/drawing/2014/main" id="{C330CFCF-961C-EB4B-A9F7-AB97A96C2645}"/>
+              </a:ext>
+            </a:extLst>
+          </p:cNvPr>
+          <p:cNvSpPr>
+            <a:spLocks noGrp="1"/>
+          </p:cNvSpPr>
+          <p:nvPr>
+            <p:ph type="title"/>
+          </p:nvPr>
+        </p:nvSpPr>
+        <p:spPr>
+          <a:xfrm>
+            <a:off x="1676400" y="971550"/>
+            <a:ext cx="10515600" cy="854075"/>
+          </a:xfrm>
+        </p:spPr>
+        <p:txBody>
+          <a:bodyPr>
+            <a:normAutofit fontScale="90000"/>
+          </a:bodyPr>
+          <a:lstStyle/>
+          <a:p>
+            <a:r>
+              <a:rPr lang="en-US" dirty="0">
+                <a:solidFill>
+                  <a:srgbClr val="0070C0"/>
+                </a:solidFill>
+              </a:rPr>
+              <a:t>Tells the loop how many times to run</a:t>
+            </a:r>
+            <a:br>
+              <a:rPr lang="en-US" dirty="0"/>
+            </a:br>
+            <a:endParaRPr lang="en-US" dirty="0"/>
+          </a:p>
+        </p:txBody>
+      </p:sp>
+      <p:sp>
+        <p:nvSpPr>
+          <p:cNvPr id="3" name="Content Placeholder 2">
+            <a:extLst>
+              <a:ext uri="{FF2B5EF4-FFF2-40B4-BE49-F238E27FC236}">
+                <a16:creationId xmlns:a16="http://schemas.microsoft.com/office/drawing/2014/main" id="{CD07FCF2-DED7-6E4D-B441-F9600CB35C87}"/>
+              </a:ext>
+            </a:extLst>
+          </p:cNvPr>
+          <p:cNvSpPr>
+            <a:spLocks noGrp="1"/>
+          </p:cNvSpPr>
+          <p:nvPr>
+            <p:ph idx="1"/>
+          </p:nvPr>
+        </p:nvSpPr>
+        <p:spPr/>
+        <p:txBody>
+          <a:bodyPr/>
+          <a:lstStyle/>
+          <a:p>
+            <a:pPr marL="0" indent="0">
+              <a:buNone/>
+            </a:pPr>
+            <a:endParaRPr lang="en-US" dirty="0"/>
+          </a:p>
+          <a:p>
+            <a:pPr marL="0" indent="0">
+              <a:buNone/>
+            </a:pPr>
+            <a:r>
+              <a:rPr lang="en-US" sz="6000" dirty="0"/>
+              <a:t>for (</a:t>
+            </a:r>
+            <a:r>
+              <a:rPr lang="en-US" sz="6000" dirty="0" err="1"/>
+              <a:t>i</a:t>
+            </a:r>
+            <a:r>
+              <a:rPr lang="en-US" sz="6000" dirty="0"/>
+              <a:t> in 1:20) {</a:t>
+            </a:r>
+          </a:p>
+          <a:p>
+            <a:pPr marL="0" indent="0">
+              <a:buNone/>
+            </a:pPr>
+            <a:r>
+              <a:rPr lang="en-US" sz="6000" dirty="0"/>
+              <a:t>print(paste("I am student",</a:t>
+            </a:r>
+            <a:r>
+              <a:rPr lang="en-US" sz="6000" dirty="0" err="1"/>
+              <a:t>i</a:t>
+            </a:r>
+            <a:r>
+              <a:rPr lang="en-US" sz="6000" dirty="0"/>
+              <a:t>))</a:t>
+            </a:r>
+          </a:p>
+          <a:p>
+            <a:pPr marL="0" indent="0">
+              <a:buNone/>
+            </a:pPr>
+            <a:r>
+              <a:rPr lang="en-US" sz="6000" dirty="0"/>
+              <a:t>}</a:t>
+            </a:r>
+          </a:p>
+          <a:p>
+            <a:endParaRPr lang="en-US" dirty="0"/>
+          </a:p>
+        </p:txBody>
+      </p:sp>
+      <p:sp>
+        <p:nvSpPr>
+          <p:cNvPr id="4" name="Frame 3">
+            <a:extLst>
+              <a:ext uri="{FF2B5EF4-FFF2-40B4-BE49-F238E27FC236}">
+                <a16:creationId xmlns:a16="http://schemas.microsoft.com/office/drawing/2014/main" id="{8B1C55F5-9298-FB4E-9913-2FECD36D93D8}"/>
+              </a:ext>
+            </a:extLst>
+          </p:cNvPr>
+          <p:cNvSpPr/>
+          <p:nvPr/>
+        </p:nvSpPr>
+        <p:spPr>
+          <a:xfrm>
+            <a:off x="573741" y="2187388"/>
+            <a:ext cx="4536141" cy="1241612"/>
+          </a:xfrm>
+          <a:prstGeom prst="frame">
+            <a:avLst/>
+          </a:prstGeom>
+          <a:solidFill>
+            <a:schemeClr val="accent1"/>
+          </a:solidFill>
+          <a:ln w="0"/>
+        </p:spPr>
+        <p:style>
+          <a:lnRef idx="2">
+            <a:schemeClr val="accent1">
+              <a:shade val="50000"/>
+            </a:schemeClr>
+          </a:lnRef>
+          <a:fillRef idx="1">
+            <a:schemeClr val="accent1"/>
+          </a:fillRef>
+          <a:effectRef idx="0">
+            <a:schemeClr val="accent1"/>
+          </a:effectRef>
+          <a:fontRef idx="minor">
+            <a:schemeClr val="lt1"/>
+          </a:fontRef>
+        </p:style>
+        <p:txBody>
+          <a:bodyPr rtlCol="0" anchor="ctr"/>
+          <a:lstStyle/>
+          <a:p>
+            <a:pPr algn="ctr"/>
+            <a:endParaRPr lang="en-US">
+              <a:solidFill>
+                <a:schemeClr val="tx1"/>
+              </a:solidFill>
+            </a:endParaRPr>
+          </a:p>
+        </p:txBody>
+      </p:sp>
+    </p:spTree>
+    <p:extLst>
+      <p:ext uri="{BB962C8B-B14F-4D97-AF65-F5344CB8AC3E}">
+        <p14:creationId xmlns:p14="http://schemas.microsoft.com/office/powerpoint/2010/main" val="465389495"/>
       </p:ext>
     </p:extLst>
   </p:cSld>
